--- a/Artifacts/Linked List.pptx
+++ b/Artifacts/Linked List.pptx
@@ -6,6 +6,8 @@
   </p:sldMasterIdLst>
   <p:sldIdLst>
     <p:sldId id="256" r:id="rId2"/>
+    <p:sldId id="257" r:id="rId3"/>
+    <p:sldId id="258" r:id="rId4"/>
   </p:sldIdLst>
   <p:sldSz cx="12192000" cy="6858000"/>
   <p:notesSz cx="6858000" cy="9144000"/>
@@ -104,6 +106,11 @@
       </a:defRPr>
     </a:lvl9pPr>
   </p:defaultTextStyle>
+  <p:extLst>
+    <p:ext uri="{EFAFB233-063F-42B5-8137-9DF3F51BA10A}">
+      <p15:sldGuideLst xmlns:p15="http://schemas.microsoft.com/office/powerpoint/2012/main"/>
+    </p:ext>
+  </p:extLst>
 </p:presentation>
 </file>
 
@@ -3661,6 +3668,3618 @@
 </p:sld>
 </file>
 
+<file path=ppt/slides/slide2.xml><?xml version="1.0" encoding="utf-8"?>
+<p:sld xmlns:a="http://schemas.openxmlformats.org/drawingml/2006/main" xmlns:r="http://schemas.openxmlformats.org/officeDocument/2006/relationships" xmlns:p="http://schemas.openxmlformats.org/presentationml/2006/main">
+  <p:cSld>
+    <p:bg>
+      <p:bgPr>
+        <a:solidFill>
+          <a:schemeClr val="bg2"/>
+        </a:solidFill>
+        <a:effectLst/>
+      </p:bgPr>
+    </p:bg>
+    <p:spTree>
+      <p:nvGrpSpPr>
+        <p:cNvPr id="1" name=""/>
+        <p:cNvGrpSpPr/>
+        <p:nvPr/>
+      </p:nvGrpSpPr>
+      <p:grpSpPr>
+        <a:xfrm>
+          <a:off x="0" y="0"/>
+          <a:ext cx="0" cy="0"/>
+          <a:chOff x="0" y="0"/>
+          <a:chExt cx="0" cy="0"/>
+        </a:xfrm>
+      </p:grpSpPr>
+      <p:sp>
+        <p:nvSpPr>
+          <p:cNvPr id="10" name="Rectangle 9">
+            <a:extLst>
+              <a:ext uri="{FF2B5EF4-FFF2-40B4-BE49-F238E27FC236}">
+                <a16:creationId xmlns:a16="http://schemas.microsoft.com/office/drawing/2014/main" id="{09646535-AEF6-4883-A4F9-EEC1F8B4319E}"/>
+              </a:ext>
+              <a:ext uri="{C183D7F6-B498-43B3-948B-1728B52AA6E4}">
+                <adec:decorative xmlns:adec="http://schemas.microsoft.com/office/drawing/2017/decorative" val="1"/>
+              </a:ext>
+            </a:extLst>
+          </p:cNvPr>
+          <p:cNvSpPr>
+            <a:spLocks noGrp="1" noRot="1" noChangeAspect="1" noMove="1" noResize="1" noEditPoints="1" noAdjustHandles="1" noChangeArrowheads="1" noChangeShapeType="1" noTextEdit="1"/>
+          </p:cNvSpPr>
+          <p:nvPr>
+            <p:extLst>
+              <p:ext uri="{386F3935-93C4-4BCD-93E2-E3B085C9AB24}">
+                <p16:designElem xmlns:p16="http://schemas.microsoft.com/office/powerpoint/2015/main" val="1"/>
+              </p:ext>
+            </p:extLst>
+          </p:nvPr>
+        </p:nvSpPr>
+        <p:spPr>
+          <a:xfrm>
+            <a:off x="0" y="0"/>
+            <a:ext cx="12192000" cy="6858000"/>
+          </a:xfrm>
+          <a:prstGeom prst="rect">
+            <a:avLst/>
+          </a:prstGeom>
+          <a:solidFill>
+            <a:schemeClr val="bg2">
+              <a:lumMod val="90000"/>
+              <a:lumOff val="10000"/>
+            </a:schemeClr>
+          </a:solidFill>
+          <a:ln w="12700" cap="flat" cmpd="sng" algn="ctr">
+            <a:noFill/>
+            <a:prstDash val="solid"/>
+            <a:miter lim="800000"/>
+          </a:ln>
+          <a:effectLst/>
+        </p:spPr>
+        <p:style>
+          <a:lnRef idx="2">
+            <a:schemeClr val="accent1">
+              <a:shade val="50000"/>
+            </a:schemeClr>
+          </a:lnRef>
+          <a:fillRef idx="1">
+            <a:schemeClr val="accent1"/>
+          </a:fillRef>
+          <a:effectRef idx="0">
+            <a:schemeClr val="accent1"/>
+          </a:effectRef>
+          <a:fontRef idx="minor">
+            <a:schemeClr val="lt1"/>
+          </a:fontRef>
+        </p:style>
+        <p:txBody>
+          <a:bodyPr rtlCol="0" anchor="ctr"/>
+          <a:lstStyle/>
+          <a:p>
+            <a:pPr algn="ctr"/>
+            <a:endParaRPr lang="en-US"/>
+          </a:p>
+        </p:txBody>
+      </p:sp>
+      <p:sp>
+        <p:nvSpPr>
+          <p:cNvPr id="12" name="Rectangle 11">
+            <a:extLst>
+              <a:ext uri="{FF2B5EF4-FFF2-40B4-BE49-F238E27FC236}">
+                <a16:creationId xmlns:a16="http://schemas.microsoft.com/office/drawing/2014/main" id="{DB7EFF05-A8DA-4B3E-9C21-7A04283D4852}"/>
+              </a:ext>
+              <a:ext uri="{C183D7F6-B498-43B3-948B-1728B52AA6E4}">
+                <adec:decorative xmlns:adec="http://schemas.microsoft.com/office/drawing/2017/decorative" val="1"/>
+              </a:ext>
+            </a:extLst>
+          </p:cNvPr>
+          <p:cNvSpPr>
+            <a:spLocks noGrp="1" noRot="1" noChangeAspect="1" noMove="1" noResize="1" noEditPoints="1" noAdjustHandles="1" noChangeArrowheads="1" noChangeShapeType="1" noTextEdit="1"/>
+          </p:cNvSpPr>
+          <p:nvPr>
+            <p:extLst>
+              <p:ext uri="{386F3935-93C4-4BCD-93E2-E3B085C9AB24}">
+                <p16:designElem xmlns:p16="http://schemas.microsoft.com/office/powerpoint/2015/main" val="1"/>
+              </p:ext>
+            </p:extLst>
+          </p:nvPr>
+        </p:nvSpPr>
+        <p:spPr>
+          <a:xfrm>
+            <a:off x="0" y="0"/>
+            <a:ext cx="12192000" cy="6858000"/>
+          </a:xfrm>
+          <a:prstGeom prst="rect">
+            <a:avLst/>
+          </a:prstGeom>
+          <a:solidFill>
+            <a:schemeClr val="bg2">
+              <a:lumMod val="90000"/>
+              <a:lumOff val="10000"/>
+            </a:schemeClr>
+          </a:solidFill>
+          <a:ln w="12700" cap="flat" cmpd="sng" algn="ctr">
+            <a:noFill/>
+            <a:prstDash val="solid"/>
+            <a:miter lim="800000"/>
+          </a:ln>
+          <a:effectLst/>
+        </p:spPr>
+        <p:style>
+          <a:lnRef idx="2">
+            <a:schemeClr val="accent1">
+              <a:shade val="50000"/>
+            </a:schemeClr>
+          </a:lnRef>
+          <a:fillRef idx="1">
+            <a:schemeClr val="accent1"/>
+          </a:fillRef>
+          <a:effectRef idx="0">
+            <a:schemeClr val="accent1"/>
+          </a:effectRef>
+          <a:fontRef idx="minor">
+            <a:schemeClr val="lt1"/>
+          </a:fontRef>
+        </p:style>
+        <p:txBody>
+          <a:bodyPr rtlCol="0" anchor="ctr"/>
+          <a:lstStyle/>
+          <a:p>
+            <a:pPr algn="ctr"/>
+            <a:endParaRPr lang="en-US"/>
+          </a:p>
+        </p:txBody>
+      </p:sp>
+      <p:sp useBgFill="1">
+        <p:nvSpPr>
+          <p:cNvPr id="14" name="Rectangle 13">
+            <a:extLst>
+              <a:ext uri="{FF2B5EF4-FFF2-40B4-BE49-F238E27FC236}">
+                <a16:creationId xmlns:a16="http://schemas.microsoft.com/office/drawing/2014/main" id="{44CA1620-2C02-4B4E-97C8-06FCE85EEB0E}"/>
+              </a:ext>
+              <a:ext uri="{C183D7F6-B498-43B3-948B-1728B52AA6E4}">
+                <adec:decorative xmlns:adec="http://schemas.microsoft.com/office/drawing/2017/decorative" val="1"/>
+              </a:ext>
+            </a:extLst>
+          </p:cNvPr>
+          <p:cNvSpPr>
+            <a:spLocks noGrp="1" noRot="1" noChangeAspect="1" noMove="1" noResize="1" noEditPoints="1" noAdjustHandles="1" noChangeArrowheads="1" noChangeShapeType="1" noTextEdit="1"/>
+          </p:cNvSpPr>
+          <p:nvPr>
+            <p:extLst>
+              <p:ext uri="{386F3935-93C4-4BCD-93E2-E3B085C9AB24}">
+                <p16:designElem xmlns:p16="http://schemas.microsoft.com/office/powerpoint/2015/main" val="1"/>
+              </p:ext>
+            </p:extLst>
+          </p:nvPr>
+        </p:nvSpPr>
+        <p:spPr>
+          <a:xfrm>
+            <a:off x="0" y="0"/>
+            <a:ext cx="12192000" cy="6858000"/>
+          </a:xfrm>
+          <a:prstGeom prst="rect">
+            <a:avLst/>
+          </a:prstGeom>
+          <a:ln w="12700" cap="flat" cmpd="sng" algn="ctr">
+            <a:noFill/>
+            <a:prstDash val="solid"/>
+            <a:miter lim="800000"/>
+          </a:ln>
+          <a:effectLst/>
+        </p:spPr>
+        <p:style>
+          <a:lnRef idx="2">
+            <a:schemeClr val="accent1">
+              <a:shade val="50000"/>
+            </a:schemeClr>
+          </a:lnRef>
+          <a:fillRef idx="1">
+            <a:schemeClr val="accent1"/>
+          </a:fillRef>
+          <a:effectRef idx="0">
+            <a:schemeClr val="accent1"/>
+          </a:effectRef>
+          <a:fontRef idx="minor">
+            <a:schemeClr val="lt1"/>
+          </a:fontRef>
+        </p:style>
+        <p:txBody>
+          <a:bodyPr rtlCol="0" anchor="ctr"/>
+          <a:lstStyle/>
+          <a:p>
+            <a:pPr algn="ctr"/>
+            <a:endParaRPr lang="en-US"/>
+          </a:p>
+        </p:txBody>
+      </p:sp>
+      <p:sp>
+        <p:nvSpPr>
+          <p:cNvPr id="16" name="Rectangle 15">
+            <a:extLst>
+              <a:ext uri="{FF2B5EF4-FFF2-40B4-BE49-F238E27FC236}">
+                <a16:creationId xmlns:a16="http://schemas.microsoft.com/office/drawing/2014/main" id="{3657DE79-27F8-4881-BE3B-5321D1801425}"/>
+              </a:ext>
+              <a:ext uri="{C183D7F6-B498-43B3-948B-1728B52AA6E4}">
+                <adec:decorative xmlns:adec="http://schemas.microsoft.com/office/drawing/2017/decorative" val="1"/>
+              </a:ext>
+            </a:extLst>
+          </p:cNvPr>
+          <p:cNvSpPr>
+            <a:spLocks noGrp="1" noRot="1" noChangeAspect="1" noMove="1" noResize="1" noEditPoints="1" noAdjustHandles="1" noChangeArrowheads="1" noChangeShapeType="1" noTextEdit="1"/>
+          </p:cNvSpPr>
+          <p:nvPr>
+            <p:extLst>
+              <p:ext uri="{386F3935-93C4-4BCD-93E2-E3B085C9AB24}">
+                <p16:designElem xmlns:p16="http://schemas.microsoft.com/office/powerpoint/2015/main" val="1"/>
+              </p:ext>
+            </p:extLst>
+          </p:nvPr>
+        </p:nvSpPr>
+        <p:spPr>
+          <a:xfrm>
+            <a:off x="0" y="0"/>
+            <a:ext cx="12192000" cy="6858000"/>
+          </a:xfrm>
+          <a:prstGeom prst="rect">
+            <a:avLst/>
+          </a:prstGeom>
+          <a:solidFill>
+            <a:schemeClr val="bg2">
+              <a:lumMod val="90000"/>
+              <a:lumOff val="10000"/>
+            </a:schemeClr>
+          </a:solidFill>
+          <a:ln w="12700" cap="flat" cmpd="sng" algn="ctr">
+            <a:noFill/>
+            <a:prstDash val="solid"/>
+            <a:miter lim="800000"/>
+          </a:ln>
+          <a:effectLst/>
+        </p:spPr>
+        <p:style>
+          <a:lnRef idx="2">
+            <a:schemeClr val="accent1">
+              <a:shade val="50000"/>
+            </a:schemeClr>
+          </a:lnRef>
+          <a:fillRef idx="1">
+            <a:schemeClr val="accent1"/>
+          </a:fillRef>
+          <a:effectRef idx="0">
+            <a:schemeClr val="accent1"/>
+          </a:effectRef>
+          <a:fontRef idx="minor">
+            <a:schemeClr val="lt1"/>
+          </a:fontRef>
+        </p:style>
+        <p:txBody>
+          <a:bodyPr rtlCol="0" anchor="ctr"/>
+          <a:lstStyle/>
+          <a:p>
+            <a:pPr algn="ctr"/>
+            <a:endParaRPr lang="en-US"/>
+          </a:p>
+        </p:txBody>
+      </p:sp>
+      <p:grpSp>
+        <p:nvGrpSpPr>
+          <p:cNvPr id="18" name="Group 17">
+            <a:extLst>
+              <a:ext uri="{FF2B5EF4-FFF2-40B4-BE49-F238E27FC236}">
+                <a16:creationId xmlns:a16="http://schemas.microsoft.com/office/drawing/2014/main" id="{DB733608-1322-485D-B942-B827E6997F08}"/>
+              </a:ext>
+              <a:ext uri="{C183D7F6-B498-43B3-948B-1728B52AA6E4}">
+                <adec:decorative xmlns:adec="http://schemas.microsoft.com/office/drawing/2017/decorative" val="1"/>
+              </a:ext>
+            </a:extLst>
+          </p:cNvPr>
+          <p:cNvGrpSpPr>
+            <a:grpSpLocks noGrp="1" noUngrp="1" noRot="1" noChangeAspect="1" noMove="1" noResize="1"/>
+          </p:cNvGrpSpPr>
+          <p:nvPr>
+            <p:extLst>
+              <p:ext uri="{386F3935-93C4-4BCD-93E2-E3B085C9AB24}">
+                <p16:designElem xmlns:p16="http://schemas.microsoft.com/office/powerpoint/2015/main" val="1"/>
+              </p:ext>
+            </p:extLst>
+          </p:nvPr>
+        </p:nvGrpSpPr>
+        <p:grpSpPr>
+          <a:xfrm>
+            <a:off x="643527" y="954724"/>
+            <a:ext cx="10904945" cy="3364228"/>
+            <a:chOff x="643527" y="954724"/>
+            <a:chExt cx="10904945" cy="3364228"/>
+          </a:xfrm>
+        </p:grpSpPr>
+        <p:sp>
+          <p:nvSpPr>
+            <p:cNvPr id="19" name="Freeform 78">
+              <a:extLst>
+                <a:ext uri="{FF2B5EF4-FFF2-40B4-BE49-F238E27FC236}">
+                  <a16:creationId xmlns:a16="http://schemas.microsoft.com/office/drawing/2014/main" id="{7975F1CD-7143-447F-AC1A-8D3EA46ECA49}"/>
+                </a:ext>
+                <a:ext uri="{C183D7F6-B498-43B3-948B-1728B52AA6E4}">
+                  <adec:decorative xmlns:adec="http://schemas.microsoft.com/office/drawing/2017/decorative" val="1"/>
+                </a:ext>
+              </a:extLst>
+            </p:cNvPr>
+            <p:cNvSpPr>
+              <a:spLocks/>
+            </p:cNvSpPr>
+            <p:nvPr>
+              <p:extLst>
+                <p:ext uri="{386F3935-93C4-4BCD-93E2-E3B085C9AB24}">
+                  <p16:designElem xmlns:p16="http://schemas.microsoft.com/office/powerpoint/2015/main" val="1"/>
+                </p:ext>
+              </p:extLst>
+            </p:nvPr>
+          </p:nvSpPr>
+          <p:spPr bwMode="auto">
+            <a:xfrm rot="16800114">
+              <a:off x="1083914" y="3331230"/>
+              <a:ext cx="879143" cy="903430"/>
+            </a:xfrm>
+            <a:custGeom>
+              <a:avLst/>
+              <a:gdLst>
+                <a:gd name="T0" fmla="*/ 32 w 58"/>
+                <a:gd name="T1" fmla="*/ 56 h 60"/>
+                <a:gd name="T2" fmla="*/ 24 w 58"/>
+                <a:gd name="T3" fmla="*/ 48 h 60"/>
+                <a:gd name="T4" fmla="*/ 14 w 58"/>
+                <a:gd name="T5" fmla="*/ 36 h 60"/>
+                <a:gd name="T6" fmla="*/ 7 w 58"/>
+                <a:gd name="T7" fmla="*/ 29 h 60"/>
+                <a:gd name="T8" fmla="*/ 1 w 58"/>
+                <a:gd name="T9" fmla="*/ 17 h 60"/>
+                <a:gd name="T10" fmla="*/ 7 w 58"/>
+                <a:gd name="T11" fmla="*/ 4 h 60"/>
+                <a:gd name="T12" fmla="*/ 17 w 58"/>
+                <a:gd name="T13" fmla="*/ 1 h 60"/>
+                <a:gd name="T14" fmla="*/ 29 w 58"/>
+                <a:gd name="T15" fmla="*/ 6 h 60"/>
+                <a:gd name="T16" fmla="*/ 31 w 58"/>
+                <a:gd name="T17" fmla="*/ 8 h 60"/>
+                <a:gd name="T18" fmla="*/ 38 w 58"/>
+                <a:gd name="T19" fmla="*/ 15 h 60"/>
+                <a:gd name="T20" fmla="*/ 44 w 58"/>
+                <a:gd name="T21" fmla="*/ 22 h 60"/>
+                <a:gd name="T22" fmla="*/ 54 w 58"/>
+                <a:gd name="T23" fmla="*/ 33 h 60"/>
+                <a:gd name="T24" fmla="*/ 58 w 58"/>
+                <a:gd name="T25" fmla="*/ 44 h 60"/>
+                <a:gd name="T26" fmla="*/ 53 w 58"/>
+                <a:gd name="T27" fmla="*/ 54 h 60"/>
+                <a:gd name="T28" fmla="*/ 42 w 58"/>
+                <a:gd name="T29" fmla="*/ 60 h 60"/>
+                <a:gd name="T30" fmla="*/ 32 w 58"/>
+                <a:gd name="T31" fmla="*/ 56 h 60"/>
+              </a:gdLst>
+              <a:ahLst/>
+              <a:cxnLst>
+                <a:cxn ang="0">
+                  <a:pos x="T0" y="T1"/>
+                </a:cxn>
+                <a:cxn ang="0">
+                  <a:pos x="T2" y="T3"/>
+                </a:cxn>
+                <a:cxn ang="0">
+                  <a:pos x="T4" y="T5"/>
+                </a:cxn>
+                <a:cxn ang="0">
+                  <a:pos x="T6" y="T7"/>
+                </a:cxn>
+                <a:cxn ang="0">
+                  <a:pos x="T8" y="T9"/>
+                </a:cxn>
+                <a:cxn ang="0">
+                  <a:pos x="T10" y="T11"/>
+                </a:cxn>
+                <a:cxn ang="0">
+                  <a:pos x="T12" y="T13"/>
+                </a:cxn>
+                <a:cxn ang="0">
+                  <a:pos x="T14" y="T15"/>
+                </a:cxn>
+                <a:cxn ang="0">
+                  <a:pos x="T16" y="T17"/>
+                </a:cxn>
+                <a:cxn ang="0">
+                  <a:pos x="T18" y="T19"/>
+                </a:cxn>
+                <a:cxn ang="0">
+                  <a:pos x="T20" y="T21"/>
+                </a:cxn>
+                <a:cxn ang="0">
+                  <a:pos x="T22" y="T23"/>
+                </a:cxn>
+                <a:cxn ang="0">
+                  <a:pos x="T24" y="T25"/>
+                </a:cxn>
+                <a:cxn ang="0">
+                  <a:pos x="T26" y="T27"/>
+                </a:cxn>
+                <a:cxn ang="0">
+                  <a:pos x="T28" y="T29"/>
+                </a:cxn>
+                <a:cxn ang="0">
+                  <a:pos x="T30" y="T31"/>
+                </a:cxn>
+              </a:cxnLst>
+              <a:rect l="0" t="0" r="r" b="b"/>
+              <a:pathLst>
+                <a:path w="58" h="60">
+                  <a:moveTo>
+                    <a:pt x="32" y="56"/>
+                  </a:moveTo>
+                  <a:cubicBezTo>
+                    <a:pt x="30" y="54"/>
+                    <a:pt x="31" y="55"/>
+                    <a:pt x="24" y="48"/>
+                  </a:cubicBezTo>
+                  <a:cubicBezTo>
+                    <a:pt x="17" y="40"/>
+                    <a:pt x="14" y="36"/>
+                    <a:pt x="14" y="36"/>
+                  </a:cubicBezTo>
+                  <a:cubicBezTo>
+                    <a:pt x="8" y="30"/>
+                    <a:pt x="14" y="37"/>
+                    <a:pt x="7" y="29"/>
+                  </a:cubicBezTo>
+                  <a:cubicBezTo>
+                    <a:pt x="3" y="24"/>
+                    <a:pt x="1" y="20"/>
+                    <a:pt x="1" y="17"/>
+                  </a:cubicBezTo>
+                  <a:cubicBezTo>
+                    <a:pt x="0" y="13"/>
+                    <a:pt x="3" y="9"/>
+                    <a:pt x="7" y="4"/>
+                  </a:cubicBezTo>
+                  <a:cubicBezTo>
+                    <a:pt x="10" y="2"/>
+                    <a:pt x="13" y="0"/>
+                    <a:pt x="17" y="1"/>
+                  </a:cubicBezTo>
+                  <a:cubicBezTo>
+                    <a:pt x="21" y="1"/>
+                    <a:pt x="25" y="3"/>
+                    <a:pt x="29" y="6"/>
+                  </a:cubicBezTo>
+                  <a:cubicBezTo>
+                    <a:pt x="31" y="8"/>
+                    <a:pt x="31" y="8"/>
+                    <a:pt x="31" y="8"/>
+                  </a:cubicBezTo>
+                  <a:cubicBezTo>
+                    <a:pt x="33" y="11"/>
+                    <a:pt x="37" y="15"/>
+                    <a:pt x="38" y="15"/>
+                  </a:cubicBezTo>
+                  <a:cubicBezTo>
+                    <a:pt x="42" y="20"/>
+                    <a:pt x="40" y="18"/>
+                    <a:pt x="44" y="22"/>
+                  </a:cubicBezTo>
+                  <a:cubicBezTo>
+                    <a:pt x="51" y="29"/>
+                    <a:pt x="50" y="29"/>
+                    <a:pt x="54" y="33"/>
+                  </a:cubicBezTo>
+                  <a:cubicBezTo>
+                    <a:pt x="57" y="37"/>
+                    <a:pt x="58" y="40"/>
+                    <a:pt x="58" y="44"/>
+                  </a:cubicBezTo>
+                  <a:cubicBezTo>
+                    <a:pt x="58" y="47"/>
+                    <a:pt x="56" y="50"/>
+                    <a:pt x="53" y="54"/>
+                  </a:cubicBezTo>
+                  <a:cubicBezTo>
+                    <a:pt x="49" y="58"/>
+                    <a:pt x="45" y="60"/>
+                    <a:pt x="42" y="60"/>
+                  </a:cubicBezTo>
+                  <a:cubicBezTo>
+                    <a:pt x="39" y="60"/>
+                    <a:pt x="36" y="59"/>
+                    <a:pt x="32" y="56"/>
+                  </a:cubicBezTo>
+                  <a:close/>
+                </a:path>
+              </a:pathLst>
+            </a:custGeom>
+            <a:solidFill>
+              <a:schemeClr val="accent2"/>
+            </a:solidFill>
+            <a:ln>
+              <a:noFill/>
+            </a:ln>
+          </p:spPr>
+          <p:txBody>
+            <a:bodyPr vert="horz" wrap="square" lIns="91440" tIns="45720" rIns="91440" bIns="45720" numCol="1" anchor="t" anchorCtr="0" compatLnSpc="1">
+              <a:prstTxWarp prst="textNoShape">
+                <a:avLst/>
+              </a:prstTxWarp>
+            </a:bodyPr>
+            <a:lstStyle/>
+            <a:p>
+              <a:endParaRPr lang="en-US">
+                <a:solidFill>
+                  <a:schemeClr val="accent3"/>
+                </a:solidFill>
+              </a:endParaRPr>
+            </a:p>
+          </p:txBody>
+        </p:sp>
+        <p:sp>
+          <p:nvSpPr>
+            <p:cNvPr id="20" name="Freeform 79">
+              <a:extLst>
+                <a:ext uri="{FF2B5EF4-FFF2-40B4-BE49-F238E27FC236}">
+                  <a16:creationId xmlns:a16="http://schemas.microsoft.com/office/drawing/2014/main" id="{501A6B8C-11DF-404A-89DD-354DA4C19327}"/>
+                </a:ext>
+                <a:ext uri="{C183D7F6-B498-43B3-948B-1728B52AA6E4}">
+                  <adec:decorative xmlns:adec="http://schemas.microsoft.com/office/drawing/2017/decorative" val="1"/>
+                </a:ext>
+              </a:extLst>
+            </p:cNvPr>
+            <p:cNvSpPr>
+              <a:spLocks/>
+            </p:cNvSpPr>
+            <p:nvPr>
+              <p:extLst>
+                <p:ext uri="{386F3935-93C4-4BCD-93E2-E3B085C9AB24}">
+                  <p16:designElem xmlns:p16="http://schemas.microsoft.com/office/powerpoint/2015/main" val="1"/>
+                </p:ext>
+              </p:extLst>
+            </p:nvPr>
+          </p:nvSpPr>
+          <p:spPr bwMode="auto">
+            <a:xfrm rot="16800114">
+              <a:off x="869193" y="1989904"/>
+              <a:ext cx="743890" cy="1195221"/>
+            </a:xfrm>
+            <a:custGeom>
+              <a:avLst/>
+              <a:gdLst>
+                <a:gd name="T0" fmla="*/ 15 w 49"/>
+                <a:gd name="T1" fmla="*/ 65 h 79"/>
+                <a:gd name="T2" fmla="*/ 12 w 49"/>
+                <a:gd name="T3" fmla="*/ 54 h 79"/>
+                <a:gd name="T4" fmla="*/ 8 w 49"/>
+                <a:gd name="T5" fmla="*/ 33 h 79"/>
+                <a:gd name="T6" fmla="*/ 38 w 49"/>
+                <a:gd name="T7" fmla="*/ 24 h 79"/>
+                <a:gd name="T8" fmla="*/ 45 w 49"/>
+                <a:gd name="T9" fmla="*/ 70 h 79"/>
+                <a:gd name="T10" fmla="*/ 15 w 49"/>
+                <a:gd name="T11" fmla="*/ 65 h 79"/>
+              </a:gdLst>
+              <a:ahLst/>
+              <a:cxnLst>
+                <a:cxn ang="0">
+                  <a:pos x="T0" y="T1"/>
+                </a:cxn>
+                <a:cxn ang="0">
+                  <a:pos x="T2" y="T3"/>
+                </a:cxn>
+                <a:cxn ang="0">
+                  <a:pos x="T4" y="T5"/>
+                </a:cxn>
+                <a:cxn ang="0">
+                  <a:pos x="T6" y="T7"/>
+                </a:cxn>
+                <a:cxn ang="0">
+                  <a:pos x="T8" y="T9"/>
+                </a:cxn>
+                <a:cxn ang="0">
+                  <a:pos x="T10" y="T11"/>
+                </a:cxn>
+              </a:cxnLst>
+              <a:rect l="0" t="0" r="r" b="b"/>
+              <a:pathLst>
+                <a:path w="49" h="79">
+                  <a:moveTo>
+                    <a:pt x="15" y="65"/>
+                  </a:moveTo>
+                  <a:cubicBezTo>
+                    <a:pt x="14" y="59"/>
+                    <a:pt x="13" y="58"/>
+                    <a:pt x="12" y="54"/>
+                  </a:cubicBezTo>
+                  <a:cubicBezTo>
+                    <a:pt x="11" y="45"/>
+                    <a:pt x="10" y="40"/>
+                    <a:pt x="8" y="33"/>
+                  </a:cubicBezTo>
+                  <a:cubicBezTo>
+                    <a:pt x="0" y="9"/>
+                    <a:pt x="34" y="0"/>
+                    <a:pt x="38" y="24"/>
+                  </a:cubicBezTo>
+                  <a:cubicBezTo>
+                    <a:pt x="43" y="43"/>
+                    <a:pt x="49" y="60"/>
+                    <a:pt x="45" y="70"/>
+                  </a:cubicBezTo>
+                  <a:cubicBezTo>
+                    <a:pt x="38" y="77"/>
+                    <a:pt x="19" y="79"/>
+                    <a:pt x="15" y="65"/>
+                  </a:cubicBezTo>
+                  <a:close/>
+                </a:path>
+              </a:pathLst>
+            </a:custGeom>
+            <a:solidFill>
+              <a:schemeClr val="accent2"/>
+            </a:solidFill>
+            <a:ln>
+              <a:noFill/>
+            </a:ln>
+          </p:spPr>
+          <p:txBody>
+            <a:bodyPr vert="horz" wrap="square" lIns="91440" tIns="45720" rIns="91440" bIns="45720" numCol="1" anchor="t" anchorCtr="0" compatLnSpc="1">
+              <a:prstTxWarp prst="textNoShape">
+                <a:avLst/>
+              </a:prstTxWarp>
+            </a:bodyPr>
+            <a:lstStyle/>
+            <a:p>
+              <a:endParaRPr lang="en-US">
+                <a:solidFill>
+                  <a:schemeClr val="accent3"/>
+                </a:solidFill>
+              </a:endParaRPr>
+            </a:p>
+          </p:txBody>
+        </p:sp>
+        <p:sp>
+          <p:nvSpPr>
+            <p:cNvPr id="21" name="Freeform 85">
+              <a:extLst>
+                <a:ext uri="{FF2B5EF4-FFF2-40B4-BE49-F238E27FC236}">
+                  <a16:creationId xmlns:a16="http://schemas.microsoft.com/office/drawing/2014/main" id="{14D1F65C-CD34-4E1F-8743-D3879A8712C8}"/>
+                </a:ext>
+                <a:ext uri="{C183D7F6-B498-43B3-948B-1728B52AA6E4}">
+                  <adec:decorative xmlns:adec="http://schemas.microsoft.com/office/drawing/2017/decorative" val="1"/>
+                </a:ext>
+              </a:extLst>
+            </p:cNvPr>
+            <p:cNvSpPr>
+              <a:spLocks/>
+            </p:cNvSpPr>
+            <p:nvPr>
+              <p:extLst>
+                <p:ext uri="{386F3935-93C4-4BCD-93E2-E3B085C9AB24}">
+                  <p16:designElem xmlns:p16="http://schemas.microsoft.com/office/powerpoint/2015/main" val="1"/>
+                </p:ext>
+              </p:extLst>
+            </p:nvPr>
+          </p:nvSpPr>
+          <p:spPr bwMode="auto">
+            <a:xfrm rot="16800114">
+              <a:off x="1316205" y="967005"/>
+              <a:ext cx="541011" cy="981989"/>
+            </a:xfrm>
+            <a:custGeom>
+              <a:avLst/>
+              <a:gdLst>
+                <a:gd name="T0" fmla="*/ 36 w 36"/>
+                <a:gd name="T1" fmla="*/ 15 h 65"/>
+                <a:gd name="T2" fmla="*/ 34 w 36"/>
+                <a:gd name="T3" fmla="*/ 5 h 65"/>
+                <a:gd name="T4" fmla="*/ 28 w 36"/>
+                <a:gd name="T5" fmla="*/ 1 h 65"/>
+                <a:gd name="T6" fmla="*/ 23 w 36"/>
+                <a:gd name="T7" fmla="*/ 0 h 65"/>
+                <a:gd name="T8" fmla="*/ 13 w 36"/>
+                <a:gd name="T9" fmla="*/ 1 h 65"/>
+                <a:gd name="T10" fmla="*/ 7 w 36"/>
+                <a:gd name="T11" fmla="*/ 9 h 65"/>
+                <a:gd name="T12" fmla="*/ 4 w 36"/>
+                <a:gd name="T13" fmla="*/ 19 h 65"/>
+                <a:gd name="T14" fmla="*/ 0 w 36"/>
+                <a:gd name="T15" fmla="*/ 44 h 65"/>
+                <a:gd name="T16" fmla="*/ 1 w 36"/>
+                <a:gd name="T17" fmla="*/ 58 h 65"/>
+                <a:gd name="T18" fmla="*/ 8 w 36"/>
+                <a:gd name="T19" fmla="*/ 64 h 65"/>
+                <a:gd name="T20" fmla="*/ 16 w 36"/>
+                <a:gd name="T21" fmla="*/ 65 h 65"/>
+                <a:gd name="T22" fmla="*/ 25 w 36"/>
+                <a:gd name="T23" fmla="*/ 63 h 65"/>
+                <a:gd name="T24" fmla="*/ 31 w 36"/>
+                <a:gd name="T25" fmla="*/ 55 h 65"/>
+                <a:gd name="T26" fmla="*/ 34 w 36"/>
+                <a:gd name="T27" fmla="*/ 40 h 65"/>
+                <a:gd name="T28" fmla="*/ 36 w 36"/>
+                <a:gd name="T29" fmla="*/ 15 h 65"/>
+              </a:gdLst>
+              <a:ahLst/>
+              <a:cxnLst>
+                <a:cxn ang="0">
+                  <a:pos x="T0" y="T1"/>
+                </a:cxn>
+                <a:cxn ang="0">
+                  <a:pos x="T2" y="T3"/>
+                </a:cxn>
+                <a:cxn ang="0">
+                  <a:pos x="T4" y="T5"/>
+                </a:cxn>
+                <a:cxn ang="0">
+                  <a:pos x="T6" y="T7"/>
+                </a:cxn>
+                <a:cxn ang="0">
+                  <a:pos x="T8" y="T9"/>
+                </a:cxn>
+                <a:cxn ang="0">
+                  <a:pos x="T10" y="T11"/>
+                </a:cxn>
+                <a:cxn ang="0">
+                  <a:pos x="T12" y="T13"/>
+                </a:cxn>
+                <a:cxn ang="0">
+                  <a:pos x="T14" y="T15"/>
+                </a:cxn>
+                <a:cxn ang="0">
+                  <a:pos x="T16" y="T17"/>
+                </a:cxn>
+                <a:cxn ang="0">
+                  <a:pos x="T18" y="T19"/>
+                </a:cxn>
+                <a:cxn ang="0">
+                  <a:pos x="T20" y="T21"/>
+                </a:cxn>
+                <a:cxn ang="0">
+                  <a:pos x="T22" y="T23"/>
+                </a:cxn>
+                <a:cxn ang="0">
+                  <a:pos x="T24" y="T25"/>
+                </a:cxn>
+                <a:cxn ang="0">
+                  <a:pos x="T26" y="T27"/>
+                </a:cxn>
+                <a:cxn ang="0">
+                  <a:pos x="T28" y="T29"/>
+                </a:cxn>
+              </a:cxnLst>
+              <a:rect l="0" t="0" r="r" b="b"/>
+              <a:pathLst>
+                <a:path w="36" h="65">
+                  <a:moveTo>
+                    <a:pt x="36" y="15"/>
+                  </a:moveTo>
+                  <a:cubicBezTo>
+                    <a:pt x="36" y="10"/>
+                    <a:pt x="35" y="7"/>
+                    <a:pt x="34" y="5"/>
+                  </a:cubicBezTo>
+                  <a:cubicBezTo>
+                    <a:pt x="33" y="3"/>
+                    <a:pt x="31" y="2"/>
+                    <a:pt x="28" y="1"/>
+                  </a:cubicBezTo>
+                  <a:cubicBezTo>
+                    <a:pt x="27" y="1"/>
+                    <a:pt x="25" y="1"/>
+                    <a:pt x="23" y="0"/>
+                  </a:cubicBezTo>
+                  <a:cubicBezTo>
+                    <a:pt x="19" y="0"/>
+                    <a:pt x="16" y="0"/>
+                    <a:pt x="13" y="1"/>
+                  </a:cubicBezTo>
+                  <a:cubicBezTo>
+                    <a:pt x="11" y="2"/>
+                    <a:pt x="9" y="4"/>
+                    <a:pt x="7" y="9"/>
+                  </a:cubicBezTo>
+                  <a:cubicBezTo>
+                    <a:pt x="6" y="13"/>
+                    <a:pt x="5" y="17"/>
+                    <a:pt x="4" y="19"/>
+                  </a:cubicBezTo>
+                  <a:cubicBezTo>
+                    <a:pt x="2" y="29"/>
+                    <a:pt x="0" y="44"/>
+                    <a:pt x="0" y="44"/>
+                  </a:cubicBezTo>
+                  <a:cubicBezTo>
+                    <a:pt x="0" y="50"/>
+                    <a:pt x="0" y="55"/>
+                    <a:pt x="1" y="58"/>
+                  </a:cubicBezTo>
+                  <a:cubicBezTo>
+                    <a:pt x="2" y="61"/>
+                    <a:pt x="5" y="63"/>
+                    <a:pt x="8" y="64"/>
+                  </a:cubicBezTo>
+                  <a:cubicBezTo>
+                    <a:pt x="11" y="65"/>
+                    <a:pt x="13" y="65"/>
+                    <a:pt x="16" y="65"/>
+                  </a:cubicBezTo>
+                  <a:cubicBezTo>
+                    <a:pt x="19" y="65"/>
+                    <a:pt x="22" y="64"/>
+                    <a:pt x="25" y="63"/>
+                  </a:cubicBezTo>
+                  <a:cubicBezTo>
+                    <a:pt x="28" y="61"/>
+                    <a:pt x="30" y="59"/>
+                    <a:pt x="31" y="55"/>
+                  </a:cubicBezTo>
+                  <a:cubicBezTo>
+                    <a:pt x="32" y="50"/>
+                    <a:pt x="31" y="54"/>
+                    <a:pt x="34" y="40"/>
+                  </a:cubicBezTo>
+                  <a:lnTo>
+                    <a:pt x="36" y="15"/>
+                  </a:lnTo>
+                  <a:close/>
+                </a:path>
+              </a:pathLst>
+            </a:custGeom>
+            <a:solidFill>
+              <a:schemeClr val="accent2"/>
+            </a:solidFill>
+            <a:ln>
+              <a:noFill/>
+            </a:ln>
+          </p:spPr>
+          <p:txBody>
+            <a:bodyPr vert="horz" wrap="square" lIns="91440" tIns="45720" rIns="91440" bIns="45720" numCol="1" anchor="t" anchorCtr="0" compatLnSpc="1">
+              <a:prstTxWarp prst="textNoShape">
+                <a:avLst/>
+              </a:prstTxWarp>
+            </a:bodyPr>
+            <a:lstStyle/>
+            <a:p>
+              <a:endParaRPr lang="en-US">
+                <a:solidFill>
+                  <a:schemeClr val="accent3"/>
+                </a:solidFill>
+              </a:endParaRPr>
+            </a:p>
+          </p:txBody>
+        </p:sp>
+        <p:sp>
+          <p:nvSpPr>
+            <p:cNvPr id="22" name="Freeform 80">
+              <a:extLst>
+                <a:ext uri="{FF2B5EF4-FFF2-40B4-BE49-F238E27FC236}">
+                  <a16:creationId xmlns:a16="http://schemas.microsoft.com/office/drawing/2014/main" id="{E5C58F66-1B6C-4935-9BB4-583D612CD224}"/>
+                </a:ext>
+                <a:ext uri="{C183D7F6-B498-43B3-948B-1728B52AA6E4}">
+                  <adec:decorative xmlns:adec="http://schemas.microsoft.com/office/drawing/2017/decorative" val="1"/>
+                </a:ext>
+              </a:extLst>
+            </p:cNvPr>
+            <p:cNvSpPr>
+              <a:spLocks/>
+            </p:cNvSpPr>
+            <p:nvPr>
+              <p:extLst>
+                <p:ext uri="{386F3935-93C4-4BCD-93E2-E3B085C9AB24}">
+                  <p16:designElem xmlns:p16="http://schemas.microsoft.com/office/powerpoint/2015/main" val="1"/>
+                </p:ext>
+              </p:extLst>
+            </p:nvPr>
+          </p:nvSpPr>
+          <p:spPr bwMode="auto">
+            <a:xfrm>
+              <a:off x="10562739" y="2385730"/>
+              <a:ext cx="985733" cy="504616"/>
+            </a:xfrm>
+            <a:custGeom>
+              <a:avLst/>
+              <a:gdLst>
+                <a:gd name="T0" fmla="*/ 53 w 66"/>
+                <a:gd name="T1" fmla="*/ 33 h 34"/>
+                <a:gd name="T2" fmla="*/ 39 w 66"/>
+                <a:gd name="T3" fmla="*/ 33 h 34"/>
+                <a:gd name="T4" fmla="*/ 21 w 66"/>
+                <a:gd name="T5" fmla="*/ 33 h 34"/>
+                <a:gd name="T6" fmla="*/ 12 w 66"/>
+                <a:gd name="T7" fmla="*/ 32 h 34"/>
+                <a:gd name="T8" fmla="*/ 3 w 66"/>
+                <a:gd name="T9" fmla="*/ 28 h 34"/>
+                <a:gd name="T10" fmla="*/ 0 w 66"/>
+                <a:gd name="T11" fmla="*/ 21 h 34"/>
+                <a:gd name="T12" fmla="*/ 0 w 66"/>
+                <a:gd name="T13" fmla="*/ 16 h 34"/>
+                <a:gd name="T14" fmla="*/ 3 w 66"/>
+                <a:gd name="T15" fmla="*/ 7 h 34"/>
+                <a:gd name="T16" fmla="*/ 11 w 66"/>
+                <a:gd name="T17" fmla="*/ 3 h 34"/>
+                <a:gd name="T18" fmla="*/ 23 w 66"/>
+                <a:gd name="T19" fmla="*/ 2 h 34"/>
+                <a:gd name="T20" fmla="*/ 43 w 66"/>
+                <a:gd name="T21" fmla="*/ 0 h 34"/>
+                <a:gd name="T22" fmla="*/ 48 w 66"/>
+                <a:gd name="T23" fmla="*/ 0 h 34"/>
+                <a:gd name="T24" fmla="*/ 62 w 66"/>
+                <a:gd name="T25" fmla="*/ 4 h 34"/>
+                <a:gd name="T26" fmla="*/ 66 w 66"/>
+                <a:gd name="T27" fmla="*/ 13 h 34"/>
+                <a:gd name="T28" fmla="*/ 66 w 66"/>
+                <a:gd name="T29" fmla="*/ 20 h 34"/>
+                <a:gd name="T30" fmla="*/ 62 w 66"/>
+                <a:gd name="T31" fmla="*/ 29 h 34"/>
+                <a:gd name="T32" fmla="*/ 53 w 66"/>
+                <a:gd name="T33" fmla="*/ 33 h 34"/>
+              </a:gdLst>
+              <a:ahLst/>
+              <a:cxnLst>
+                <a:cxn ang="0">
+                  <a:pos x="T0" y="T1"/>
+                </a:cxn>
+                <a:cxn ang="0">
+                  <a:pos x="T2" y="T3"/>
+                </a:cxn>
+                <a:cxn ang="0">
+                  <a:pos x="T4" y="T5"/>
+                </a:cxn>
+                <a:cxn ang="0">
+                  <a:pos x="T6" y="T7"/>
+                </a:cxn>
+                <a:cxn ang="0">
+                  <a:pos x="T8" y="T9"/>
+                </a:cxn>
+                <a:cxn ang="0">
+                  <a:pos x="T10" y="T11"/>
+                </a:cxn>
+                <a:cxn ang="0">
+                  <a:pos x="T12" y="T13"/>
+                </a:cxn>
+                <a:cxn ang="0">
+                  <a:pos x="T14" y="T15"/>
+                </a:cxn>
+                <a:cxn ang="0">
+                  <a:pos x="T16" y="T17"/>
+                </a:cxn>
+                <a:cxn ang="0">
+                  <a:pos x="T18" y="T19"/>
+                </a:cxn>
+                <a:cxn ang="0">
+                  <a:pos x="T20" y="T21"/>
+                </a:cxn>
+                <a:cxn ang="0">
+                  <a:pos x="T22" y="T23"/>
+                </a:cxn>
+                <a:cxn ang="0">
+                  <a:pos x="T24" y="T25"/>
+                </a:cxn>
+                <a:cxn ang="0">
+                  <a:pos x="T26" y="T27"/>
+                </a:cxn>
+                <a:cxn ang="0">
+                  <a:pos x="T28" y="T29"/>
+                </a:cxn>
+                <a:cxn ang="0">
+                  <a:pos x="T30" y="T31"/>
+                </a:cxn>
+                <a:cxn ang="0">
+                  <a:pos x="T32" y="T33"/>
+                </a:cxn>
+              </a:cxnLst>
+              <a:rect l="0" t="0" r="r" b="b"/>
+              <a:pathLst>
+                <a:path w="66" h="34">
+                  <a:moveTo>
+                    <a:pt x="53" y="33"/>
+                  </a:moveTo>
+                  <a:cubicBezTo>
+                    <a:pt x="47" y="33"/>
+                    <a:pt x="53" y="34"/>
+                    <a:pt x="39" y="33"/>
+                  </a:cubicBezTo>
+                  <a:cubicBezTo>
+                    <a:pt x="24" y="33"/>
+                    <a:pt x="21" y="33"/>
+                    <a:pt x="21" y="33"/>
+                  </a:cubicBezTo>
+                  <a:cubicBezTo>
+                    <a:pt x="12" y="32"/>
+                    <a:pt x="12" y="32"/>
+                    <a:pt x="12" y="32"/>
+                  </a:cubicBezTo>
+                  <a:cubicBezTo>
+                    <a:pt x="7" y="31"/>
+                    <a:pt x="4" y="30"/>
+                    <a:pt x="3" y="28"/>
+                  </a:cubicBezTo>
+                  <a:cubicBezTo>
+                    <a:pt x="1" y="26"/>
+                    <a:pt x="0" y="24"/>
+                    <a:pt x="0" y="21"/>
+                  </a:cubicBezTo>
+                  <a:cubicBezTo>
+                    <a:pt x="0" y="21"/>
+                    <a:pt x="0" y="19"/>
+                    <a:pt x="0" y="16"/>
+                  </a:cubicBezTo>
+                  <a:cubicBezTo>
+                    <a:pt x="0" y="13"/>
+                    <a:pt x="1" y="10"/>
+                    <a:pt x="3" y="7"/>
+                  </a:cubicBezTo>
+                  <a:cubicBezTo>
+                    <a:pt x="4" y="5"/>
+                    <a:pt x="7" y="3"/>
+                    <a:pt x="11" y="3"/>
+                  </a:cubicBezTo>
+                  <a:cubicBezTo>
+                    <a:pt x="16" y="2"/>
+                    <a:pt x="20" y="2"/>
+                    <a:pt x="23" y="2"/>
+                  </a:cubicBezTo>
+                  <a:cubicBezTo>
+                    <a:pt x="32" y="1"/>
+                    <a:pt x="37" y="0"/>
+                    <a:pt x="43" y="0"/>
+                  </a:cubicBezTo>
+                  <a:cubicBezTo>
+                    <a:pt x="48" y="0"/>
+                    <a:pt x="48" y="0"/>
+                    <a:pt x="48" y="0"/>
+                  </a:cubicBezTo>
+                  <a:cubicBezTo>
+                    <a:pt x="54" y="1"/>
+                    <a:pt x="59" y="3"/>
+                    <a:pt x="62" y="4"/>
+                  </a:cubicBezTo>
+                  <a:cubicBezTo>
+                    <a:pt x="65" y="6"/>
+                    <a:pt x="66" y="9"/>
+                    <a:pt x="66" y="13"/>
+                  </a:cubicBezTo>
+                  <a:cubicBezTo>
+                    <a:pt x="66" y="15"/>
+                    <a:pt x="66" y="17"/>
+                    <a:pt x="66" y="20"/>
+                  </a:cubicBezTo>
+                  <a:cubicBezTo>
+                    <a:pt x="65" y="23"/>
+                    <a:pt x="64" y="26"/>
+                    <a:pt x="62" y="29"/>
+                  </a:cubicBezTo>
+                  <a:cubicBezTo>
+                    <a:pt x="60" y="31"/>
+                    <a:pt x="57" y="32"/>
+                    <a:pt x="53" y="33"/>
+                  </a:cubicBezTo>
+                  <a:close/>
+                </a:path>
+              </a:pathLst>
+            </a:custGeom>
+            <a:solidFill>
+              <a:schemeClr val="accent2"/>
+            </a:solidFill>
+            <a:ln>
+              <a:noFill/>
+            </a:ln>
+          </p:spPr>
+          <p:txBody>
+            <a:bodyPr vert="horz" wrap="square" lIns="91440" tIns="45720" rIns="91440" bIns="45720" numCol="1" anchor="t" anchorCtr="0" compatLnSpc="1">
+              <a:prstTxWarp prst="textNoShape">
+                <a:avLst/>
+              </a:prstTxWarp>
+            </a:bodyPr>
+            <a:lstStyle/>
+            <a:p>
+              <a:endParaRPr lang="en-US">
+                <a:solidFill>
+                  <a:schemeClr val="accent3"/>
+                </a:solidFill>
+              </a:endParaRPr>
+            </a:p>
+          </p:txBody>
+        </p:sp>
+        <p:sp>
+          <p:nvSpPr>
+            <p:cNvPr id="23" name="Freeform 84">
+              <a:extLst>
+                <a:ext uri="{FF2B5EF4-FFF2-40B4-BE49-F238E27FC236}">
+                  <a16:creationId xmlns:a16="http://schemas.microsoft.com/office/drawing/2014/main" id="{F41F116D-556B-4BC2-9DCD-46DA7CCC0E82}"/>
+                </a:ext>
+                <a:ext uri="{C183D7F6-B498-43B3-948B-1728B52AA6E4}">
+                  <adec:decorative xmlns:adec="http://schemas.microsoft.com/office/drawing/2017/decorative" val="1"/>
+                </a:ext>
+              </a:extLst>
+            </p:cNvPr>
+            <p:cNvSpPr>
+              <a:spLocks/>
+            </p:cNvSpPr>
+            <p:nvPr>
+              <p:extLst>
+                <p:ext uri="{386F3935-93C4-4BCD-93E2-E3B085C9AB24}">
+                  <p16:designElem xmlns:p16="http://schemas.microsoft.com/office/powerpoint/2015/main" val="1"/>
+                </p:ext>
+              </p:extLst>
+            </p:nvPr>
+          </p:nvSpPr>
+          <p:spPr bwMode="auto">
+            <a:xfrm rot="874527">
+              <a:off x="10288245" y="954724"/>
+              <a:ext cx="852074" cy="892781"/>
+            </a:xfrm>
+            <a:custGeom>
+              <a:avLst/>
+              <a:gdLst>
+                <a:gd name="T0" fmla="*/ 4 w 57"/>
+                <a:gd name="T1" fmla="*/ 34 h 60"/>
+                <a:gd name="T2" fmla="*/ 17 w 57"/>
+                <a:gd name="T3" fmla="*/ 18 h 60"/>
+                <a:gd name="T4" fmla="*/ 26 w 57"/>
+                <a:gd name="T5" fmla="*/ 8 h 60"/>
+                <a:gd name="T6" fmla="*/ 29 w 57"/>
+                <a:gd name="T7" fmla="*/ 5 h 60"/>
+                <a:gd name="T8" fmla="*/ 41 w 57"/>
+                <a:gd name="T9" fmla="*/ 0 h 60"/>
+                <a:gd name="T10" fmla="*/ 51 w 57"/>
+                <a:gd name="T11" fmla="*/ 6 h 60"/>
+                <a:gd name="T12" fmla="*/ 56 w 57"/>
+                <a:gd name="T13" fmla="*/ 16 h 60"/>
+                <a:gd name="T14" fmla="*/ 51 w 57"/>
+                <a:gd name="T15" fmla="*/ 28 h 60"/>
+                <a:gd name="T16" fmla="*/ 29 w 57"/>
+                <a:gd name="T17" fmla="*/ 53 h 60"/>
+                <a:gd name="T18" fmla="*/ 17 w 57"/>
+                <a:gd name="T19" fmla="*/ 59 h 60"/>
+                <a:gd name="T20" fmla="*/ 5 w 57"/>
+                <a:gd name="T21" fmla="*/ 54 h 60"/>
+                <a:gd name="T22" fmla="*/ 0 w 57"/>
+                <a:gd name="T23" fmla="*/ 45 h 60"/>
+                <a:gd name="T24" fmla="*/ 4 w 57"/>
+                <a:gd name="T25" fmla="*/ 34 h 60"/>
+              </a:gdLst>
+              <a:ahLst/>
+              <a:cxnLst>
+                <a:cxn ang="0">
+                  <a:pos x="T0" y="T1"/>
+                </a:cxn>
+                <a:cxn ang="0">
+                  <a:pos x="T2" y="T3"/>
+                </a:cxn>
+                <a:cxn ang="0">
+                  <a:pos x="T4" y="T5"/>
+                </a:cxn>
+                <a:cxn ang="0">
+                  <a:pos x="T6" y="T7"/>
+                </a:cxn>
+                <a:cxn ang="0">
+                  <a:pos x="T8" y="T9"/>
+                </a:cxn>
+                <a:cxn ang="0">
+                  <a:pos x="T10" y="T11"/>
+                </a:cxn>
+                <a:cxn ang="0">
+                  <a:pos x="T12" y="T13"/>
+                </a:cxn>
+                <a:cxn ang="0">
+                  <a:pos x="T14" y="T15"/>
+                </a:cxn>
+                <a:cxn ang="0">
+                  <a:pos x="T16" y="T17"/>
+                </a:cxn>
+                <a:cxn ang="0">
+                  <a:pos x="T18" y="T19"/>
+                </a:cxn>
+                <a:cxn ang="0">
+                  <a:pos x="T20" y="T21"/>
+                </a:cxn>
+                <a:cxn ang="0">
+                  <a:pos x="T22" y="T23"/>
+                </a:cxn>
+                <a:cxn ang="0">
+                  <a:pos x="T24" y="T25"/>
+                </a:cxn>
+              </a:cxnLst>
+              <a:rect l="0" t="0" r="r" b="b"/>
+              <a:pathLst>
+                <a:path w="57" h="60">
+                  <a:moveTo>
+                    <a:pt x="4" y="34"/>
+                  </a:moveTo>
+                  <a:cubicBezTo>
+                    <a:pt x="5" y="33"/>
+                    <a:pt x="17" y="18"/>
+                    <a:pt x="17" y="18"/>
+                  </a:cubicBezTo>
+                  <a:cubicBezTo>
+                    <a:pt x="21" y="14"/>
+                    <a:pt x="24" y="10"/>
+                    <a:pt x="26" y="8"/>
+                  </a:cubicBezTo>
+                  <a:cubicBezTo>
+                    <a:pt x="29" y="5"/>
+                    <a:pt x="29" y="5"/>
+                    <a:pt x="29" y="5"/>
+                  </a:cubicBezTo>
+                  <a:cubicBezTo>
+                    <a:pt x="34" y="2"/>
+                    <a:pt x="38" y="0"/>
+                    <a:pt x="41" y="0"/>
+                  </a:cubicBezTo>
+                  <a:cubicBezTo>
+                    <a:pt x="44" y="1"/>
+                    <a:pt x="47" y="2"/>
+                    <a:pt x="51" y="6"/>
+                  </a:cubicBezTo>
+                  <a:cubicBezTo>
+                    <a:pt x="55" y="10"/>
+                    <a:pt x="57" y="13"/>
+                    <a:pt x="56" y="16"/>
+                  </a:cubicBezTo>
+                  <a:cubicBezTo>
+                    <a:pt x="56" y="19"/>
+                    <a:pt x="54" y="23"/>
+                    <a:pt x="51" y="28"/>
+                  </a:cubicBezTo>
+                  <a:cubicBezTo>
+                    <a:pt x="51" y="28"/>
+                    <a:pt x="33" y="48"/>
+                    <a:pt x="29" y="53"/>
+                  </a:cubicBezTo>
+                  <a:cubicBezTo>
+                    <a:pt x="25" y="57"/>
+                    <a:pt x="21" y="59"/>
+                    <a:pt x="17" y="59"/>
+                  </a:cubicBezTo>
+                  <a:cubicBezTo>
+                    <a:pt x="13" y="60"/>
+                    <a:pt x="9" y="58"/>
+                    <a:pt x="5" y="54"/>
+                  </a:cubicBezTo>
+                  <a:cubicBezTo>
+                    <a:pt x="2" y="51"/>
+                    <a:pt x="0" y="48"/>
+                    <a:pt x="0" y="45"/>
+                  </a:cubicBezTo>
+                  <a:cubicBezTo>
+                    <a:pt x="0" y="42"/>
+                    <a:pt x="2" y="38"/>
+                    <a:pt x="4" y="34"/>
+                  </a:cubicBezTo>
+                  <a:close/>
+                </a:path>
+              </a:pathLst>
+            </a:custGeom>
+            <a:solidFill>
+              <a:schemeClr val="accent2"/>
+            </a:solidFill>
+            <a:ln>
+              <a:noFill/>
+            </a:ln>
+          </p:spPr>
+          <p:txBody>
+            <a:bodyPr vert="horz" wrap="square" lIns="91440" tIns="45720" rIns="91440" bIns="45720" numCol="1" anchor="t" anchorCtr="0" compatLnSpc="1">
+              <a:prstTxWarp prst="textNoShape">
+                <a:avLst/>
+              </a:prstTxWarp>
+            </a:bodyPr>
+            <a:lstStyle/>
+            <a:p>
+              <a:endParaRPr lang="en-US">
+                <a:solidFill>
+                  <a:schemeClr val="accent3"/>
+                </a:solidFill>
+              </a:endParaRPr>
+            </a:p>
+          </p:txBody>
+        </p:sp>
+        <p:sp>
+          <p:nvSpPr>
+            <p:cNvPr id="24" name="Freeform 87">
+              <a:extLst>
+                <a:ext uri="{FF2B5EF4-FFF2-40B4-BE49-F238E27FC236}">
+                  <a16:creationId xmlns:a16="http://schemas.microsoft.com/office/drawing/2014/main" id="{DE46F0F4-2435-4BDC-A92C-EB13608804B0}"/>
+                </a:ext>
+                <a:ext uri="{C183D7F6-B498-43B3-948B-1728B52AA6E4}">
+                  <adec:decorative xmlns:adec="http://schemas.microsoft.com/office/drawing/2017/decorative" val="1"/>
+                </a:ext>
+              </a:extLst>
+            </p:cNvPr>
+            <p:cNvSpPr>
+              <a:spLocks/>
+            </p:cNvSpPr>
+            <p:nvPr>
+              <p:extLst>
+                <p:ext uri="{386F3935-93C4-4BCD-93E2-E3B085C9AB24}">
+                  <p16:designElem xmlns:p16="http://schemas.microsoft.com/office/powerpoint/2015/main" val="1"/>
+                </p:ext>
+              </p:extLst>
+            </p:nvPr>
+          </p:nvSpPr>
+          <p:spPr bwMode="auto">
+            <a:xfrm rot="20630858">
+              <a:off x="10224385" y="3437261"/>
+              <a:ext cx="824227" cy="881691"/>
+            </a:xfrm>
+            <a:custGeom>
+              <a:avLst/>
+              <a:gdLst>
+                <a:gd name="T0" fmla="*/ 0 w 55"/>
+                <a:gd name="T1" fmla="*/ 17 h 59"/>
+                <a:gd name="T2" fmla="*/ 1 w 55"/>
+                <a:gd name="T3" fmla="*/ 11 h 59"/>
+                <a:gd name="T4" fmla="*/ 4 w 55"/>
+                <a:gd name="T5" fmla="*/ 6 h 59"/>
+                <a:gd name="T6" fmla="*/ 7 w 55"/>
+                <a:gd name="T7" fmla="*/ 4 h 59"/>
+                <a:gd name="T8" fmla="*/ 14 w 55"/>
+                <a:gd name="T9" fmla="*/ 0 h 59"/>
+                <a:gd name="T10" fmla="*/ 23 w 55"/>
+                <a:gd name="T11" fmla="*/ 3 h 59"/>
+                <a:gd name="T12" fmla="*/ 31 w 55"/>
+                <a:gd name="T13" fmla="*/ 11 h 59"/>
+                <a:gd name="T14" fmla="*/ 38 w 55"/>
+                <a:gd name="T15" fmla="*/ 20 h 59"/>
+                <a:gd name="T16" fmla="*/ 48 w 55"/>
+                <a:gd name="T17" fmla="*/ 31 h 59"/>
+                <a:gd name="T18" fmla="*/ 55 w 55"/>
+                <a:gd name="T19" fmla="*/ 43 h 59"/>
+                <a:gd name="T20" fmla="*/ 49 w 55"/>
+                <a:gd name="T21" fmla="*/ 55 h 59"/>
+                <a:gd name="T22" fmla="*/ 38 w 55"/>
+                <a:gd name="T23" fmla="*/ 59 h 59"/>
+                <a:gd name="T24" fmla="*/ 33 w 55"/>
+                <a:gd name="T25" fmla="*/ 58 h 59"/>
+                <a:gd name="T26" fmla="*/ 26 w 55"/>
+                <a:gd name="T27" fmla="*/ 53 h 59"/>
+                <a:gd name="T28" fmla="*/ 5 w 55"/>
+                <a:gd name="T29" fmla="*/ 27 h 59"/>
+                <a:gd name="T30" fmla="*/ 0 w 55"/>
+                <a:gd name="T31" fmla="*/ 17 h 59"/>
+              </a:gdLst>
+              <a:ahLst/>
+              <a:cxnLst>
+                <a:cxn ang="0">
+                  <a:pos x="T0" y="T1"/>
+                </a:cxn>
+                <a:cxn ang="0">
+                  <a:pos x="T2" y="T3"/>
+                </a:cxn>
+                <a:cxn ang="0">
+                  <a:pos x="T4" y="T5"/>
+                </a:cxn>
+                <a:cxn ang="0">
+                  <a:pos x="T6" y="T7"/>
+                </a:cxn>
+                <a:cxn ang="0">
+                  <a:pos x="T8" y="T9"/>
+                </a:cxn>
+                <a:cxn ang="0">
+                  <a:pos x="T10" y="T11"/>
+                </a:cxn>
+                <a:cxn ang="0">
+                  <a:pos x="T12" y="T13"/>
+                </a:cxn>
+                <a:cxn ang="0">
+                  <a:pos x="T14" y="T15"/>
+                </a:cxn>
+                <a:cxn ang="0">
+                  <a:pos x="T16" y="T17"/>
+                </a:cxn>
+                <a:cxn ang="0">
+                  <a:pos x="T18" y="T19"/>
+                </a:cxn>
+                <a:cxn ang="0">
+                  <a:pos x="T20" y="T21"/>
+                </a:cxn>
+                <a:cxn ang="0">
+                  <a:pos x="T22" y="T23"/>
+                </a:cxn>
+                <a:cxn ang="0">
+                  <a:pos x="T24" y="T25"/>
+                </a:cxn>
+                <a:cxn ang="0">
+                  <a:pos x="T26" y="T27"/>
+                </a:cxn>
+                <a:cxn ang="0">
+                  <a:pos x="T28" y="T29"/>
+                </a:cxn>
+                <a:cxn ang="0">
+                  <a:pos x="T30" y="T31"/>
+                </a:cxn>
+              </a:cxnLst>
+              <a:rect l="0" t="0" r="r" b="b"/>
+              <a:pathLst>
+                <a:path w="55" h="59">
+                  <a:moveTo>
+                    <a:pt x="0" y="17"/>
+                  </a:moveTo>
+                  <a:cubicBezTo>
+                    <a:pt x="0" y="14"/>
+                    <a:pt x="0" y="12"/>
+                    <a:pt x="1" y="11"/>
+                  </a:cubicBezTo>
+                  <a:cubicBezTo>
+                    <a:pt x="2" y="9"/>
+                    <a:pt x="3" y="8"/>
+                    <a:pt x="4" y="6"/>
+                  </a:cubicBezTo>
+                  <a:cubicBezTo>
+                    <a:pt x="6" y="5"/>
+                    <a:pt x="7" y="4"/>
+                    <a:pt x="7" y="4"/>
+                  </a:cubicBezTo>
+                  <a:cubicBezTo>
+                    <a:pt x="9" y="2"/>
+                    <a:pt x="12" y="1"/>
+                    <a:pt x="14" y="0"/>
+                  </a:cubicBezTo>
+                  <a:cubicBezTo>
+                    <a:pt x="17" y="0"/>
+                    <a:pt x="20" y="1"/>
+                    <a:pt x="23" y="3"/>
+                  </a:cubicBezTo>
+                  <a:cubicBezTo>
+                    <a:pt x="26" y="4"/>
+                    <a:pt x="29" y="7"/>
+                    <a:pt x="31" y="11"/>
+                  </a:cubicBezTo>
+                  <a:cubicBezTo>
+                    <a:pt x="38" y="20"/>
+                    <a:pt x="38" y="20"/>
+                    <a:pt x="38" y="20"/>
+                  </a:cubicBezTo>
+                  <a:cubicBezTo>
+                    <a:pt x="48" y="31"/>
+                    <a:pt x="48" y="31"/>
+                    <a:pt x="48" y="31"/>
+                  </a:cubicBezTo>
+                  <a:cubicBezTo>
+                    <a:pt x="52" y="36"/>
+                    <a:pt x="54" y="40"/>
+                    <a:pt x="55" y="43"/>
+                  </a:cubicBezTo>
+                  <a:cubicBezTo>
+                    <a:pt x="55" y="47"/>
+                    <a:pt x="54" y="52"/>
+                    <a:pt x="49" y="55"/>
+                  </a:cubicBezTo>
+                  <a:cubicBezTo>
+                    <a:pt x="45" y="58"/>
+                    <a:pt x="41" y="59"/>
+                    <a:pt x="38" y="59"/>
+                  </a:cubicBezTo>
+                  <a:cubicBezTo>
+                    <a:pt x="37" y="59"/>
+                    <a:pt x="35" y="59"/>
+                    <a:pt x="33" y="58"/>
+                  </a:cubicBezTo>
+                  <a:cubicBezTo>
+                    <a:pt x="31" y="57"/>
+                    <a:pt x="29" y="55"/>
+                    <a:pt x="26" y="53"/>
+                  </a:cubicBezTo>
+                  <a:cubicBezTo>
+                    <a:pt x="23" y="50"/>
+                    <a:pt x="5" y="27"/>
+                    <a:pt x="5" y="27"/>
+                  </a:cubicBezTo>
+                  <a:cubicBezTo>
+                    <a:pt x="2" y="23"/>
+                    <a:pt x="0" y="19"/>
+                    <a:pt x="0" y="17"/>
+                  </a:cubicBezTo>
+                  <a:close/>
+                </a:path>
+              </a:pathLst>
+            </a:custGeom>
+            <a:solidFill>
+              <a:schemeClr val="accent2"/>
+            </a:solidFill>
+            <a:ln>
+              <a:noFill/>
+            </a:ln>
+          </p:spPr>
+          <p:txBody>
+            <a:bodyPr vert="horz" wrap="square" lIns="91440" tIns="45720" rIns="91440" bIns="45720" numCol="1" anchor="t" anchorCtr="0" compatLnSpc="1">
+              <a:prstTxWarp prst="textNoShape">
+                <a:avLst/>
+              </a:prstTxWarp>
+            </a:bodyPr>
+            <a:lstStyle/>
+            <a:p>
+              <a:endParaRPr lang="en-US">
+                <a:solidFill>
+                  <a:schemeClr val="accent3"/>
+                </a:solidFill>
+              </a:endParaRPr>
+            </a:p>
+          </p:txBody>
+        </p:sp>
+      </p:grpSp>
+      <p:sp>
+        <p:nvSpPr>
+          <p:cNvPr id="5" name="Title 4">
+            <a:extLst>
+              <a:ext uri="{FF2B5EF4-FFF2-40B4-BE49-F238E27FC236}">
+                <a16:creationId xmlns:a16="http://schemas.microsoft.com/office/drawing/2014/main" id="{3C552853-3654-4A96-9481-4E2C7EC1EE40}"/>
+              </a:ext>
+            </a:extLst>
+          </p:cNvPr>
+          <p:cNvSpPr>
+            <a:spLocks noGrp="1"/>
+          </p:cNvSpPr>
+          <p:nvPr>
+            <p:ph type="title"/>
+          </p:nvPr>
+        </p:nvSpPr>
+        <p:spPr>
+          <a:xfrm>
+            <a:off x="2640014" y="1334791"/>
+            <a:ext cx="6911974" cy="2803071"/>
+          </a:xfrm>
+        </p:spPr>
+        <p:txBody>
+          <a:bodyPr vert="horz" wrap="square" lIns="0" tIns="0" rIns="0" bIns="0" rtlCol="0" anchor="ctr" anchorCtr="0">
+            <a:normAutofit/>
+          </a:bodyPr>
+          <a:lstStyle/>
+          <a:p>
+            <a:pPr algn="ctr"/>
+            <a:r>
+              <a:rPr lang="en-US" sz="5600" spc="-100"/>
+              <a:t>Was ist eine Linked List?</a:t>
+            </a:r>
+          </a:p>
+        </p:txBody>
+      </p:sp>
+      <p:sp useBgFill="1">
+        <p:nvSpPr>
+          <p:cNvPr id="26" name="Freeform: Shape 25">
+            <a:extLst>
+              <a:ext uri="{FF2B5EF4-FFF2-40B4-BE49-F238E27FC236}">
+                <a16:creationId xmlns:a16="http://schemas.microsoft.com/office/drawing/2014/main" id="{085AB271-571D-4C19-9FCC-C760834A8937}"/>
+              </a:ext>
+              <a:ext uri="{C183D7F6-B498-43B3-948B-1728B52AA6E4}">
+                <adec:decorative xmlns:adec="http://schemas.microsoft.com/office/drawing/2017/decorative" val="1"/>
+              </a:ext>
+            </a:extLst>
+          </p:cNvPr>
+          <p:cNvSpPr>
+            <a:spLocks noGrp="1" noRot="1" noChangeAspect="1" noMove="1" noResize="1" noEditPoints="1" noAdjustHandles="1" noChangeArrowheads="1" noChangeShapeType="1" noTextEdit="1"/>
+          </p:cNvSpPr>
+          <p:nvPr>
+            <p:extLst>
+              <p:ext uri="{386F3935-93C4-4BCD-93E2-E3B085C9AB24}">
+                <p16:designElem xmlns:p16="http://schemas.microsoft.com/office/powerpoint/2015/main" val="1"/>
+              </p:ext>
+            </p:extLst>
+          </p:nvPr>
+        </p:nvSpPr>
+        <p:spPr bwMode="auto">
+          <a:xfrm rot="5400000">
+            <a:off x="5693226" y="359229"/>
+            <a:ext cx="805544" cy="12191999"/>
+          </a:xfrm>
+          <a:custGeom>
+            <a:avLst/>
+            <a:gdLst>
+              <a:gd name="connsiteX0" fmla="*/ 0 w 1214924"/>
+              <a:gd name="connsiteY0" fmla="*/ 12191999 h 12191999"/>
+              <a:gd name="connsiteX1" fmla="*/ 32 w 1214924"/>
+              <a:gd name="connsiteY1" fmla="*/ 12166053 h 12191999"/>
+              <a:gd name="connsiteX2" fmla="*/ 59979 w 1214924"/>
+              <a:gd name="connsiteY2" fmla="*/ 9224089 h 12191999"/>
+              <a:gd name="connsiteX3" fmla="*/ 120877 w 1214924"/>
+              <a:gd name="connsiteY3" fmla="*/ 8004225 h 12191999"/>
+              <a:gd name="connsiteX4" fmla="*/ 59979 w 1214924"/>
+              <a:gd name="connsiteY4" fmla="*/ 7211315 h 12191999"/>
+              <a:gd name="connsiteX5" fmla="*/ 59979 w 1214924"/>
+              <a:gd name="connsiteY5" fmla="*/ 6601383 h 12191999"/>
+              <a:gd name="connsiteX6" fmla="*/ 59979 w 1214924"/>
+              <a:gd name="connsiteY6" fmla="*/ 5015562 h 12191999"/>
+              <a:gd name="connsiteX7" fmla="*/ 120877 w 1214924"/>
+              <a:gd name="connsiteY7" fmla="*/ 3185768 h 12191999"/>
+              <a:gd name="connsiteX8" fmla="*/ 74847 w 1214924"/>
+              <a:gd name="connsiteY8" fmla="*/ 4714 h 12191999"/>
+              <a:gd name="connsiteX9" fmla="*/ 74778 w 1214924"/>
+              <a:gd name="connsiteY9" fmla="*/ 0 h 12191999"/>
+              <a:gd name="connsiteX10" fmla="*/ 1214924 w 1214924"/>
+              <a:gd name="connsiteY10" fmla="*/ 0 h 12191999"/>
+              <a:gd name="connsiteX11" fmla="*/ 1214924 w 1214924"/>
+              <a:gd name="connsiteY11" fmla="*/ 12191999 h 12191999"/>
+            </a:gdLst>
+            <a:ahLst/>
+            <a:cxnLst>
+              <a:cxn ang="0">
+                <a:pos x="connsiteX0" y="connsiteY0"/>
+              </a:cxn>
+              <a:cxn ang="0">
+                <a:pos x="connsiteX1" y="connsiteY1"/>
+              </a:cxn>
+              <a:cxn ang="0">
+                <a:pos x="connsiteX2" y="connsiteY2"/>
+              </a:cxn>
+              <a:cxn ang="0">
+                <a:pos x="connsiteX3" y="connsiteY3"/>
+              </a:cxn>
+              <a:cxn ang="0">
+                <a:pos x="connsiteX4" y="connsiteY4"/>
+              </a:cxn>
+              <a:cxn ang="0">
+                <a:pos x="connsiteX5" y="connsiteY5"/>
+              </a:cxn>
+              <a:cxn ang="0">
+                <a:pos x="connsiteX6" y="connsiteY6"/>
+              </a:cxn>
+              <a:cxn ang="0">
+                <a:pos x="connsiteX7" y="connsiteY7"/>
+              </a:cxn>
+              <a:cxn ang="0">
+                <a:pos x="connsiteX8" y="connsiteY8"/>
+              </a:cxn>
+              <a:cxn ang="0">
+                <a:pos x="connsiteX9" y="connsiteY9"/>
+              </a:cxn>
+              <a:cxn ang="0">
+                <a:pos x="connsiteX10" y="connsiteY10"/>
+              </a:cxn>
+              <a:cxn ang="0">
+                <a:pos x="connsiteX11" y="connsiteY11"/>
+              </a:cxn>
+            </a:cxnLst>
+            <a:rect l="l" t="t" r="r" b="b"/>
+            <a:pathLst>
+              <a:path w="1214924" h="12191999">
+                <a:moveTo>
+                  <a:pt x="0" y="12191999"/>
+                </a:moveTo>
+                <a:lnTo>
+                  <a:pt x="32" y="12166053"/>
+                </a:lnTo>
+                <a:cubicBezTo>
+                  <a:pt x="2886" y="11339787"/>
+                  <a:pt x="14305" y="10367710"/>
+                  <a:pt x="59979" y="9224089"/>
+                </a:cubicBezTo>
+                <a:cubicBezTo>
+                  <a:pt x="120877" y="8004225"/>
+                  <a:pt x="120877" y="8004225"/>
+                  <a:pt x="120877" y="8004225"/>
+                </a:cubicBezTo>
+                <a:cubicBezTo>
+                  <a:pt x="120877" y="7760253"/>
+                  <a:pt x="59979" y="7516280"/>
+                  <a:pt x="59979" y="7211315"/>
+                </a:cubicBezTo>
+                <a:cubicBezTo>
+                  <a:pt x="59979" y="6906349"/>
+                  <a:pt x="59979" y="6662377"/>
+                  <a:pt x="59979" y="6601383"/>
+                </a:cubicBezTo>
+                <a:cubicBezTo>
+                  <a:pt x="59979" y="5015562"/>
+                  <a:pt x="59979" y="5015562"/>
+                  <a:pt x="59979" y="5015562"/>
+                </a:cubicBezTo>
+                <a:cubicBezTo>
+                  <a:pt x="120877" y="3185768"/>
+                  <a:pt x="120877" y="3185768"/>
+                  <a:pt x="120877" y="3185768"/>
+                </a:cubicBezTo>
+                <a:cubicBezTo>
+                  <a:pt x="98040" y="1607571"/>
+                  <a:pt x="83767" y="621197"/>
+                  <a:pt x="74847" y="4714"/>
+                </a:cubicBezTo>
+                <a:lnTo>
+                  <a:pt x="74778" y="0"/>
+                </a:lnTo>
+                <a:lnTo>
+                  <a:pt x="1214924" y="0"/>
+                </a:lnTo>
+                <a:lnTo>
+                  <a:pt x="1214924" y="12191999"/>
+                </a:lnTo>
+                <a:close/>
+              </a:path>
+            </a:pathLst>
+          </a:custGeom>
+          <a:ln>
+            <a:noFill/>
+          </a:ln>
+        </p:spPr>
+        <p:txBody>
+          <a:bodyPr vert="horz" wrap="square" lIns="91440" tIns="45720" rIns="91440" bIns="45720" numCol="1" anchor="t" anchorCtr="0" compatLnSpc="1">
+            <a:prstTxWarp prst="textNoShape">
+              <a:avLst/>
+            </a:prstTxWarp>
+          </a:bodyPr>
+          <a:lstStyle/>
+          <a:p>
+            <a:endParaRPr lang="en-US"/>
+          </a:p>
+        </p:txBody>
+      </p:sp>
+    </p:spTree>
+    <p:extLst>
+      <p:ext uri="{BB962C8B-B14F-4D97-AF65-F5344CB8AC3E}">
+        <p14:creationId xmlns:p14="http://schemas.microsoft.com/office/powerpoint/2010/main" val="66225331"/>
+      </p:ext>
+    </p:extLst>
+  </p:cSld>
+  <p:clrMapOvr>
+    <a:masterClrMapping/>
+  </p:clrMapOvr>
+</p:sld>
+</file>
+
+<file path=ppt/slides/slide3.xml><?xml version="1.0" encoding="utf-8"?>
+<p:sld xmlns:a="http://schemas.openxmlformats.org/drawingml/2006/main" xmlns:r="http://schemas.openxmlformats.org/officeDocument/2006/relationships" xmlns:p="http://schemas.openxmlformats.org/presentationml/2006/main">
+  <p:cSld>
+    <p:bg>
+      <p:bgPr>
+        <a:solidFill>
+          <a:schemeClr val="bg2"/>
+        </a:solidFill>
+        <a:effectLst/>
+      </p:bgPr>
+    </p:bg>
+    <p:spTree>
+      <p:nvGrpSpPr>
+        <p:cNvPr id="1" name=""/>
+        <p:cNvGrpSpPr/>
+        <p:nvPr/>
+      </p:nvGrpSpPr>
+      <p:grpSpPr>
+        <a:xfrm>
+          <a:off x="0" y="0"/>
+          <a:ext cx="0" cy="0"/>
+          <a:chOff x="0" y="0"/>
+          <a:chExt cx="0" cy="0"/>
+        </a:xfrm>
+      </p:grpSpPr>
+      <p:sp>
+        <p:nvSpPr>
+          <p:cNvPr id="20" name="Rectangle 19">
+            <a:extLst>
+              <a:ext uri="{FF2B5EF4-FFF2-40B4-BE49-F238E27FC236}">
+                <a16:creationId xmlns:a16="http://schemas.microsoft.com/office/drawing/2014/main" id="{09646535-AEF6-4883-A4F9-EEC1F8B4319E}"/>
+              </a:ext>
+              <a:ext uri="{C183D7F6-B498-43B3-948B-1728B52AA6E4}">
+                <adec:decorative xmlns:adec="http://schemas.microsoft.com/office/drawing/2017/decorative" val="1"/>
+              </a:ext>
+            </a:extLst>
+          </p:cNvPr>
+          <p:cNvSpPr>
+            <a:spLocks noGrp="1" noRot="1" noChangeAspect="1" noMove="1" noResize="1" noEditPoints="1" noAdjustHandles="1" noChangeArrowheads="1" noChangeShapeType="1" noTextEdit="1"/>
+          </p:cNvSpPr>
+          <p:nvPr>
+            <p:extLst>
+              <p:ext uri="{386F3935-93C4-4BCD-93E2-E3B085C9AB24}">
+                <p16:designElem xmlns:p16="http://schemas.microsoft.com/office/powerpoint/2015/main" val="1"/>
+              </p:ext>
+            </p:extLst>
+          </p:nvPr>
+        </p:nvSpPr>
+        <p:spPr>
+          <a:xfrm>
+            <a:off x="0" y="0"/>
+            <a:ext cx="12192000" cy="6858000"/>
+          </a:xfrm>
+          <a:prstGeom prst="rect">
+            <a:avLst/>
+          </a:prstGeom>
+          <a:solidFill>
+            <a:schemeClr val="bg2">
+              <a:lumMod val="90000"/>
+              <a:lumOff val="10000"/>
+            </a:schemeClr>
+          </a:solidFill>
+          <a:ln w="12700" cap="flat" cmpd="sng" algn="ctr">
+            <a:noFill/>
+            <a:prstDash val="solid"/>
+            <a:miter lim="800000"/>
+          </a:ln>
+          <a:effectLst/>
+        </p:spPr>
+        <p:style>
+          <a:lnRef idx="2">
+            <a:schemeClr val="accent1">
+              <a:shade val="50000"/>
+            </a:schemeClr>
+          </a:lnRef>
+          <a:fillRef idx="1">
+            <a:schemeClr val="accent1"/>
+          </a:fillRef>
+          <a:effectRef idx="0">
+            <a:schemeClr val="accent1"/>
+          </a:effectRef>
+          <a:fontRef idx="minor">
+            <a:schemeClr val="lt1"/>
+          </a:fontRef>
+        </p:style>
+        <p:txBody>
+          <a:bodyPr rtlCol="0" anchor="ctr"/>
+          <a:lstStyle/>
+          <a:p>
+            <a:pPr algn="ctr"/>
+            <a:endParaRPr lang="en-US"/>
+          </a:p>
+        </p:txBody>
+      </p:sp>
+      <p:sp>
+        <p:nvSpPr>
+          <p:cNvPr id="22" name="Rectangle 21">
+            <a:extLst>
+              <a:ext uri="{FF2B5EF4-FFF2-40B4-BE49-F238E27FC236}">
+                <a16:creationId xmlns:a16="http://schemas.microsoft.com/office/drawing/2014/main" id="{DB7EFF05-A8DA-4B3E-9C21-7A04283D4852}"/>
+              </a:ext>
+              <a:ext uri="{C183D7F6-B498-43B3-948B-1728B52AA6E4}">
+                <adec:decorative xmlns:adec="http://schemas.microsoft.com/office/drawing/2017/decorative" val="1"/>
+              </a:ext>
+            </a:extLst>
+          </p:cNvPr>
+          <p:cNvSpPr>
+            <a:spLocks noGrp="1" noRot="1" noChangeAspect="1" noMove="1" noResize="1" noEditPoints="1" noAdjustHandles="1" noChangeArrowheads="1" noChangeShapeType="1" noTextEdit="1"/>
+          </p:cNvSpPr>
+          <p:nvPr>
+            <p:extLst>
+              <p:ext uri="{386F3935-93C4-4BCD-93E2-E3B085C9AB24}">
+                <p16:designElem xmlns:p16="http://schemas.microsoft.com/office/powerpoint/2015/main" val="1"/>
+              </p:ext>
+            </p:extLst>
+          </p:nvPr>
+        </p:nvSpPr>
+        <p:spPr>
+          <a:xfrm>
+            <a:off x="0" y="0"/>
+            <a:ext cx="12192000" cy="6858000"/>
+          </a:xfrm>
+          <a:prstGeom prst="rect">
+            <a:avLst/>
+          </a:prstGeom>
+          <a:solidFill>
+            <a:schemeClr val="bg2">
+              <a:lumMod val="90000"/>
+              <a:lumOff val="10000"/>
+            </a:schemeClr>
+          </a:solidFill>
+          <a:ln w="12700" cap="flat" cmpd="sng" algn="ctr">
+            <a:noFill/>
+            <a:prstDash val="solid"/>
+            <a:miter lim="800000"/>
+          </a:ln>
+          <a:effectLst/>
+        </p:spPr>
+        <p:style>
+          <a:lnRef idx="2">
+            <a:schemeClr val="accent1">
+              <a:shade val="50000"/>
+            </a:schemeClr>
+          </a:lnRef>
+          <a:fillRef idx="1">
+            <a:schemeClr val="accent1"/>
+          </a:fillRef>
+          <a:effectRef idx="0">
+            <a:schemeClr val="accent1"/>
+          </a:effectRef>
+          <a:fontRef idx="minor">
+            <a:schemeClr val="lt1"/>
+          </a:fontRef>
+        </p:style>
+        <p:txBody>
+          <a:bodyPr rtlCol="0" anchor="ctr"/>
+          <a:lstStyle/>
+          <a:p>
+            <a:pPr algn="ctr"/>
+            <a:endParaRPr lang="en-US"/>
+          </a:p>
+        </p:txBody>
+      </p:sp>
+      <p:sp useBgFill="1">
+        <p:nvSpPr>
+          <p:cNvPr id="24" name="Rectangle 23">
+            <a:extLst>
+              <a:ext uri="{FF2B5EF4-FFF2-40B4-BE49-F238E27FC236}">
+                <a16:creationId xmlns:a16="http://schemas.microsoft.com/office/drawing/2014/main" id="{44CA1620-2C02-4B4E-97C8-06FCE85EEB0E}"/>
+              </a:ext>
+              <a:ext uri="{C183D7F6-B498-43B3-948B-1728B52AA6E4}">
+                <adec:decorative xmlns:adec="http://schemas.microsoft.com/office/drawing/2017/decorative" val="1"/>
+              </a:ext>
+            </a:extLst>
+          </p:cNvPr>
+          <p:cNvSpPr>
+            <a:spLocks noGrp="1" noRot="1" noChangeAspect="1" noMove="1" noResize="1" noEditPoints="1" noAdjustHandles="1" noChangeArrowheads="1" noChangeShapeType="1" noTextEdit="1"/>
+          </p:cNvSpPr>
+          <p:nvPr>
+            <p:extLst>
+              <p:ext uri="{386F3935-93C4-4BCD-93E2-E3B085C9AB24}">
+                <p16:designElem xmlns:p16="http://schemas.microsoft.com/office/powerpoint/2015/main" val="1"/>
+              </p:ext>
+            </p:extLst>
+          </p:nvPr>
+        </p:nvSpPr>
+        <p:spPr>
+          <a:xfrm>
+            <a:off x="0" y="0"/>
+            <a:ext cx="12192000" cy="6858000"/>
+          </a:xfrm>
+          <a:prstGeom prst="rect">
+            <a:avLst/>
+          </a:prstGeom>
+          <a:ln w="12700" cap="flat" cmpd="sng" algn="ctr">
+            <a:noFill/>
+            <a:prstDash val="solid"/>
+            <a:miter lim="800000"/>
+          </a:ln>
+          <a:effectLst/>
+        </p:spPr>
+        <p:style>
+          <a:lnRef idx="2">
+            <a:schemeClr val="accent1">
+              <a:shade val="50000"/>
+            </a:schemeClr>
+          </a:lnRef>
+          <a:fillRef idx="1">
+            <a:schemeClr val="accent1"/>
+          </a:fillRef>
+          <a:effectRef idx="0">
+            <a:schemeClr val="accent1"/>
+          </a:effectRef>
+          <a:fontRef idx="minor">
+            <a:schemeClr val="lt1"/>
+          </a:fontRef>
+        </p:style>
+        <p:txBody>
+          <a:bodyPr rtlCol="0" anchor="ctr"/>
+          <a:lstStyle/>
+          <a:p>
+            <a:pPr algn="ctr"/>
+            <a:endParaRPr lang="en-US"/>
+          </a:p>
+        </p:txBody>
+      </p:sp>
+      <p:sp>
+        <p:nvSpPr>
+          <p:cNvPr id="26" name="Rectangle 25">
+            <a:extLst>
+              <a:ext uri="{FF2B5EF4-FFF2-40B4-BE49-F238E27FC236}">
+                <a16:creationId xmlns:a16="http://schemas.microsoft.com/office/drawing/2014/main" id="{3657DE79-27F8-4881-BE3B-5321D1801425}"/>
+              </a:ext>
+              <a:ext uri="{C183D7F6-B498-43B3-948B-1728B52AA6E4}">
+                <adec:decorative xmlns:adec="http://schemas.microsoft.com/office/drawing/2017/decorative" val="1"/>
+              </a:ext>
+            </a:extLst>
+          </p:cNvPr>
+          <p:cNvSpPr>
+            <a:spLocks noGrp="1" noRot="1" noChangeAspect="1" noMove="1" noResize="1" noEditPoints="1" noAdjustHandles="1" noChangeArrowheads="1" noChangeShapeType="1" noTextEdit="1"/>
+          </p:cNvSpPr>
+          <p:nvPr>
+            <p:extLst>
+              <p:ext uri="{386F3935-93C4-4BCD-93E2-E3B085C9AB24}">
+                <p16:designElem xmlns:p16="http://schemas.microsoft.com/office/powerpoint/2015/main" val="1"/>
+              </p:ext>
+            </p:extLst>
+          </p:nvPr>
+        </p:nvSpPr>
+        <p:spPr>
+          <a:xfrm>
+            <a:off x="0" y="0"/>
+            <a:ext cx="12192000" cy="6858000"/>
+          </a:xfrm>
+          <a:prstGeom prst="rect">
+            <a:avLst/>
+          </a:prstGeom>
+          <a:solidFill>
+            <a:schemeClr val="bg2">
+              <a:lumMod val="90000"/>
+              <a:lumOff val="10000"/>
+            </a:schemeClr>
+          </a:solidFill>
+          <a:ln w="12700" cap="flat" cmpd="sng" algn="ctr">
+            <a:noFill/>
+            <a:prstDash val="solid"/>
+            <a:miter lim="800000"/>
+          </a:ln>
+          <a:effectLst/>
+        </p:spPr>
+        <p:style>
+          <a:lnRef idx="2">
+            <a:schemeClr val="accent1">
+              <a:shade val="50000"/>
+            </a:schemeClr>
+          </a:lnRef>
+          <a:fillRef idx="1">
+            <a:schemeClr val="accent1"/>
+          </a:fillRef>
+          <a:effectRef idx="0">
+            <a:schemeClr val="accent1"/>
+          </a:effectRef>
+          <a:fontRef idx="minor">
+            <a:schemeClr val="lt1"/>
+          </a:fontRef>
+        </p:style>
+        <p:txBody>
+          <a:bodyPr rtlCol="0" anchor="ctr"/>
+          <a:lstStyle/>
+          <a:p>
+            <a:pPr algn="ctr"/>
+            <a:endParaRPr lang="en-US"/>
+          </a:p>
+        </p:txBody>
+      </p:sp>
+      <p:grpSp>
+        <p:nvGrpSpPr>
+          <p:cNvPr id="28" name="Group 27">
+            <a:extLst>
+              <a:ext uri="{FF2B5EF4-FFF2-40B4-BE49-F238E27FC236}">
+                <a16:creationId xmlns:a16="http://schemas.microsoft.com/office/drawing/2014/main" id="{DB733608-1322-485D-B942-B827E6997F08}"/>
+              </a:ext>
+              <a:ext uri="{C183D7F6-B498-43B3-948B-1728B52AA6E4}">
+                <adec:decorative xmlns:adec="http://schemas.microsoft.com/office/drawing/2017/decorative" val="1"/>
+              </a:ext>
+            </a:extLst>
+          </p:cNvPr>
+          <p:cNvGrpSpPr>
+            <a:grpSpLocks noGrp="1" noUngrp="1" noRot="1" noChangeAspect="1" noMove="1" noResize="1"/>
+          </p:cNvGrpSpPr>
+          <p:nvPr>
+            <p:extLst>
+              <p:ext uri="{386F3935-93C4-4BCD-93E2-E3B085C9AB24}">
+                <p16:designElem xmlns:p16="http://schemas.microsoft.com/office/powerpoint/2015/main" val="1"/>
+              </p:ext>
+            </p:extLst>
+          </p:nvPr>
+        </p:nvGrpSpPr>
+        <p:grpSpPr>
+          <a:xfrm>
+            <a:off x="643527" y="954724"/>
+            <a:ext cx="10904945" cy="3364228"/>
+            <a:chOff x="643527" y="954724"/>
+            <a:chExt cx="10904945" cy="3364228"/>
+          </a:xfrm>
+        </p:grpSpPr>
+        <p:sp>
+          <p:nvSpPr>
+            <p:cNvPr id="29" name="Freeform 78">
+              <a:extLst>
+                <a:ext uri="{FF2B5EF4-FFF2-40B4-BE49-F238E27FC236}">
+                  <a16:creationId xmlns:a16="http://schemas.microsoft.com/office/drawing/2014/main" id="{7975F1CD-7143-447F-AC1A-8D3EA46ECA49}"/>
+                </a:ext>
+                <a:ext uri="{C183D7F6-B498-43B3-948B-1728B52AA6E4}">
+                  <adec:decorative xmlns:adec="http://schemas.microsoft.com/office/drawing/2017/decorative" val="1"/>
+                </a:ext>
+              </a:extLst>
+            </p:cNvPr>
+            <p:cNvSpPr>
+              <a:spLocks/>
+            </p:cNvSpPr>
+            <p:nvPr>
+              <p:extLst>
+                <p:ext uri="{386F3935-93C4-4BCD-93E2-E3B085C9AB24}">
+                  <p16:designElem xmlns:p16="http://schemas.microsoft.com/office/powerpoint/2015/main" val="1"/>
+                </p:ext>
+              </p:extLst>
+            </p:nvPr>
+          </p:nvSpPr>
+          <p:spPr bwMode="auto">
+            <a:xfrm rot="16800114">
+              <a:off x="1083914" y="3331230"/>
+              <a:ext cx="879143" cy="903430"/>
+            </a:xfrm>
+            <a:custGeom>
+              <a:avLst/>
+              <a:gdLst>
+                <a:gd name="T0" fmla="*/ 32 w 58"/>
+                <a:gd name="T1" fmla="*/ 56 h 60"/>
+                <a:gd name="T2" fmla="*/ 24 w 58"/>
+                <a:gd name="T3" fmla="*/ 48 h 60"/>
+                <a:gd name="T4" fmla="*/ 14 w 58"/>
+                <a:gd name="T5" fmla="*/ 36 h 60"/>
+                <a:gd name="T6" fmla="*/ 7 w 58"/>
+                <a:gd name="T7" fmla="*/ 29 h 60"/>
+                <a:gd name="T8" fmla="*/ 1 w 58"/>
+                <a:gd name="T9" fmla="*/ 17 h 60"/>
+                <a:gd name="T10" fmla="*/ 7 w 58"/>
+                <a:gd name="T11" fmla="*/ 4 h 60"/>
+                <a:gd name="T12" fmla="*/ 17 w 58"/>
+                <a:gd name="T13" fmla="*/ 1 h 60"/>
+                <a:gd name="T14" fmla="*/ 29 w 58"/>
+                <a:gd name="T15" fmla="*/ 6 h 60"/>
+                <a:gd name="T16" fmla="*/ 31 w 58"/>
+                <a:gd name="T17" fmla="*/ 8 h 60"/>
+                <a:gd name="T18" fmla="*/ 38 w 58"/>
+                <a:gd name="T19" fmla="*/ 15 h 60"/>
+                <a:gd name="T20" fmla="*/ 44 w 58"/>
+                <a:gd name="T21" fmla="*/ 22 h 60"/>
+                <a:gd name="T22" fmla="*/ 54 w 58"/>
+                <a:gd name="T23" fmla="*/ 33 h 60"/>
+                <a:gd name="T24" fmla="*/ 58 w 58"/>
+                <a:gd name="T25" fmla="*/ 44 h 60"/>
+                <a:gd name="T26" fmla="*/ 53 w 58"/>
+                <a:gd name="T27" fmla="*/ 54 h 60"/>
+                <a:gd name="T28" fmla="*/ 42 w 58"/>
+                <a:gd name="T29" fmla="*/ 60 h 60"/>
+                <a:gd name="T30" fmla="*/ 32 w 58"/>
+                <a:gd name="T31" fmla="*/ 56 h 60"/>
+              </a:gdLst>
+              <a:ahLst/>
+              <a:cxnLst>
+                <a:cxn ang="0">
+                  <a:pos x="T0" y="T1"/>
+                </a:cxn>
+                <a:cxn ang="0">
+                  <a:pos x="T2" y="T3"/>
+                </a:cxn>
+                <a:cxn ang="0">
+                  <a:pos x="T4" y="T5"/>
+                </a:cxn>
+                <a:cxn ang="0">
+                  <a:pos x="T6" y="T7"/>
+                </a:cxn>
+                <a:cxn ang="0">
+                  <a:pos x="T8" y="T9"/>
+                </a:cxn>
+                <a:cxn ang="0">
+                  <a:pos x="T10" y="T11"/>
+                </a:cxn>
+                <a:cxn ang="0">
+                  <a:pos x="T12" y="T13"/>
+                </a:cxn>
+                <a:cxn ang="0">
+                  <a:pos x="T14" y="T15"/>
+                </a:cxn>
+                <a:cxn ang="0">
+                  <a:pos x="T16" y="T17"/>
+                </a:cxn>
+                <a:cxn ang="0">
+                  <a:pos x="T18" y="T19"/>
+                </a:cxn>
+                <a:cxn ang="0">
+                  <a:pos x="T20" y="T21"/>
+                </a:cxn>
+                <a:cxn ang="0">
+                  <a:pos x="T22" y="T23"/>
+                </a:cxn>
+                <a:cxn ang="0">
+                  <a:pos x="T24" y="T25"/>
+                </a:cxn>
+                <a:cxn ang="0">
+                  <a:pos x="T26" y="T27"/>
+                </a:cxn>
+                <a:cxn ang="0">
+                  <a:pos x="T28" y="T29"/>
+                </a:cxn>
+                <a:cxn ang="0">
+                  <a:pos x="T30" y="T31"/>
+                </a:cxn>
+              </a:cxnLst>
+              <a:rect l="0" t="0" r="r" b="b"/>
+              <a:pathLst>
+                <a:path w="58" h="60">
+                  <a:moveTo>
+                    <a:pt x="32" y="56"/>
+                  </a:moveTo>
+                  <a:cubicBezTo>
+                    <a:pt x="30" y="54"/>
+                    <a:pt x="31" y="55"/>
+                    <a:pt x="24" y="48"/>
+                  </a:cubicBezTo>
+                  <a:cubicBezTo>
+                    <a:pt x="17" y="40"/>
+                    <a:pt x="14" y="36"/>
+                    <a:pt x="14" y="36"/>
+                  </a:cubicBezTo>
+                  <a:cubicBezTo>
+                    <a:pt x="8" y="30"/>
+                    <a:pt x="14" y="37"/>
+                    <a:pt x="7" y="29"/>
+                  </a:cubicBezTo>
+                  <a:cubicBezTo>
+                    <a:pt x="3" y="24"/>
+                    <a:pt x="1" y="20"/>
+                    <a:pt x="1" y="17"/>
+                  </a:cubicBezTo>
+                  <a:cubicBezTo>
+                    <a:pt x="0" y="13"/>
+                    <a:pt x="3" y="9"/>
+                    <a:pt x="7" y="4"/>
+                  </a:cubicBezTo>
+                  <a:cubicBezTo>
+                    <a:pt x="10" y="2"/>
+                    <a:pt x="13" y="0"/>
+                    <a:pt x="17" y="1"/>
+                  </a:cubicBezTo>
+                  <a:cubicBezTo>
+                    <a:pt x="21" y="1"/>
+                    <a:pt x="25" y="3"/>
+                    <a:pt x="29" y="6"/>
+                  </a:cubicBezTo>
+                  <a:cubicBezTo>
+                    <a:pt x="31" y="8"/>
+                    <a:pt x="31" y="8"/>
+                    <a:pt x="31" y="8"/>
+                  </a:cubicBezTo>
+                  <a:cubicBezTo>
+                    <a:pt x="33" y="11"/>
+                    <a:pt x="37" y="15"/>
+                    <a:pt x="38" y="15"/>
+                  </a:cubicBezTo>
+                  <a:cubicBezTo>
+                    <a:pt x="42" y="20"/>
+                    <a:pt x="40" y="18"/>
+                    <a:pt x="44" y="22"/>
+                  </a:cubicBezTo>
+                  <a:cubicBezTo>
+                    <a:pt x="51" y="29"/>
+                    <a:pt x="50" y="29"/>
+                    <a:pt x="54" y="33"/>
+                  </a:cubicBezTo>
+                  <a:cubicBezTo>
+                    <a:pt x="57" y="37"/>
+                    <a:pt x="58" y="40"/>
+                    <a:pt x="58" y="44"/>
+                  </a:cubicBezTo>
+                  <a:cubicBezTo>
+                    <a:pt x="58" y="47"/>
+                    <a:pt x="56" y="50"/>
+                    <a:pt x="53" y="54"/>
+                  </a:cubicBezTo>
+                  <a:cubicBezTo>
+                    <a:pt x="49" y="58"/>
+                    <a:pt x="45" y="60"/>
+                    <a:pt x="42" y="60"/>
+                  </a:cubicBezTo>
+                  <a:cubicBezTo>
+                    <a:pt x="39" y="60"/>
+                    <a:pt x="36" y="59"/>
+                    <a:pt x="32" y="56"/>
+                  </a:cubicBezTo>
+                  <a:close/>
+                </a:path>
+              </a:pathLst>
+            </a:custGeom>
+            <a:solidFill>
+              <a:schemeClr val="accent2"/>
+            </a:solidFill>
+            <a:ln>
+              <a:noFill/>
+            </a:ln>
+          </p:spPr>
+          <p:txBody>
+            <a:bodyPr vert="horz" wrap="square" lIns="91440" tIns="45720" rIns="91440" bIns="45720" numCol="1" anchor="t" anchorCtr="0" compatLnSpc="1">
+              <a:prstTxWarp prst="textNoShape">
+                <a:avLst/>
+              </a:prstTxWarp>
+            </a:bodyPr>
+            <a:lstStyle/>
+            <a:p>
+              <a:endParaRPr lang="en-US">
+                <a:solidFill>
+                  <a:schemeClr val="accent3"/>
+                </a:solidFill>
+              </a:endParaRPr>
+            </a:p>
+          </p:txBody>
+        </p:sp>
+        <p:sp>
+          <p:nvSpPr>
+            <p:cNvPr id="30" name="Freeform 79">
+              <a:extLst>
+                <a:ext uri="{FF2B5EF4-FFF2-40B4-BE49-F238E27FC236}">
+                  <a16:creationId xmlns:a16="http://schemas.microsoft.com/office/drawing/2014/main" id="{501A6B8C-11DF-404A-89DD-354DA4C19327}"/>
+                </a:ext>
+                <a:ext uri="{C183D7F6-B498-43B3-948B-1728B52AA6E4}">
+                  <adec:decorative xmlns:adec="http://schemas.microsoft.com/office/drawing/2017/decorative" val="1"/>
+                </a:ext>
+              </a:extLst>
+            </p:cNvPr>
+            <p:cNvSpPr>
+              <a:spLocks/>
+            </p:cNvSpPr>
+            <p:nvPr>
+              <p:extLst>
+                <p:ext uri="{386F3935-93C4-4BCD-93E2-E3B085C9AB24}">
+                  <p16:designElem xmlns:p16="http://schemas.microsoft.com/office/powerpoint/2015/main" val="1"/>
+                </p:ext>
+              </p:extLst>
+            </p:nvPr>
+          </p:nvSpPr>
+          <p:spPr bwMode="auto">
+            <a:xfrm rot="16800114">
+              <a:off x="869193" y="1989904"/>
+              <a:ext cx="743890" cy="1195221"/>
+            </a:xfrm>
+            <a:custGeom>
+              <a:avLst/>
+              <a:gdLst>
+                <a:gd name="T0" fmla="*/ 15 w 49"/>
+                <a:gd name="T1" fmla="*/ 65 h 79"/>
+                <a:gd name="T2" fmla="*/ 12 w 49"/>
+                <a:gd name="T3" fmla="*/ 54 h 79"/>
+                <a:gd name="T4" fmla="*/ 8 w 49"/>
+                <a:gd name="T5" fmla="*/ 33 h 79"/>
+                <a:gd name="T6" fmla="*/ 38 w 49"/>
+                <a:gd name="T7" fmla="*/ 24 h 79"/>
+                <a:gd name="T8" fmla="*/ 45 w 49"/>
+                <a:gd name="T9" fmla="*/ 70 h 79"/>
+                <a:gd name="T10" fmla="*/ 15 w 49"/>
+                <a:gd name="T11" fmla="*/ 65 h 79"/>
+              </a:gdLst>
+              <a:ahLst/>
+              <a:cxnLst>
+                <a:cxn ang="0">
+                  <a:pos x="T0" y="T1"/>
+                </a:cxn>
+                <a:cxn ang="0">
+                  <a:pos x="T2" y="T3"/>
+                </a:cxn>
+                <a:cxn ang="0">
+                  <a:pos x="T4" y="T5"/>
+                </a:cxn>
+                <a:cxn ang="0">
+                  <a:pos x="T6" y="T7"/>
+                </a:cxn>
+                <a:cxn ang="0">
+                  <a:pos x="T8" y="T9"/>
+                </a:cxn>
+                <a:cxn ang="0">
+                  <a:pos x="T10" y="T11"/>
+                </a:cxn>
+              </a:cxnLst>
+              <a:rect l="0" t="0" r="r" b="b"/>
+              <a:pathLst>
+                <a:path w="49" h="79">
+                  <a:moveTo>
+                    <a:pt x="15" y="65"/>
+                  </a:moveTo>
+                  <a:cubicBezTo>
+                    <a:pt x="14" y="59"/>
+                    <a:pt x="13" y="58"/>
+                    <a:pt x="12" y="54"/>
+                  </a:cubicBezTo>
+                  <a:cubicBezTo>
+                    <a:pt x="11" y="45"/>
+                    <a:pt x="10" y="40"/>
+                    <a:pt x="8" y="33"/>
+                  </a:cubicBezTo>
+                  <a:cubicBezTo>
+                    <a:pt x="0" y="9"/>
+                    <a:pt x="34" y="0"/>
+                    <a:pt x="38" y="24"/>
+                  </a:cubicBezTo>
+                  <a:cubicBezTo>
+                    <a:pt x="43" y="43"/>
+                    <a:pt x="49" y="60"/>
+                    <a:pt x="45" y="70"/>
+                  </a:cubicBezTo>
+                  <a:cubicBezTo>
+                    <a:pt x="38" y="77"/>
+                    <a:pt x="19" y="79"/>
+                    <a:pt x="15" y="65"/>
+                  </a:cubicBezTo>
+                  <a:close/>
+                </a:path>
+              </a:pathLst>
+            </a:custGeom>
+            <a:solidFill>
+              <a:schemeClr val="accent2"/>
+            </a:solidFill>
+            <a:ln>
+              <a:noFill/>
+            </a:ln>
+          </p:spPr>
+          <p:txBody>
+            <a:bodyPr vert="horz" wrap="square" lIns="91440" tIns="45720" rIns="91440" bIns="45720" numCol="1" anchor="t" anchorCtr="0" compatLnSpc="1">
+              <a:prstTxWarp prst="textNoShape">
+                <a:avLst/>
+              </a:prstTxWarp>
+            </a:bodyPr>
+            <a:lstStyle/>
+            <a:p>
+              <a:endParaRPr lang="en-US">
+                <a:solidFill>
+                  <a:schemeClr val="accent3"/>
+                </a:solidFill>
+              </a:endParaRPr>
+            </a:p>
+          </p:txBody>
+        </p:sp>
+        <p:sp>
+          <p:nvSpPr>
+            <p:cNvPr id="31" name="Freeform 85">
+              <a:extLst>
+                <a:ext uri="{FF2B5EF4-FFF2-40B4-BE49-F238E27FC236}">
+                  <a16:creationId xmlns:a16="http://schemas.microsoft.com/office/drawing/2014/main" id="{14D1F65C-CD34-4E1F-8743-D3879A8712C8}"/>
+                </a:ext>
+                <a:ext uri="{C183D7F6-B498-43B3-948B-1728B52AA6E4}">
+                  <adec:decorative xmlns:adec="http://schemas.microsoft.com/office/drawing/2017/decorative" val="1"/>
+                </a:ext>
+              </a:extLst>
+            </p:cNvPr>
+            <p:cNvSpPr>
+              <a:spLocks/>
+            </p:cNvSpPr>
+            <p:nvPr>
+              <p:extLst>
+                <p:ext uri="{386F3935-93C4-4BCD-93E2-E3B085C9AB24}">
+                  <p16:designElem xmlns:p16="http://schemas.microsoft.com/office/powerpoint/2015/main" val="1"/>
+                </p:ext>
+              </p:extLst>
+            </p:nvPr>
+          </p:nvSpPr>
+          <p:spPr bwMode="auto">
+            <a:xfrm rot="16800114">
+              <a:off x="1316205" y="967005"/>
+              <a:ext cx="541011" cy="981989"/>
+            </a:xfrm>
+            <a:custGeom>
+              <a:avLst/>
+              <a:gdLst>
+                <a:gd name="T0" fmla="*/ 36 w 36"/>
+                <a:gd name="T1" fmla="*/ 15 h 65"/>
+                <a:gd name="T2" fmla="*/ 34 w 36"/>
+                <a:gd name="T3" fmla="*/ 5 h 65"/>
+                <a:gd name="T4" fmla="*/ 28 w 36"/>
+                <a:gd name="T5" fmla="*/ 1 h 65"/>
+                <a:gd name="T6" fmla="*/ 23 w 36"/>
+                <a:gd name="T7" fmla="*/ 0 h 65"/>
+                <a:gd name="T8" fmla="*/ 13 w 36"/>
+                <a:gd name="T9" fmla="*/ 1 h 65"/>
+                <a:gd name="T10" fmla="*/ 7 w 36"/>
+                <a:gd name="T11" fmla="*/ 9 h 65"/>
+                <a:gd name="T12" fmla="*/ 4 w 36"/>
+                <a:gd name="T13" fmla="*/ 19 h 65"/>
+                <a:gd name="T14" fmla="*/ 0 w 36"/>
+                <a:gd name="T15" fmla="*/ 44 h 65"/>
+                <a:gd name="T16" fmla="*/ 1 w 36"/>
+                <a:gd name="T17" fmla="*/ 58 h 65"/>
+                <a:gd name="T18" fmla="*/ 8 w 36"/>
+                <a:gd name="T19" fmla="*/ 64 h 65"/>
+                <a:gd name="T20" fmla="*/ 16 w 36"/>
+                <a:gd name="T21" fmla="*/ 65 h 65"/>
+                <a:gd name="T22" fmla="*/ 25 w 36"/>
+                <a:gd name="T23" fmla="*/ 63 h 65"/>
+                <a:gd name="T24" fmla="*/ 31 w 36"/>
+                <a:gd name="T25" fmla="*/ 55 h 65"/>
+                <a:gd name="T26" fmla="*/ 34 w 36"/>
+                <a:gd name="T27" fmla="*/ 40 h 65"/>
+                <a:gd name="T28" fmla="*/ 36 w 36"/>
+                <a:gd name="T29" fmla="*/ 15 h 65"/>
+              </a:gdLst>
+              <a:ahLst/>
+              <a:cxnLst>
+                <a:cxn ang="0">
+                  <a:pos x="T0" y="T1"/>
+                </a:cxn>
+                <a:cxn ang="0">
+                  <a:pos x="T2" y="T3"/>
+                </a:cxn>
+                <a:cxn ang="0">
+                  <a:pos x="T4" y="T5"/>
+                </a:cxn>
+                <a:cxn ang="0">
+                  <a:pos x="T6" y="T7"/>
+                </a:cxn>
+                <a:cxn ang="0">
+                  <a:pos x="T8" y="T9"/>
+                </a:cxn>
+                <a:cxn ang="0">
+                  <a:pos x="T10" y="T11"/>
+                </a:cxn>
+                <a:cxn ang="0">
+                  <a:pos x="T12" y="T13"/>
+                </a:cxn>
+                <a:cxn ang="0">
+                  <a:pos x="T14" y="T15"/>
+                </a:cxn>
+                <a:cxn ang="0">
+                  <a:pos x="T16" y="T17"/>
+                </a:cxn>
+                <a:cxn ang="0">
+                  <a:pos x="T18" y="T19"/>
+                </a:cxn>
+                <a:cxn ang="0">
+                  <a:pos x="T20" y="T21"/>
+                </a:cxn>
+                <a:cxn ang="0">
+                  <a:pos x="T22" y="T23"/>
+                </a:cxn>
+                <a:cxn ang="0">
+                  <a:pos x="T24" y="T25"/>
+                </a:cxn>
+                <a:cxn ang="0">
+                  <a:pos x="T26" y="T27"/>
+                </a:cxn>
+                <a:cxn ang="0">
+                  <a:pos x="T28" y="T29"/>
+                </a:cxn>
+              </a:cxnLst>
+              <a:rect l="0" t="0" r="r" b="b"/>
+              <a:pathLst>
+                <a:path w="36" h="65">
+                  <a:moveTo>
+                    <a:pt x="36" y="15"/>
+                  </a:moveTo>
+                  <a:cubicBezTo>
+                    <a:pt x="36" y="10"/>
+                    <a:pt x="35" y="7"/>
+                    <a:pt x="34" y="5"/>
+                  </a:cubicBezTo>
+                  <a:cubicBezTo>
+                    <a:pt x="33" y="3"/>
+                    <a:pt x="31" y="2"/>
+                    <a:pt x="28" y="1"/>
+                  </a:cubicBezTo>
+                  <a:cubicBezTo>
+                    <a:pt x="27" y="1"/>
+                    <a:pt x="25" y="1"/>
+                    <a:pt x="23" y="0"/>
+                  </a:cubicBezTo>
+                  <a:cubicBezTo>
+                    <a:pt x="19" y="0"/>
+                    <a:pt x="16" y="0"/>
+                    <a:pt x="13" y="1"/>
+                  </a:cubicBezTo>
+                  <a:cubicBezTo>
+                    <a:pt x="11" y="2"/>
+                    <a:pt x="9" y="4"/>
+                    <a:pt x="7" y="9"/>
+                  </a:cubicBezTo>
+                  <a:cubicBezTo>
+                    <a:pt x="6" y="13"/>
+                    <a:pt x="5" y="17"/>
+                    <a:pt x="4" y="19"/>
+                  </a:cubicBezTo>
+                  <a:cubicBezTo>
+                    <a:pt x="2" y="29"/>
+                    <a:pt x="0" y="44"/>
+                    <a:pt x="0" y="44"/>
+                  </a:cubicBezTo>
+                  <a:cubicBezTo>
+                    <a:pt x="0" y="50"/>
+                    <a:pt x="0" y="55"/>
+                    <a:pt x="1" y="58"/>
+                  </a:cubicBezTo>
+                  <a:cubicBezTo>
+                    <a:pt x="2" y="61"/>
+                    <a:pt x="5" y="63"/>
+                    <a:pt x="8" y="64"/>
+                  </a:cubicBezTo>
+                  <a:cubicBezTo>
+                    <a:pt x="11" y="65"/>
+                    <a:pt x="13" y="65"/>
+                    <a:pt x="16" y="65"/>
+                  </a:cubicBezTo>
+                  <a:cubicBezTo>
+                    <a:pt x="19" y="65"/>
+                    <a:pt x="22" y="64"/>
+                    <a:pt x="25" y="63"/>
+                  </a:cubicBezTo>
+                  <a:cubicBezTo>
+                    <a:pt x="28" y="61"/>
+                    <a:pt x="30" y="59"/>
+                    <a:pt x="31" y="55"/>
+                  </a:cubicBezTo>
+                  <a:cubicBezTo>
+                    <a:pt x="32" y="50"/>
+                    <a:pt x="31" y="54"/>
+                    <a:pt x="34" y="40"/>
+                  </a:cubicBezTo>
+                  <a:lnTo>
+                    <a:pt x="36" y="15"/>
+                  </a:lnTo>
+                  <a:close/>
+                </a:path>
+              </a:pathLst>
+            </a:custGeom>
+            <a:solidFill>
+              <a:schemeClr val="accent2"/>
+            </a:solidFill>
+            <a:ln>
+              <a:noFill/>
+            </a:ln>
+          </p:spPr>
+          <p:txBody>
+            <a:bodyPr vert="horz" wrap="square" lIns="91440" tIns="45720" rIns="91440" bIns="45720" numCol="1" anchor="t" anchorCtr="0" compatLnSpc="1">
+              <a:prstTxWarp prst="textNoShape">
+                <a:avLst/>
+              </a:prstTxWarp>
+            </a:bodyPr>
+            <a:lstStyle/>
+            <a:p>
+              <a:endParaRPr lang="en-US">
+                <a:solidFill>
+                  <a:schemeClr val="accent3"/>
+                </a:solidFill>
+              </a:endParaRPr>
+            </a:p>
+          </p:txBody>
+        </p:sp>
+        <p:sp>
+          <p:nvSpPr>
+            <p:cNvPr id="32" name="Freeform 80">
+              <a:extLst>
+                <a:ext uri="{FF2B5EF4-FFF2-40B4-BE49-F238E27FC236}">
+                  <a16:creationId xmlns:a16="http://schemas.microsoft.com/office/drawing/2014/main" id="{E5C58F66-1B6C-4935-9BB4-583D612CD224}"/>
+                </a:ext>
+                <a:ext uri="{C183D7F6-B498-43B3-948B-1728B52AA6E4}">
+                  <adec:decorative xmlns:adec="http://schemas.microsoft.com/office/drawing/2017/decorative" val="1"/>
+                </a:ext>
+              </a:extLst>
+            </p:cNvPr>
+            <p:cNvSpPr>
+              <a:spLocks/>
+            </p:cNvSpPr>
+            <p:nvPr>
+              <p:extLst>
+                <p:ext uri="{386F3935-93C4-4BCD-93E2-E3B085C9AB24}">
+                  <p16:designElem xmlns:p16="http://schemas.microsoft.com/office/powerpoint/2015/main" val="1"/>
+                </p:ext>
+              </p:extLst>
+            </p:nvPr>
+          </p:nvSpPr>
+          <p:spPr bwMode="auto">
+            <a:xfrm>
+              <a:off x="10562739" y="2385730"/>
+              <a:ext cx="985733" cy="504616"/>
+            </a:xfrm>
+            <a:custGeom>
+              <a:avLst/>
+              <a:gdLst>
+                <a:gd name="T0" fmla="*/ 53 w 66"/>
+                <a:gd name="T1" fmla="*/ 33 h 34"/>
+                <a:gd name="T2" fmla="*/ 39 w 66"/>
+                <a:gd name="T3" fmla="*/ 33 h 34"/>
+                <a:gd name="T4" fmla="*/ 21 w 66"/>
+                <a:gd name="T5" fmla="*/ 33 h 34"/>
+                <a:gd name="T6" fmla="*/ 12 w 66"/>
+                <a:gd name="T7" fmla="*/ 32 h 34"/>
+                <a:gd name="T8" fmla="*/ 3 w 66"/>
+                <a:gd name="T9" fmla="*/ 28 h 34"/>
+                <a:gd name="T10" fmla="*/ 0 w 66"/>
+                <a:gd name="T11" fmla="*/ 21 h 34"/>
+                <a:gd name="T12" fmla="*/ 0 w 66"/>
+                <a:gd name="T13" fmla="*/ 16 h 34"/>
+                <a:gd name="T14" fmla="*/ 3 w 66"/>
+                <a:gd name="T15" fmla="*/ 7 h 34"/>
+                <a:gd name="T16" fmla="*/ 11 w 66"/>
+                <a:gd name="T17" fmla="*/ 3 h 34"/>
+                <a:gd name="T18" fmla="*/ 23 w 66"/>
+                <a:gd name="T19" fmla="*/ 2 h 34"/>
+                <a:gd name="T20" fmla="*/ 43 w 66"/>
+                <a:gd name="T21" fmla="*/ 0 h 34"/>
+                <a:gd name="T22" fmla="*/ 48 w 66"/>
+                <a:gd name="T23" fmla="*/ 0 h 34"/>
+                <a:gd name="T24" fmla="*/ 62 w 66"/>
+                <a:gd name="T25" fmla="*/ 4 h 34"/>
+                <a:gd name="T26" fmla="*/ 66 w 66"/>
+                <a:gd name="T27" fmla="*/ 13 h 34"/>
+                <a:gd name="T28" fmla="*/ 66 w 66"/>
+                <a:gd name="T29" fmla="*/ 20 h 34"/>
+                <a:gd name="T30" fmla="*/ 62 w 66"/>
+                <a:gd name="T31" fmla="*/ 29 h 34"/>
+                <a:gd name="T32" fmla="*/ 53 w 66"/>
+                <a:gd name="T33" fmla="*/ 33 h 34"/>
+              </a:gdLst>
+              <a:ahLst/>
+              <a:cxnLst>
+                <a:cxn ang="0">
+                  <a:pos x="T0" y="T1"/>
+                </a:cxn>
+                <a:cxn ang="0">
+                  <a:pos x="T2" y="T3"/>
+                </a:cxn>
+                <a:cxn ang="0">
+                  <a:pos x="T4" y="T5"/>
+                </a:cxn>
+                <a:cxn ang="0">
+                  <a:pos x="T6" y="T7"/>
+                </a:cxn>
+                <a:cxn ang="0">
+                  <a:pos x="T8" y="T9"/>
+                </a:cxn>
+                <a:cxn ang="0">
+                  <a:pos x="T10" y="T11"/>
+                </a:cxn>
+                <a:cxn ang="0">
+                  <a:pos x="T12" y="T13"/>
+                </a:cxn>
+                <a:cxn ang="0">
+                  <a:pos x="T14" y="T15"/>
+                </a:cxn>
+                <a:cxn ang="0">
+                  <a:pos x="T16" y="T17"/>
+                </a:cxn>
+                <a:cxn ang="0">
+                  <a:pos x="T18" y="T19"/>
+                </a:cxn>
+                <a:cxn ang="0">
+                  <a:pos x="T20" y="T21"/>
+                </a:cxn>
+                <a:cxn ang="0">
+                  <a:pos x="T22" y="T23"/>
+                </a:cxn>
+                <a:cxn ang="0">
+                  <a:pos x="T24" y="T25"/>
+                </a:cxn>
+                <a:cxn ang="0">
+                  <a:pos x="T26" y="T27"/>
+                </a:cxn>
+                <a:cxn ang="0">
+                  <a:pos x="T28" y="T29"/>
+                </a:cxn>
+                <a:cxn ang="0">
+                  <a:pos x="T30" y="T31"/>
+                </a:cxn>
+                <a:cxn ang="0">
+                  <a:pos x="T32" y="T33"/>
+                </a:cxn>
+              </a:cxnLst>
+              <a:rect l="0" t="0" r="r" b="b"/>
+              <a:pathLst>
+                <a:path w="66" h="34">
+                  <a:moveTo>
+                    <a:pt x="53" y="33"/>
+                  </a:moveTo>
+                  <a:cubicBezTo>
+                    <a:pt x="47" y="33"/>
+                    <a:pt x="53" y="34"/>
+                    <a:pt x="39" y="33"/>
+                  </a:cubicBezTo>
+                  <a:cubicBezTo>
+                    <a:pt x="24" y="33"/>
+                    <a:pt x="21" y="33"/>
+                    <a:pt x="21" y="33"/>
+                  </a:cubicBezTo>
+                  <a:cubicBezTo>
+                    <a:pt x="12" y="32"/>
+                    <a:pt x="12" y="32"/>
+                    <a:pt x="12" y="32"/>
+                  </a:cubicBezTo>
+                  <a:cubicBezTo>
+                    <a:pt x="7" y="31"/>
+                    <a:pt x="4" y="30"/>
+                    <a:pt x="3" y="28"/>
+                  </a:cubicBezTo>
+                  <a:cubicBezTo>
+                    <a:pt x="1" y="26"/>
+                    <a:pt x="0" y="24"/>
+                    <a:pt x="0" y="21"/>
+                  </a:cubicBezTo>
+                  <a:cubicBezTo>
+                    <a:pt x="0" y="21"/>
+                    <a:pt x="0" y="19"/>
+                    <a:pt x="0" y="16"/>
+                  </a:cubicBezTo>
+                  <a:cubicBezTo>
+                    <a:pt x="0" y="13"/>
+                    <a:pt x="1" y="10"/>
+                    <a:pt x="3" y="7"/>
+                  </a:cubicBezTo>
+                  <a:cubicBezTo>
+                    <a:pt x="4" y="5"/>
+                    <a:pt x="7" y="3"/>
+                    <a:pt x="11" y="3"/>
+                  </a:cubicBezTo>
+                  <a:cubicBezTo>
+                    <a:pt x="16" y="2"/>
+                    <a:pt x="20" y="2"/>
+                    <a:pt x="23" y="2"/>
+                  </a:cubicBezTo>
+                  <a:cubicBezTo>
+                    <a:pt x="32" y="1"/>
+                    <a:pt x="37" y="0"/>
+                    <a:pt x="43" y="0"/>
+                  </a:cubicBezTo>
+                  <a:cubicBezTo>
+                    <a:pt x="48" y="0"/>
+                    <a:pt x="48" y="0"/>
+                    <a:pt x="48" y="0"/>
+                  </a:cubicBezTo>
+                  <a:cubicBezTo>
+                    <a:pt x="54" y="1"/>
+                    <a:pt x="59" y="3"/>
+                    <a:pt x="62" y="4"/>
+                  </a:cubicBezTo>
+                  <a:cubicBezTo>
+                    <a:pt x="65" y="6"/>
+                    <a:pt x="66" y="9"/>
+                    <a:pt x="66" y="13"/>
+                  </a:cubicBezTo>
+                  <a:cubicBezTo>
+                    <a:pt x="66" y="15"/>
+                    <a:pt x="66" y="17"/>
+                    <a:pt x="66" y="20"/>
+                  </a:cubicBezTo>
+                  <a:cubicBezTo>
+                    <a:pt x="65" y="23"/>
+                    <a:pt x="64" y="26"/>
+                    <a:pt x="62" y="29"/>
+                  </a:cubicBezTo>
+                  <a:cubicBezTo>
+                    <a:pt x="60" y="31"/>
+                    <a:pt x="57" y="32"/>
+                    <a:pt x="53" y="33"/>
+                  </a:cubicBezTo>
+                  <a:close/>
+                </a:path>
+              </a:pathLst>
+            </a:custGeom>
+            <a:solidFill>
+              <a:schemeClr val="accent2"/>
+            </a:solidFill>
+            <a:ln>
+              <a:noFill/>
+            </a:ln>
+          </p:spPr>
+          <p:txBody>
+            <a:bodyPr vert="horz" wrap="square" lIns="91440" tIns="45720" rIns="91440" bIns="45720" numCol="1" anchor="t" anchorCtr="0" compatLnSpc="1">
+              <a:prstTxWarp prst="textNoShape">
+                <a:avLst/>
+              </a:prstTxWarp>
+            </a:bodyPr>
+            <a:lstStyle/>
+            <a:p>
+              <a:endParaRPr lang="en-US">
+                <a:solidFill>
+                  <a:schemeClr val="accent3"/>
+                </a:solidFill>
+              </a:endParaRPr>
+            </a:p>
+          </p:txBody>
+        </p:sp>
+        <p:sp>
+          <p:nvSpPr>
+            <p:cNvPr id="33" name="Freeform 84">
+              <a:extLst>
+                <a:ext uri="{FF2B5EF4-FFF2-40B4-BE49-F238E27FC236}">
+                  <a16:creationId xmlns:a16="http://schemas.microsoft.com/office/drawing/2014/main" id="{F41F116D-556B-4BC2-9DCD-46DA7CCC0E82}"/>
+                </a:ext>
+                <a:ext uri="{C183D7F6-B498-43B3-948B-1728B52AA6E4}">
+                  <adec:decorative xmlns:adec="http://schemas.microsoft.com/office/drawing/2017/decorative" val="1"/>
+                </a:ext>
+              </a:extLst>
+            </p:cNvPr>
+            <p:cNvSpPr>
+              <a:spLocks/>
+            </p:cNvSpPr>
+            <p:nvPr>
+              <p:extLst>
+                <p:ext uri="{386F3935-93C4-4BCD-93E2-E3B085C9AB24}">
+                  <p16:designElem xmlns:p16="http://schemas.microsoft.com/office/powerpoint/2015/main" val="1"/>
+                </p:ext>
+              </p:extLst>
+            </p:nvPr>
+          </p:nvSpPr>
+          <p:spPr bwMode="auto">
+            <a:xfrm rot="874527">
+              <a:off x="10288245" y="954724"/>
+              <a:ext cx="852074" cy="892781"/>
+            </a:xfrm>
+            <a:custGeom>
+              <a:avLst/>
+              <a:gdLst>
+                <a:gd name="T0" fmla="*/ 4 w 57"/>
+                <a:gd name="T1" fmla="*/ 34 h 60"/>
+                <a:gd name="T2" fmla="*/ 17 w 57"/>
+                <a:gd name="T3" fmla="*/ 18 h 60"/>
+                <a:gd name="T4" fmla="*/ 26 w 57"/>
+                <a:gd name="T5" fmla="*/ 8 h 60"/>
+                <a:gd name="T6" fmla="*/ 29 w 57"/>
+                <a:gd name="T7" fmla="*/ 5 h 60"/>
+                <a:gd name="T8" fmla="*/ 41 w 57"/>
+                <a:gd name="T9" fmla="*/ 0 h 60"/>
+                <a:gd name="T10" fmla="*/ 51 w 57"/>
+                <a:gd name="T11" fmla="*/ 6 h 60"/>
+                <a:gd name="T12" fmla="*/ 56 w 57"/>
+                <a:gd name="T13" fmla="*/ 16 h 60"/>
+                <a:gd name="T14" fmla="*/ 51 w 57"/>
+                <a:gd name="T15" fmla="*/ 28 h 60"/>
+                <a:gd name="T16" fmla="*/ 29 w 57"/>
+                <a:gd name="T17" fmla="*/ 53 h 60"/>
+                <a:gd name="T18" fmla="*/ 17 w 57"/>
+                <a:gd name="T19" fmla="*/ 59 h 60"/>
+                <a:gd name="T20" fmla="*/ 5 w 57"/>
+                <a:gd name="T21" fmla="*/ 54 h 60"/>
+                <a:gd name="T22" fmla="*/ 0 w 57"/>
+                <a:gd name="T23" fmla="*/ 45 h 60"/>
+                <a:gd name="T24" fmla="*/ 4 w 57"/>
+                <a:gd name="T25" fmla="*/ 34 h 60"/>
+              </a:gdLst>
+              <a:ahLst/>
+              <a:cxnLst>
+                <a:cxn ang="0">
+                  <a:pos x="T0" y="T1"/>
+                </a:cxn>
+                <a:cxn ang="0">
+                  <a:pos x="T2" y="T3"/>
+                </a:cxn>
+                <a:cxn ang="0">
+                  <a:pos x="T4" y="T5"/>
+                </a:cxn>
+                <a:cxn ang="0">
+                  <a:pos x="T6" y="T7"/>
+                </a:cxn>
+                <a:cxn ang="0">
+                  <a:pos x="T8" y="T9"/>
+                </a:cxn>
+                <a:cxn ang="0">
+                  <a:pos x="T10" y="T11"/>
+                </a:cxn>
+                <a:cxn ang="0">
+                  <a:pos x="T12" y="T13"/>
+                </a:cxn>
+                <a:cxn ang="0">
+                  <a:pos x="T14" y="T15"/>
+                </a:cxn>
+                <a:cxn ang="0">
+                  <a:pos x="T16" y="T17"/>
+                </a:cxn>
+                <a:cxn ang="0">
+                  <a:pos x="T18" y="T19"/>
+                </a:cxn>
+                <a:cxn ang="0">
+                  <a:pos x="T20" y="T21"/>
+                </a:cxn>
+                <a:cxn ang="0">
+                  <a:pos x="T22" y="T23"/>
+                </a:cxn>
+                <a:cxn ang="0">
+                  <a:pos x="T24" y="T25"/>
+                </a:cxn>
+              </a:cxnLst>
+              <a:rect l="0" t="0" r="r" b="b"/>
+              <a:pathLst>
+                <a:path w="57" h="60">
+                  <a:moveTo>
+                    <a:pt x="4" y="34"/>
+                  </a:moveTo>
+                  <a:cubicBezTo>
+                    <a:pt x="5" y="33"/>
+                    <a:pt x="17" y="18"/>
+                    <a:pt x="17" y="18"/>
+                  </a:cubicBezTo>
+                  <a:cubicBezTo>
+                    <a:pt x="21" y="14"/>
+                    <a:pt x="24" y="10"/>
+                    <a:pt x="26" y="8"/>
+                  </a:cubicBezTo>
+                  <a:cubicBezTo>
+                    <a:pt x="29" y="5"/>
+                    <a:pt x="29" y="5"/>
+                    <a:pt x="29" y="5"/>
+                  </a:cubicBezTo>
+                  <a:cubicBezTo>
+                    <a:pt x="34" y="2"/>
+                    <a:pt x="38" y="0"/>
+                    <a:pt x="41" y="0"/>
+                  </a:cubicBezTo>
+                  <a:cubicBezTo>
+                    <a:pt x="44" y="1"/>
+                    <a:pt x="47" y="2"/>
+                    <a:pt x="51" y="6"/>
+                  </a:cubicBezTo>
+                  <a:cubicBezTo>
+                    <a:pt x="55" y="10"/>
+                    <a:pt x="57" y="13"/>
+                    <a:pt x="56" y="16"/>
+                  </a:cubicBezTo>
+                  <a:cubicBezTo>
+                    <a:pt x="56" y="19"/>
+                    <a:pt x="54" y="23"/>
+                    <a:pt x="51" y="28"/>
+                  </a:cubicBezTo>
+                  <a:cubicBezTo>
+                    <a:pt x="51" y="28"/>
+                    <a:pt x="33" y="48"/>
+                    <a:pt x="29" y="53"/>
+                  </a:cubicBezTo>
+                  <a:cubicBezTo>
+                    <a:pt x="25" y="57"/>
+                    <a:pt x="21" y="59"/>
+                    <a:pt x="17" y="59"/>
+                  </a:cubicBezTo>
+                  <a:cubicBezTo>
+                    <a:pt x="13" y="60"/>
+                    <a:pt x="9" y="58"/>
+                    <a:pt x="5" y="54"/>
+                  </a:cubicBezTo>
+                  <a:cubicBezTo>
+                    <a:pt x="2" y="51"/>
+                    <a:pt x="0" y="48"/>
+                    <a:pt x="0" y="45"/>
+                  </a:cubicBezTo>
+                  <a:cubicBezTo>
+                    <a:pt x="0" y="42"/>
+                    <a:pt x="2" y="38"/>
+                    <a:pt x="4" y="34"/>
+                  </a:cubicBezTo>
+                  <a:close/>
+                </a:path>
+              </a:pathLst>
+            </a:custGeom>
+            <a:solidFill>
+              <a:schemeClr val="accent2"/>
+            </a:solidFill>
+            <a:ln>
+              <a:noFill/>
+            </a:ln>
+          </p:spPr>
+          <p:txBody>
+            <a:bodyPr vert="horz" wrap="square" lIns="91440" tIns="45720" rIns="91440" bIns="45720" numCol="1" anchor="t" anchorCtr="0" compatLnSpc="1">
+              <a:prstTxWarp prst="textNoShape">
+                <a:avLst/>
+              </a:prstTxWarp>
+            </a:bodyPr>
+            <a:lstStyle/>
+            <a:p>
+              <a:endParaRPr lang="en-US">
+                <a:solidFill>
+                  <a:schemeClr val="accent3"/>
+                </a:solidFill>
+              </a:endParaRPr>
+            </a:p>
+          </p:txBody>
+        </p:sp>
+        <p:sp>
+          <p:nvSpPr>
+            <p:cNvPr id="34" name="Freeform 87">
+              <a:extLst>
+                <a:ext uri="{FF2B5EF4-FFF2-40B4-BE49-F238E27FC236}">
+                  <a16:creationId xmlns:a16="http://schemas.microsoft.com/office/drawing/2014/main" id="{DE46F0F4-2435-4BDC-A92C-EB13608804B0}"/>
+                </a:ext>
+                <a:ext uri="{C183D7F6-B498-43B3-948B-1728B52AA6E4}">
+                  <adec:decorative xmlns:adec="http://schemas.microsoft.com/office/drawing/2017/decorative" val="1"/>
+                </a:ext>
+              </a:extLst>
+            </p:cNvPr>
+            <p:cNvSpPr>
+              <a:spLocks/>
+            </p:cNvSpPr>
+            <p:nvPr>
+              <p:extLst>
+                <p:ext uri="{386F3935-93C4-4BCD-93E2-E3B085C9AB24}">
+                  <p16:designElem xmlns:p16="http://schemas.microsoft.com/office/powerpoint/2015/main" val="1"/>
+                </p:ext>
+              </p:extLst>
+            </p:nvPr>
+          </p:nvSpPr>
+          <p:spPr bwMode="auto">
+            <a:xfrm rot="20630858">
+              <a:off x="10224385" y="3437261"/>
+              <a:ext cx="824227" cy="881691"/>
+            </a:xfrm>
+            <a:custGeom>
+              <a:avLst/>
+              <a:gdLst>
+                <a:gd name="T0" fmla="*/ 0 w 55"/>
+                <a:gd name="T1" fmla="*/ 17 h 59"/>
+                <a:gd name="T2" fmla="*/ 1 w 55"/>
+                <a:gd name="T3" fmla="*/ 11 h 59"/>
+                <a:gd name="T4" fmla="*/ 4 w 55"/>
+                <a:gd name="T5" fmla="*/ 6 h 59"/>
+                <a:gd name="T6" fmla="*/ 7 w 55"/>
+                <a:gd name="T7" fmla="*/ 4 h 59"/>
+                <a:gd name="T8" fmla="*/ 14 w 55"/>
+                <a:gd name="T9" fmla="*/ 0 h 59"/>
+                <a:gd name="T10" fmla="*/ 23 w 55"/>
+                <a:gd name="T11" fmla="*/ 3 h 59"/>
+                <a:gd name="T12" fmla="*/ 31 w 55"/>
+                <a:gd name="T13" fmla="*/ 11 h 59"/>
+                <a:gd name="T14" fmla="*/ 38 w 55"/>
+                <a:gd name="T15" fmla="*/ 20 h 59"/>
+                <a:gd name="T16" fmla="*/ 48 w 55"/>
+                <a:gd name="T17" fmla="*/ 31 h 59"/>
+                <a:gd name="T18" fmla="*/ 55 w 55"/>
+                <a:gd name="T19" fmla="*/ 43 h 59"/>
+                <a:gd name="T20" fmla="*/ 49 w 55"/>
+                <a:gd name="T21" fmla="*/ 55 h 59"/>
+                <a:gd name="T22" fmla="*/ 38 w 55"/>
+                <a:gd name="T23" fmla="*/ 59 h 59"/>
+                <a:gd name="T24" fmla="*/ 33 w 55"/>
+                <a:gd name="T25" fmla="*/ 58 h 59"/>
+                <a:gd name="T26" fmla="*/ 26 w 55"/>
+                <a:gd name="T27" fmla="*/ 53 h 59"/>
+                <a:gd name="T28" fmla="*/ 5 w 55"/>
+                <a:gd name="T29" fmla="*/ 27 h 59"/>
+                <a:gd name="T30" fmla="*/ 0 w 55"/>
+                <a:gd name="T31" fmla="*/ 17 h 59"/>
+              </a:gdLst>
+              <a:ahLst/>
+              <a:cxnLst>
+                <a:cxn ang="0">
+                  <a:pos x="T0" y="T1"/>
+                </a:cxn>
+                <a:cxn ang="0">
+                  <a:pos x="T2" y="T3"/>
+                </a:cxn>
+                <a:cxn ang="0">
+                  <a:pos x="T4" y="T5"/>
+                </a:cxn>
+                <a:cxn ang="0">
+                  <a:pos x="T6" y="T7"/>
+                </a:cxn>
+                <a:cxn ang="0">
+                  <a:pos x="T8" y="T9"/>
+                </a:cxn>
+                <a:cxn ang="0">
+                  <a:pos x="T10" y="T11"/>
+                </a:cxn>
+                <a:cxn ang="0">
+                  <a:pos x="T12" y="T13"/>
+                </a:cxn>
+                <a:cxn ang="0">
+                  <a:pos x="T14" y="T15"/>
+                </a:cxn>
+                <a:cxn ang="0">
+                  <a:pos x="T16" y="T17"/>
+                </a:cxn>
+                <a:cxn ang="0">
+                  <a:pos x="T18" y="T19"/>
+                </a:cxn>
+                <a:cxn ang="0">
+                  <a:pos x="T20" y="T21"/>
+                </a:cxn>
+                <a:cxn ang="0">
+                  <a:pos x="T22" y="T23"/>
+                </a:cxn>
+                <a:cxn ang="0">
+                  <a:pos x="T24" y="T25"/>
+                </a:cxn>
+                <a:cxn ang="0">
+                  <a:pos x="T26" y="T27"/>
+                </a:cxn>
+                <a:cxn ang="0">
+                  <a:pos x="T28" y="T29"/>
+                </a:cxn>
+                <a:cxn ang="0">
+                  <a:pos x="T30" y="T31"/>
+                </a:cxn>
+              </a:cxnLst>
+              <a:rect l="0" t="0" r="r" b="b"/>
+              <a:pathLst>
+                <a:path w="55" h="59">
+                  <a:moveTo>
+                    <a:pt x="0" y="17"/>
+                  </a:moveTo>
+                  <a:cubicBezTo>
+                    <a:pt x="0" y="14"/>
+                    <a:pt x="0" y="12"/>
+                    <a:pt x="1" y="11"/>
+                  </a:cubicBezTo>
+                  <a:cubicBezTo>
+                    <a:pt x="2" y="9"/>
+                    <a:pt x="3" y="8"/>
+                    <a:pt x="4" y="6"/>
+                  </a:cubicBezTo>
+                  <a:cubicBezTo>
+                    <a:pt x="6" y="5"/>
+                    <a:pt x="7" y="4"/>
+                    <a:pt x="7" y="4"/>
+                  </a:cubicBezTo>
+                  <a:cubicBezTo>
+                    <a:pt x="9" y="2"/>
+                    <a:pt x="12" y="1"/>
+                    <a:pt x="14" y="0"/>
+                  </a:cubicBezTo>
+                  <a:cubicBezTo>
+                    <a:pt x="17" y="0"/>
+                    <a:pt x="20" y="1"/>
+                    <a:pt x="23" y="3"/>
+                  </a:cubicBezTo>
+                  <a:cubicBezTo>
+                    <a:pt x="26" y="4"/>
+                    <a:pt x="29" y="7"/>
+                    <a:pt x="31" y="11"/>
+                  </a:cubicBezTo>
+                  <a:cubicBezTo>
+                    <a:pt x="38" y="20"/>
+                    <a:pt x="38" y="20"/>
+                    <a:pt x="38" y="20"/>
+                  </a:cubicBezTo>
+                  <a:cubicBezTo>
+                    <a:pt x="48" y="31"/>
+                    <a:pt x="48" y="31"/>
+                    <a:pt x="48" y="31"/>
+                  </a:cubicBezTo>
+                  <a:cubicBezTo>
+                    <a:pt x="52" y="36"/>
+                    <a:pt x="54" y="40"/>
+                    <a:pt x="55" y="43"/>
+                  </a:cubicBezTo>
+                  <a:cubicBezTo>
+                    <a:pt x="55" y="47"/>
+                    <a:pt x="54" y="52"/>
+                    <a:pt x="49" y="55"/>
+                  </a:cubicBezTo>
+                  <a:cubicBezTo>
+                    <a:pt x="45" y="58"/>
+                    <a:pt x="41" y="59"/>
+                    <a:pt x="38" y="59"/>
+                  </a:cubicBezTo>
+                  <a:cubicBezTo>
+                    <a:pt x="37" y="59"/>
+                    <a:pt x="35" y="59"/>
+                    <a:pt x="33" y="58"/>
+                  </a:cubicBezTo>
+                  <a:cubicBezTo>
+                    <a:pt x="31" y="57"/>
+                    <a:pt x="29" y="55"/>
+                    <a:pt x="26" y="53"/>
+                  </a:cubicBezTo>
+                  <a:cubicBezTo>
+                    <a:pt x="23" y="50"/>
+                    <a:pt x="5" y="27"/>
+                    <a:pt x="5" y="27"/>
+                  </a:cubicBezTo>
+                  <a:cubicBezTo>
+                    <a:pt x="2" y="23"/>
+                    <a:pt x="0" y="19"/>
+                    <a:pt x="0" y="17"/>
+                  </a:cubicBezTo>
+                  <a:close/>
+                </a:path>
+              </a:pathLst>
+            </a:custGeom>
+            <a:solidFill>
+              <a:schemeClr val="accent2"/>
+            </a:solidFill>
+            <a:ln>
+              <a:noFill/>
+            </a:ln>
+          </p:spPr>
+          <p:txBody>
+            <a:bodyPr vert="horz" wrap="square" lIns="91440" tIns="45720" rIns="91440" bIns="45720" numCol="1" anchor="t" anchorCtr="0" compatLnSpc="1">
+              <a:prstTxWarp prst="textNoShape">
+                <a:avLst/>
+              </a:prstTxWarp>
+            </a:bodyPr>
+            <a:lstStyle/>
+            <a:p>
+              <a:endParaRPr lang="en-US">
+                <a:solidFill>
+                  <a:schemeClr val="accent3"/>
+                </a:solidFill>
+              </a:endParaRPr>
+            </a:p>
+          </p:txBody>
+        </p:sp>
+      </p:grpSp>
+      <p:sp>
+        <p:nvSpPr>
+          <p:cNvPr id="2" name="Title 1">
+            <a:extLst>
+              <a:ext uri="{FF2B5EF4-FFF2-40B4-BE49-F238E27FC236}">
+                <a16:creationId xmlns:a16="http://schemas.microsoft.com/office/drawing/2014/main" id="{5D62857F-0783-4ED6-8E54-D3B9BBCFC9A9}"/>
+              </a:ext>
+            </a:extLst>
+          </p:cNvPr>
+          <p:cNvSpPr>
+            <a:spLocks noGrp="1"/>
+          </p:cNvSpPr>
+          <p:nvPr>
+            <p:ph type="title"/>
+          </p:nvPr>
+        </p:nvSpPr>
+        <p:spPr>
+          <a:xfrm>
+            <a:off x="2640014" y="1334791"/>
+            <a:ext cx="6911974" cy="2803071"/>
+          </a:xfrm>
+        </p:spPr>
+        <p:txBody>
+          <a:bodyPr vert="horz" wrap="square" lIns="0" tIns="0" rIns="0" bIns="0" rtlCol="0" anchor="ctr" anchorCtr="0">
+            <a:normAutofit/>
+          </a:bodyPr>
+          <a:lstStyle/>
+          <a:p>
+            <a:pPr algn="ctr"/>
+            <a:r>
+              <a:rPr lang="en-US" sz="5600" spc="-100"/>
+              <a:t>Wieso</a:t>
+            </a:r>
+            <a:r>
+              <a:rPr lang="en-US" sz="5600" spc="-100" dirty="0"/>
+              <a:t> </a:t>
+            </a:r>
+            <a:r>
+              <a:rPr lang="en-US" sz="5600" spc="-100"/>
+              <a:t>brauchen</a:t>
+            </a:r>
+            <a:r>
+              <a:rPr lang="en-US" sz="5600" spc="-100" dirty="0"/>
+              <a:t> </a:t>
+            </a:r>
+            <a:r>
+              <a:rPr lang="en-US" sz="5600" spc="-100"/>
+              <a:t>wir</a:t>
+            </a:r>
+            <a:r>
+              <a:rPr lang="en-US" sz="5600" spc="-100" dirty="0"/>
+              <a:t> Linked Lists?</a:t>
+            </a:r>
+          </a:p>
+        </p:txBody>
+      </p:sp>
+      <p:sp useBgFill="1">
+        <p:nvSpPr>
+          <p:cNvPr id="36" name="Freeform: Shape 35">
+            <a:extLst>
+              <a:ext uri="{FF2B5EF4-FFF2-40B4-BE49-F238E27FC236}">
+                <a16:creationId xmlns:a16="http://schemas.microsoft.com/office/drawing/2014/main" id="{085AB271-571D-4C19-9FCC-C760834A8937}"/>
+              </a:ext>
+              <a:ext uri="{C183D7F6-B498-43B3-948B-1728B52AA6E4}">
+                <adec:decorative xmlns:adec="http://schemas.microsoft.com/office/drawing/2017/decorative" val="1"/>
+              </a:ext>
+            </a:extLst>
+          </p:cNvPr>
+          <p:cNvSpPr>
+            <a:spLocks noGrp="1" noRot="1" noChangeAspect="1" noMove="1" noResize="1" noEditPoints="1" noAdjustHandles="1" noChangeArrowheads="1" noChangeShapeType="1" noTextEdit="1"/>
+          </p:cNvSpPr>
+          <p:nvPr>
+            <p:extLst>
+              <p:ext uri="{386F3935-93C4-4BCD-93E2-E3B085C9AB24}">
+                <p16:designElem xmlns:p16="http://schemas.microsoft.com/office/powerpoint/2015/main" val="1"/>
+              </p:ext>
+            </p:extLst>
+          </p:nvPr>
+        </p:nvSpPr>
+        <p:spPr bwMode="auto">
+          <a:xfrm rot="5400000">
+            <a:off x="5693226" y="359229"/>
+            <a:ext cx="805544" cy="12191999"/>
+          </a:xfrm>
+          <a:custGeom>
+            <a:avLst/>
+            <a:gdLst>
+              <a:gd name="connsiteX0" fmla="*/ 0 w 1214924"/>
+              <a:gd name="connsiteY0" fmla="*/ 12191999 h 12191999"/>
+              <a:gd name="connsiteX1" fmla="*/ 32 w 1214924"/>
+              <a:gd name="connsiteY1" fmla="*/ 12166053 h 12191999"/>
+              <a:gd name="connsiteX2" fmla="*/ 59979 w 1214924"/>
+              <a:gd name="connsiteY2" fmla="*/ 9224089 h 12191999"/>
+              <a:gd name="connsiteX3" fmla="*/ 120877 w 1214924"/>
+              <a:gd name="connsiteY3" fmla="*/ 8004225 h 12191999"/>
+              <a:gd name="connsiteX4" fmla="*/ 59979 w 1214924"/>
+              <a:gd name="connsiteY4" fmla="*/ 7211315 h 12191999"/>
+              <a:gd name="connsiteX5" fmla="*/ 59979 w 1214924"/>
+              <a:gd name="connsiteY5" fmla="*/ 6601383 h 12191999"/>
+              <a:gd name="connsiteX6" fmla="*/ 59979 w 1214924"/>
+              <a:gd name="connsiteY6" fmla="*/ 5015562 h 12191999"/>
+              <a:gd name="connsiteX7" fmla="*/ 120877 w 1214924"/>
+              <a:gd name="connsiteY7" fmla="*/ 3185768 h 12191999"/>
+              <a:gd name="connsiteX8" fmla="*/ 74847 w 1214924"/>
+              <a:gd name="connsiteY8" fmla="*/ 4714 h 12191999"/>
+              <a:gd name="connsiteX9" fmla="*/ 74778 w 1214924"/>
+              <a:gd name="connsiteY9" fmla="*/ 0 h 12191999"/>
+              <a:gd name="connsiteX10" fmla="*/ 1214924 w 1214924"/>
+              <a:gd name="connsiteY10" fmla="*/ 0 h 12191999"/>
+              <a:gd name="connsiteX11" fmla="*/ 1214924 w 1214924"/>
+              <a:gd name="connsiteY11" fmla="*/ 12191999 h 12191999"/>
+            </a:gdLst>
+            <a:ahLst/>
+            <a:cxnLst>
+              <a:cxn ang="0">
+                <a:pos x="connsiteX0" y="connsiteY0"/>
+              </a:cxn>
+              <a:cxn ang="0">
+                <a:pos x="connsiteX1" y="connsiteY1"/>
+              </a:cxn>
+              <a:cxn ang="0">
+                <a:pos x="connsiteX2" y="connsiteY2"/>
+              </a:cxn>
+              <a:cxn ang="0">
+                <a:pos x="connsiteX3" y="connsiteY3"/>
+              </a:cxn>
+              <a:cxn ang="0">
+                <a:pos x="connsiteX4" y="connsiteY4"/>
+              </a:cxn>
+              <a:cxn ang="0">
+                <a:pos x="connsiteX5" y="connsiteY5"/>
+              </a:cxn>
+              <a:cxn ang="0">
+                <a:pos x="connsiteX6" y="connsiteY6"/>
+              </a:cxn>
+              <a:cxn ang="0">
+                <a:pos x="connsiteX7" y="connsiteY7"/>
+              </a:cxn>
+              <a:cxn ang="0">
+                <a:pos x="connsiteX8" y="connsiteY8"/>
+              </a:cxn>
+              <a:cxn ang="0">
+                <a:pos x="connsiteX9" y="connsiteY9"/>
+              </a:cxn>
+              <a:cxn ang="0">
+                <a:pos x="connsiteX10" y="connsiteY10"/>
+              </a:cxn>
+              <a:cxn ang="0">
+                <a:pos x="connsiteX11" y="connsiteY11"/>
+              </a:cxn>
+            </a:cxnLst>
+            <a:rect l="l" t="t" r="r" b="b"/>
+            <a:pathLst>
+              <a:path w="1214924" h="12191999">
+                <a:moveTo>
+                  <a:pt x="0" y="12191999"/>
+                </a:moveTo>
+                <a:lnTo>
+                  <a:pt x="32" y="12166053"/>
+                </a:lnTo>
+                <a:cubicBezTo>
+                  <a:pt x="2886" y="11339787"/>
+                  <a:pt x="14305" y="10367710"/>
+                  <a:pt x="59979" y="9224089"/>
+                </a:cubicBezTo>
+                <a:cubicBezTo>
+                  <a:pt x="120877" y="8004225"/>
+                  <a:pt x="120877" y="8004225"/>
+                  <a:pt x="120877" y="8004225"/>
+                </a:cubicBezTo>
+                <a:cubicBezTo>
+                  <a:pt x="120877" y="7760253"/>
+                  <a:pt x="59979" y="7516280"/>
+                  <a:pt x="59979" y="7211315"/>
+                </a:cubicBezTo>
+                <a:cubicBezTo>
+                  <a:pt x="59979" y="6906349"/>
+                  <a:pt x="59979" y="6662377"/>
+                  <a:pt x="59979" y="6601383"/>
+                </a:cubicBezTo>
+                <a:cubicBezTo>
+                  <a:pt x="59979" y="5015562"/>
+                  <a:pt x="59979" y="5015562"/>
+                  <a:pt x="59979" y="5015562"/>
+                </a:cubicBezTo>
+                <a:cubicBezTo>
+                  <a:pt x="120877" y="3185768"/>
+                  <a:pt x="120877" y="3185768"/>
+                  <a:pt x="120877" y="3185768"/>
+                </a:cubicBezTo>
+                <a:cubicBezTo>
+                  <a:pt x="98040" y="1607571"/>
+                  <a:pt x="83767" y="621197"/>
+                  <a:pt x="74847" y="4714"/>
+                </a:cubicBezTo>
+                <a:lnTo>
+                  <a:pt x="74778" y="0"/>
+                </a:lnTo>
+                <a:lnTo>
+                  <a:pt x="1214924" y="0"/>
+                </a:lnTo>
+                <a:lnTo>
+                  <a:pt x="1214924" y="12191999"/>
+                </a:lnTo>
+                <a:close/>
+              </a:path>
+            </a:pathLst>
+          </a:custGeom>
+          <a:ln>
+            <a:noFill/>
+          </a:ln>
+        </p:spPr>
+        <p:txBody>
+          <a:bodyPr vert="horz" wrap="square" lIns="91440" tIns="45720" rIns="91440" bIns="45720" numCol="1" anchor="t" anchorCtr="0" compatLnSpc="1">
+            <a:prstTxWarp prst="textNoShape">
+              <a:avLst/>
+            </a:prstTxWarp>
+          </a:bodyPr>
+          <a:lstStyle/>
+          <a:p>
+            <a:endParaRPr lang="en-US"/>
+          </a:p>
+        </p:txBody>
+      </p:sp>
+    </p:spTree>
+    <p:extLst>
+      <p:ext uri="{BB962C8B-B14F-4D97-AF65-F5344CB8AC3E}">
+        <p14:creationId xmlns:p14="http://schemas.microsoft.com/office/powerpoint/2010/main" val="2920441285"/>
+      </p:ext>
+    </p:extLst>
+  </p:cSld>
+  <p:clrMapOvr>
+    <a:masterClrMapping/>
+  </p:clrMapOvr>
+  <p:timing>
+    <p:tnLst>
+      <p:par>
+        <p:cTn id="1" dur="indefinite" restart="never" nodeType="tmRoot">
+          <p:childTnLst>
+            <p:seq concurrent="1" nextAc="seek">
+              <p:cTn id="2" dur="indefinite" nodeType="mainSeq">
+                <p:childTnLst>
+                  <p:par>
+                    <p:cTn id="3" fill="hold">
+                      <p:stCondLst>
+                        <p:cond delay="indefinite"/>
+                        <p:cond evt="onBegin" delay="0">
+                          <p:tn val="2"/>
+                        </p:cond>
+                      </p:stCondLst>
+                      <p:childTnLst>
+                        <p:par>
+                          <p:cTn id="4" fill="hold">
+                            <p:stCondLst>
+                              <p:cond delay="0"/>
+                            </p:stCondLst>
+                            <p:childTnLst>
+                              <p:par>
+                                <p:cTn id="5" presetID="10" presetClass="entr" presetSubtype="0" fill="hold" grpId="0" nodeType="withEffect">
+                                  <p:stCondLst>
+                                    <p:cond delay="500"/>
+                                  </p:stCondLst>
+                                  <p:iterate>
+                                    <p:tmPct val="10000"/>
+                                  </p:iterate>
+                                  <p:childTnLst>
+                                    <p:set>
+                                      <p:cBhvr>
+                                        <p:cTn id="6" dur="1" fill="hold">
+                                          <p:stCondLst>
+                                            <p:cond delay="0"/>
+                                          </p:stCondLst>
+                                        </p:cTn>
+                                        <p:tgtEl>
+                                          <p:spTgt spid="2"/>
+                                        </p:tgtEl>
+                                        <p:attrNameLst>
+                                          <p:attrName>style.visibility</p:attrName>
+                                        </p:attrNameLst>
+                                      </p:cBhvr>
+                                      <p:to>
+                                        <p:strVal val="visible"/>
+                                      </p:to>
+                                    </p:set>
+                                    <p:animEffect transition="in" filter="fade">
+                                      <p:cBhvr>
+                                        <p:cTn id="7" dur="700"/>
+                                        <p:tgtEl>
+                                          <p:spTgt spid="2"/>
+                                        </p:tgtEl>
+                                      </p:cBhvr>
+                                    </p:animEffect>
+                                  </p:childTnLst>
+                                </p:cTn>
+                              </p:par>
+                            </p:childTnLst>
+                          </p:cTn>
+                        </p:par>
+                      </p:childTnLst>
+                    </p:cTn>
+                  </p:par>
+                </p:childTnLst>
+              </p:cTn>
+              <p:prevCondLst>
+                <p:cond evt="onPrev" delay="0">
+                  <p:tgtEl>
+                    <p:sldTgt/>
+                  </p:tgtEl>
+                </p:cond>
+              </p:prevCondLst>
+              <p:nextCondLst>
+                <p:cond evt="onNext" delay="0">
+                  <p:tgtEl>
+                    <p:sldTgt/>
+                  </p:tgtEl>
+                </p:cond>
+              </p:nextCondLst>
+            </p:seq>
+          </p:childTnLst>
+        </p:cTn>
+      </p:par>
+    </p:tnLst>
+    <p:bldLst>
+      <p:bldP spid="2" grpId="0"/>
+    </p:bldLst>
+  </p:timing>
+</p:sld>
+</file>
+
 <file path=ppt/theme/theme1.xml><?xml version="1.0" encoding="utf-8"?>
 <a:theme xmlns:a="http://schemas.openxmlformats.org/drawingml/2006/main" name="BlobVTI">
   <a:themeElements>

--- a/Artifacts/Linked List.pptx
+++ b/Artifacts/Linked List.pptx
@@ -8,6 +8,8 @@
     <p:sldId id="256" r:id="rId2"/>
     <p:sldId id="257" r:id="rId3"/>
     <p:sldId id="258" r:id="rId4"/>
+    <p:sldId id="259" r:id="rId5"/>
+    <p:sldId id="260" r:id="rId6"/>
   </p:sldIdLst>
   <p:sldSz cx="12192000" cy="6858000"/>
   <p:notesSz cx="6858000" cy="9144000"/>
@@ -7185,98 +7187,1691 @@
   <p:clrMapOvr>
     <a:masterClrMapping/>
   </p:clrMapOvr>
-  <p:timing>
-    <p:tnLst>
-      <p:par>
-        <p:cTn id="1" dur="indefinite" restart="never" nodeType="tmRoot">
-          <p:childTnLst>
-            <p:seq concurrent="1" nextAc="seek">
-              <p:cTn id="2" dur="indefinite" nodeType="mainSeq">
-                <p:childTnLst>
-                  <p:par>
-                    <p:cTn id="3" fill="hold">
-                      <p:stCondLst>
-                        <p:cond delay="indefinite"/>
-                        <p:cond evt="onBegin" delay="0">
-                          <p:tn val="2"/>
-                        </p:cond>
-                      </p:stCondLst>
-                      <p:childTnLst>
-                        <p:par>
-                          <p:cTn id="4" fill="hold">
-                            <p:stCondLst>
-                              <p:cond delay="0"/>
-                            </p:stCondLst>
-                            <p:childTnLst>
-                              <p:par>
-                                <p:cTn id="5" presetID="10" presetClass="entr" presetSubtype="0" fill="hold" grpId="0" nodeType="withEffect">
-                                  <p:stCondLst>
-                                    <p:cond delay="500"/>
-                                  </p:stCondLst>
-                                  <p:iterate>
-                                    <p:tmPct val="10000"/>
-                                  </p:iterate>
-                                  <p:childTnLst>
-                                    <p:set>
-                                      <p:cBhvr>
-                                        <p:cTn id="6" dur="1" fill="hold">
-                                          <p:stCondLst>
-                                            <p:cond delay="0"/>
-                                          </p:stCondLst>
-                                        </p:cTn>
-                                        <p:tgtEl>
-                                          <p:spTgt spid="2"/>
-                                        </p:tgtEl>
-                                        <p:attrNameLst>
-                                          <p:attrName>style.visibility</p:attrName>
-                                        </p:attrNameLst>
-                                      </p:cBhvr>
-                                      <p:to>
-                                        <p:strVal val="visible"/>
-                                      </p:to>
-                                    </p:set>
-                                    <p:animEffect transition="in" filter="fade">
-                                      <p:cBhvr>
-                                        <p:cTn id="7" dur="700"/>
-                                        <p:tgtEl>
-                                          <p:spTgt spid="2"/>
-                                        </p:tgtEl>
-                                      </p:cBhvr>
-                                    </p:animEffect>
-                                  </p:childTnLst>
-                                </p:cTn>
-                              </p:par>
-                            </p:childTnLst>
-                          </p:cTn>
-                        </p:par>
-                      </p:childTnLst>
-                    </p:cTn>
-                  </p:par>
-                </p:childTnLst>
-              </p:cTn>
-              <p:prevCondLst>
-                <p:cond evt="onPrev" delay="0">
-                  <p:tgtEl>
-                    <p:sldTgt/>
-                  </p:tgtEl>
-                </p:cond>
-              </p:prevCondLst>
-              <p:nextCondLst>
-                <p:cond evt="onNext" delay="0">
-                  <p:tgtEl>
-                    <p:sldTgt/>
-                  </p:tgtEl>
-                </p:cond>
-              </p:nextCondLst>
-            </p:seq>
-          </p:childTnLst>
-        </p:cTn>
-      </p:par>
-    </p:tnLst>
-    <p:bldLst>
-      <p:bldP spid="2" grpId="0"/>
-    </p:bldLst>
-  </p:timing>
+</p:sld>
+</file>
+
+<file path=ppt/slides/slide4.xml><?xml version="1.0" encoding="utf-8"?>
+<p:sld xmlns:a="http://schemas.openxmlformats.org/drawingml/2006/main" xmlns:r="http://schemas.openxmlformats.org/officeDocument/2006/relationships" xmlns:p="http://schemas.openxmlformats.org/presentationml/2006/main">
+  <p:cSld>
+    <p:bg>
+      <p:bgPr>
+        <a:solidFill>
+          <a:schemeClr val="bg2"/>
+        </a:solidFill>
+        <a:effectLst/>
+      </p:bgPr>
+    </p:bg>
+    <p:spTree>
+      <p:nvGrpSpPr>
+        <p:cNvPr id="1" name=""/>
+        <p:cNvGrpSpPr/>
+        <p:nvPr/>
+      </p:nvGrpSpPr>
+      <p:grpSpPr>
+        <a:xfrm>
+          <a:off x="0" y="0"/>
+          <a:ext cx="0" cy="0"/>
+          <a:chOff x="0" y="0"/>
+          <a:chExt cx="0" cy="0"/>
+        </a:xfrm>
+      </p:grpSpPr>
+      <p:sp>
+        <p:nvSpPr>
+          <p:cNvPr id="18" name="Rectangle 6">
+            <a:extLst>
+              <a:ext uri="{FF2B5EF4-FFF2-40B4-BE49-F238E27FC236}">
+                <a16:creationId xmlns:a16="http://schemas.microsoft.com/office/drawing/2014/main" id="{09646535-AEF6-4883-A4F9-EEC1F8B4319E}"/>
+              </a:ext>
+              <a:ext uri="{C183D7F6-B498-43B3-948B-1728B52AA6E4}">
+                <adec:decorative xmlns:adec="http://schemas.microsoft.com/office/drawing/2017/decorative" val="1"/>
+              </a:ext>
+            </a:extLst>
+          </p:cNvPr>
+          <p:cNvSpPr>
+            <a:spLocks noGrp="1" noRot="1" noChangeAspect="1" noMove="1" noResize="1" noEditPoints="1" noAdjustHandles="1" noChangeArrowheads="1" noChangeShapeType="1" noTextEdit="1"/>
+          </p:cNvSpPr>
+          <p:nvPr>
+            <p:extLst>
+              <p:ext uri="{386F3935-93C4-4BCD-93E2-E3B085C9AB24}">
+                <p16:designElem xmlns:p16="http://schemas.microsoft.com/office/powerpoint/2015/main" val="1"/>
+              </p:ext>
+            </p:extLst>
+          </p:nvPr>
+        </p:nvSpPr>
+        <p:spPr>
+          <a:xfrm>
+            <a:off x="0" y="0"/>
+            <a:ext cx="12192000" cy="6858000"/>
+          </a:xfrm>
+          <a:prstGeom prst="rect">
+            <a:avLst/>
+          </a:prstGeom>
+          <a:solidFill>
+            <a:schemeClr val="bg2">
+              <a:lumMod val="90000"/>
+              <a:lumOff val="10000"/>
+            </a:schemeClr>
+          </a:solidFill>
+          <a:ln w="12700" cap="flat" cmpd="sng" algn="ctr">
+            <a:noFill/>
+            <a:prstDash val="solid"/>
+            <a:miter lim="800000"/>
+          </a:ln>
+          <a:effectLst/>
+        </p:spPr>
+        <p:style>
+          <a:lnRef idx="2">
+            <a:schemeClr val="accent1">
+              <a:shade val="50000"/>
+            </a:schemeClr>
+          </a:lnRef>
+          <a:fillRef idx="1">
+            <a:schemeClr val="accent1"/>
+          </a:fillRef>
+          <a:effectRef idx="0">
+            <a:schemeClr val="accent1"/>
+          </a:effectRef>
+          <a:fontRef idx="minor">
+            <a:schemeClr val="lt1"/>
+          </a:fontRef>
+        </p:style>
+        <p:txBody>
+          <a:bodyPr rtlCol="0" anchor="ctr"/>
+          <a:lstStyle/>
+          <a:p>
+            <a:pPr algn="ctr"/>
+            <a:endParaRPr lang="en-US"/>
+          </a:p>
+        </p:txBody>
+      </p:sp>
+      <p:sp>
+        <p:nvSpPr>
+          <p:cNvPr id="19" name="Rectangle 8">
+            <a:extLst>
+              <a:ext uri="{FF2B5EF4-FFF2-40B4-BE49-F238E27FC236}">
+                <a16:creationId xmlns:a16="http://schemas.microsoft.com/office/drawing/2014/main" id="{DB7EFF05-A8DA-4B3E-9C21-7A04283D4852}"/>
+              </a:ext>
+              <a:ext uri="{C183D7F6-B498-43B3-948B-1728B52AA6E4}">
+                <adec:decorative xmlns:adec="http://schemas.microsoft.com/office/drawing/2017/decorative" val="1"/>
+              </a:ext>
+            </a:extLst>
+          </p:cNvPr>
+          <p:cNvSpPr>
+            <a:spLocks noGrp="1" noRot="1" noChangeAspect="1" noMove="1" noResize="1" noEditPoints="1" noAdjustHandles="1" noChangeArrowheads="1" noChangeShapeType="1" noTextEdit="1"/>
+          </p:cNvSpPr>
+          <p:nvPr>
+            <p:extLst>
+              <p:ext uri="{386F3935-93C4-4BCD-93E2-E3B085C9AB24}">
+                <p16:designElem xmlns:p16="http://schemas.microsoft.com/office/powerpoint/2015/main" val="1"/>
+              </p:ext>
+            </p:extLst>
+          </p:nvPr>
+        </p:nvSpPr>
+        <p:spPr>
+          <a:xfrm>
+            <a:off x="0" y="0"/>
+            <a:ext cx="12192000" cy="6858000"/>
+          </a:xfrm>
+          <a:prstGeom prst="rect">
+            <a:avLst/>
+          </a:prstGeom>
+          <a:solidFill>
+            <a:schemeClr val="bg2">
+              <a:lumMod val="90000"/>
+              <a:lumOff val="10000"/>
+            </a:schemeClr>
+          </a:solidFill>
+          <a:ln w="12700" cap="flat" cmpd="sng" algn="ctr">
+            <a:noFill/>
+            <a:prstDash val="solid"/>
+            <a:miter lim="800000"/>
+          </a:ln>
+          <a:effectLst/>
+        </p:spPr>
+        <p:style>
+          <a:lnRef idx="2">
+            <a:schemeClr val="accent1">
+              <a:shade val="50000"/>
+            </a:schemeClr>
+          </a:lnRef>
+          <a:fillRef idx="1">
+            <a:schemeClr val="accent1"/>
+          </a:fillRef>
+          <a:effectRef idx="0">
+            <a:schemeClr val="accent1"/>
+          </a:effectRef>
+          <a:fontRef idx="minor">
+            <a:schemeClr val="lt1"/>
+          </a:fontRef>
+        </p:style>
+        <p:txBody>
+          <a:bodyPr rtlCol="0" anchor="ctr"/>
+          <a:lstStyle/>
+          <a:p>
+            <a:pPr algn="ctr"/>
+            <a:endParaRPr lang="en-US"/>
+          </a:p>
+        </p:txBody>
+      </p:sp>
+      <p:sp useBgFill="1">
+        <p:nvSpPr>
+          <p:cNvPr id="20" name="Rectangle 10">
+            <a:extLst>
+              <a:ext uri="{FF2B5EF4-FFF2-40B4-BE49-F238E27FC236}">
+                <a16:creationId xmlns:a16="http://schemas.microsoft.com/office/drawing/2014/main" id="{0FD46528-2A0F-4BB4-A721-EAB8907C5163}"/>
+              </a:ext>
+              <a:ext uri="{C183D7F6-B498-43B3-948B-1728B52AA6E4}">
+                <adec:decorative xmlns:adec="http://schemas.microsoft.com/office/drawing/2017/decorative" val="1"/>
+              </a:ext>
+            </a:extLst>
+          </p:cNvPr>
+          <p:cNvSpPr>
+            <a:spLocks noGrp="1" noRot="1" noChangeAspect="1" noMove="1" noResize="1" noEditPoints="1" noAdjustHandles="1" noChangeArrowheads="1" noChangeShapeType="1" noTextEdit="1"/>
+          </p:cNvSpPr>
+          <p:nvPr>
+            <p:extLst>
+              <p:ext uri="{386F3935-93C4-4BCD-93E2-E3B085C9AB24}">
+                <p16:designElem xmlns:p16="http://schemas.microsoft.com/office/powerpoint/2015/main" val="1"/>
+              </p:ext>
+            </p:extLst>
+          </p:nvPr>
+        </p:nvSpPr>
+        <p:spPr>
+          <a:xfrm>
+            <a:off x="0" y="0"/>
+            <a:ext cx="12192000" cy="6858000"/>
+          </a:xfrm>
+          <a:prstGeom prst="rect">
+            <a:avLst/>
+          </a:prstGeom>
+          <a:ln w="12700" cap="flat" cmpd="sng" algn="ctr">
+            <a:noFill/>
+            <a:prstDash val="solid"/>
+            <a:miter lim="800000"/>
+          </a:ln>
+          <a:effectLst/>
+        </p:spPr>
+        <p:style>
+          <a:lnRef idx="2">
+            <a:schemeClr val="accent1">
+              <a:shade val="50000"/>
+            </a:schemeClr>
+          </a:lnRef>
+          <a:fillRef idx="1">
+            <a:schemeClr val="accent1"/>
+          </a:fillRef>
+          <a:effectRef idx="0">
+            <a:schemeClr val="accent1"/>
+          </a:effectRef>
+          <a:fontRef idx="minor">
+            <a:schemeClr val="lt1"/>
+          </a:fontRef>
+        </p:style>
+        <p:txBody>
+          <a:bodyPr rtlCol="0" anchor="ctr"/>
+          <a:lstStyle/>
+          <a:p>
+            <a:pPr algn="ctr"/>
+            <a:endParaRPr lang="en-US"/>
+          </a:p>
+        </p:txBody>
+      </p:sp>
+      <p:sp>
+        <p:nvSpPr>
+          <p:cNvPr id="21" name="Rectangle 12">
+            <a:extLst>
+              <a:ext uri="{FF2B5EF4-FFF2-40B4-BE49-F238E27FC236}">
+                <a16:creationId xmlns:a16="http://schemas.microsoft.com/office/drawing/2014/main" id="{0E4F595B-2962-4159-8BB7-11DADC483AD3}"/>
+              </a:ext>
+              <a:ext uri="{C183D7F6-B498-43B3-948B-1728B52AA6E4}">
+                <adec:decorative xmlns:adec="http://schemas.microsoft.com/office/drawing/2017/decorative" val="1"/>
+              </a:ext>
+            </a:extLst>
+          </p:cNvPr>
+          <p:cNvSpPr>
+            <a:spLocks noGrp="1" noRot="1" noChangeAspect="1" noMove="1" noResize="1" noEditPoints="1" noAdjustHandles="1" noChangeArrowheads="1" noChangeShapeType="1" noTextEdit="1"/>
+          </p:cNvSpPr>
+          <p:nvPr>
+            <p:extLst>
+              <p:ext uri="{386F3935-93C4-4BCD-93E2-E3B085C9AB24}">
+                <p16:designElem xmlns:p16="http://schemas.microsoft.com/office/powerpoint/2015/main" val="1"/>
+              </p:ext>
+            </p:extLst>
+          </p:nvPr>
+        </p:nvSpPr>
+        <p:spPr>
+          <a:xfrm>
+            <a:off x="0" y="0"/>
+            <a:ext cx="12192000" cy="6858000"/>
+          </a:xfrm>
+          <a:prstGeom prst="rect">
+            <a:avLst/>
+          </a:prstGeom>
+          <a:solidFill>
+            <a:schemeClr val="bg2">
+              <a:lumMod val="90000"/>
+              <a:lumOff val="10000"/>
+            </a:schemeClr>
+          </a:solidFill>
+          <a:ln w="12700" cap="flat" cmpd="sng" algn="ctr">
+            <a:noFill/>
+            <a:prstDash val="solid"/>
+            <a:miter lim="800000"/>
+          </a:ln>
+          <a:effectLst/>
+        </p:spPr>
+        <p:style>
+          <a:lnRef idx="2">
+            <a:schemeClr val="accent1">
+              <a:shade val="50000"/>
+            </a:schemeClr>
+          </a:lnRef>
+          <a:fillRef idx="1">
+            <a:schemeClr val="accent1"/>
+          </a:fillRef>
+          <a:effectRef idx="0">
+            <a:schemeClr val="accent1"/>
+          </a:effectRef>
+          <a:fontRef idx="minor">
+            <a:schemeClr val="lt1"/>
+          </a:fontRef>
+        </p:style>
+        <p:txBody>
+          <a:bodyPr rtlCol="0" anchor="ctr"/>
+          <a:lstStyle/>
+          <a:p>
+            <a:pPr algn="ctr"/>
+            <a:endParaRPr lang="en-US"/>
+          </a:p>
+        </p:txBody>
+      </p:sp>
+      <p:sp useBgFill="1">
+        <p:nvSpPr>
+          <p:cNvPr id="22" name="Freeform: Shape 14">
+            <a:extLst>
+              <a:ext uri="{FF2B5EF4-FFF2-40B4-BE49-F238E27FC236}">
+                <a16:creationId xmlns:a16="http://schemas.microsoft.com/office/drawing/2014/main" id="{657457C6-5104-4D63-9C05-84DA1B1A42BC}"/>
+              </a:ext>
+              <a:ext uri="{C183D7F6-B498-43B3-948B-1728B52AA6E4}">
+                <adec:decorative xmlns:adec="http://schemas.microsoft.com/office/drawing/2017/decorative" val="1"/>
+              </a:ext>
+            </a:extLst>
+          </p:cNvPr>
+          <p:cNvSpPr>
+            <a:spLocks noGrp="1" noRot="1" noChangeAspect="1" noMove="1" noResize="1" noEditPoints="1" noAdjustHandles="1" noChangeArrowheads="1" noChangeShapeType="1" noTextEdit="1"/>
+          </p:cNvSpPr>
+          <p:nvPr>
+            <p:extLst>
+              <p:ext uri="{386F3935-93C4-4BCD-93E2-E3B085C9AB24}">
+                <p16:designElem xmlns:p16="http://schemas.microsoft.com/office/powerpoint/2015/main" val="1"/>
+              </p:ext>
+            </p:extLst>
+          </p:nvPr>
+        </p:nvSpPr>
+        <p:spPr bwMode="auto">
+          <a:xfrm rot="10800000">
+            <a:off x="3171371" y="0"/>
+            <a:ext cx="9020628" cy="6858000"/>
+          </a:xfrm>
+          <a:custGeom>
+            <a:avLst/>
+            <a:gdLst>
+              <a:gd name="connsiteX0" fmla="*/ 486147 w 7781925"/>
+              <a:gd name="connsiteY0" fmla="*/ 0 h 6858000"/>
+              <a:gd name="connsiteX1" fmla="*/ 6657920 w 7781925"/>
+              <a:gd name="connsiteY1" fmla="*/ 0 h 6858000"/>
+              <a:gd name="connsiteX2" fmla="*/ 6863617 w 7781925"/>
+              <a:gd name="connsiteY2" fmla="*/ 207074 h 6858000"/>
+              <a:gd name="connsiteX3" fmla="*/ 7060266 w 7781925"/>
+              <a:gd name="connsiteY3" fmla="*/ 457558 h 6858000"/>
+              <a:gd name="connsiteX4" fmla="*/ 7781925 w 7781925"/>
+              <a:gd name="connsiteY4" fmla="*/ 3182818 h 6858000"/>
+              <a:gd name="connsiteX5" fmla="*/ 7621556 w 7781925"/>
+              <a:gd name="connsiteY5" fmla="*/ 4465293 h 6858000"/>
+              <a:gd name="connsiteX6" fmla="*/ 7140451 w 7781925"/>
+              <a:gd name="connsiteY6" fmla="*/ 5747768 h 6858000"/>
+              <a:gd name="connsiteX7" fmla="*/ 6226371 w 7781925"/>
+              <a:gd name="connsiteY7" fmla="*/ 6831631 h 6858000"/>
+              <a:gd name="connsiteX8" fmla="*/ 6191557 w 7781925"/>
+              <a:gd name="connsiteY8" fmla="*/ 6858000 h 6858000"/>
+              <a:gd name="connsiteX9" fmla="*/ 940388 w 7781925"/>
+              <a:gd name="connsiteY9" fmla="*/ 6858000 h 6858000"/>
+              <a:gd name="connsiteX10" fmla="*/ 844312 w 7781925"/>
+              <a:gd name="connsiteY10" fmla="*/ 6790615 h 6858000"/>
+              <a:gd name="connsiteX11" fmla="*/ 2377 w 7781925"/>
+              <a:gd name="connsiteY11" fmla="*/ 5930621 h 6858000"/>
+              <a:gd name="connsiteX12" fmla="*/ 0 w 7781925"/>
+              <a:gd name="connsiteY12" fmla="*/ 5927208 h 6858000"/>
+              <a:gd name="connsiteX13" fmla="*/ 0 w 7781925"/>
+              <a:gd name="connsiteY13" fmla="*/ 542232 h 6858000"/>
+              <a:gd name="connsiteX14" fmla="*/ 17725 w 7781925"/>
+              <a:gd name="connsiteY14" fmla="*/ 518509 h 6858000"/>
+              <a:gd name="connsiteX15" fmla="*/ 385863 w 7781925"/>
+              <a:gd name="connsiteY15" fmla="*/ 97696 h 6858000"/>
+            </a:gdLst>
+            <a:ahLst/>
+            <a:cxnLst>
+              <a:cxn ang="0">
+                <a:pos x="connsiteX0" y="connsiteY0"/>
+              </a:cxn>
+              <a:cxn ang="0">
+                <a:pos x="connsiteX1" y="connsiteY1"/>
+              </a:cxn>
+              <a:cxn ang="0">
+                <a:pos x="connsiteX2" y="connsiteY2"/>
+              </a:cxn>
+              <a:cxn ang="0">
+                <a:pos x="connsiteX3" y="connsiteY3"/>
+              </a:cxn>
+              <a:cxn ang="0">
+                <a:pos x="connsiteX4" y="connsiteY4"/>
+              </a:cxn>
+              <a:cxn ang="0">
+                <a:pos x="connsiteX5" y="connsiteY5"/>
+              </a:cxn>
+              <a:cxn ang="0">
+                <a:pos x="connsiteX6" y="connsiteY6"/>
+              </a:cxn>
+              <a:cxn ang="0">
+                <a:pos x="connsiteX7" y="connsiteY7"/>
+              </a:cxn>
+              <a:cxn ang="0">
+                <a:pos x="connsiteX8" y="connsiteY8"/>
+              </a:cxn>
+              <a:cxn ang="0">
+                <a:pos x="connsiteX9" y="connsiteY9"/>
+              </a:cxn>
+              <a:cxn ang="0">
+                <a:pos x="connsiteX10" y="connsiteY10"/>
+              </a:cxn>
+              <a:cxn ang="0">
+                <a:pos x="connsiteX11" y="connsiteY11"/>
+              </a:cxn>
+              <a:cxn ang="0">
+                <a:pos x="connsiteX12" y="connsiteY12"/>
+              </a:cxn>
+              <a:cxn ang="0">
+                <a:pos x="connsiteX13" y="connsiteY13"/>
+              </a:cxn>
+              <a:cxn ang="0">
+                <a:pos x="connsiteX14" y="connsiteY14"/>
+              </a:cxn>
+              <a:cxn ang="0">
+                <a:pos x="connsiteX15" y="connsiteY15"/>
+              </a:cxn>
+            </a:cxnLst>
+            <a:rect l="l" t="t" r="r" b="b"/>
+            <a:pathLst>
+              <a:path w="7781925" h="6858000">
+                <a:moveTo>
+                  <a:pt x="486147" y="0"/>
+                </a:moveTo>
+                <a:lnTo>
+                  <a:pt x="6657920" y="0"/>
+                </a:lnTo>
+                <a:lnTo>
+                  <a:pt x="6863617" y="207074"/>
+                </a:lnTo>
+                <a:cubicBezTo>
+                  <a:pt x="6934561" y="287229"/>
+                  <a:pt x="7000128" y="370723"/>
+                  <a:pt x="7060266" y="457558"/>
+                </a:cubicBezTo>
+                <a:cubicBezTo>
+                  <a:pt x="7541372" y="1152232"/>
+                  <a:pt x="7781925" y="2060652"/>
+                  <a:pt x="7781925" y="3182818"/>
+                </a:cubicBezTo>
+                <a:cubicBezTo>
+                  <a:pt x="7781925" y="3583591"/>
+                  <a:pt x="7728469" y="3984365"/>
+                  <a:pt x="7621556" y="4465293"/>
+                </a:cubicBezTo>
+                <a:cubicBezTo>
+                  <a:pt x="7487916" y="4919503"/>
+                  <a:pt x="7354276" y="5346995"/>
+                  <a:pt x="7140451" y="5747768"/>
+                </a:cubicBezTo>
+                <a:cubicBezTo>
+                  <a:pt x="6873170" y="6198639"/>
+                  <a:pt x="6564126" y="6555577"/>
+                  <a:pt x="6226371" y="6831631"/>
+                </a:cubicBezTo>
+                <a:lnTo>
+                  <a:pt x="6191557" y="6858000"/>
+                </a:lnTo>
+                <a:lnTo>
+                  <a:pt x="940388" y="6858000"/>
+                </a:lnTo>
+                <a:lnTo>
+                  <a:pt x="844312" y="6790615"/>
+                </a:lnTo>
+                <a:cubicBezTo>
+                  <a:pt x="530257" y="6551820"/>
+                  <a:pt x="249612" y="6262929"/>
+                  <a:pt x="2377" y="5930621"/>
+                </a:cubicBezTo>
+                <a:lnTo>
+                  <a:pt x="0" y="5927208"/>
+                </a:lnTo>
+                <a:lnTo>
+                  <a:pt x="0" y="542232"/>
+                </a:lnTo>
+                <a:lnTo>
+                  <a:pt x="17725" y="518509"/>
+                </a:lnTo>
+                <a:cubicBezTo>
+                  <a:pt x="136122" y="368218"/>
+                  <a:pt x="259113" y="227948"/>
+                  <a:pt x="385863" y="97696"/>
+                </a:cubicBezTo>
+                <a:close/>
+              </a:path>
+            </a:pathLst>
+          </a:custGeom>
+          <a:ln>
+            <a:noFill/>
+          </a:ln>
+        </p:spPr>
+        <p:txBody>
+          <a:bodyPr vert="horz" wrap="square" lIns="91440" tIns="45720" rIns="91440" bIns="45720" numCol="1" anchor="t" anchorCtr="0" compatLnSpc="1">
+            <a:prstTxWarp prst="textNoShape">
+              <a:avLst/>
+            </a:prstTxWarp>
+            <a:noAutofit/>
+          </a:bodyPr>
+          <a:lstStyle/>
+          <a:p>
+            <a:endParaRPr lang="en-US"/>
+          </a:p>
+        </p:txBody>
+      </p:sp>
+      <p:sp>
+        <p:nvSpPr>
+          <p:cNvPr id="17" name="Freeform 10">
+            <a:extLst>
+              <a:ext uri="{FF2B5EF4-FFF2-40B4-BE49-F238E27FC236}">
+                <a16:creationId xmlns:a16="http://schemas.microsoft.com/office/drawing/2014/main" id="{61516266-4AD2-4299-BC89-A3D3D18F8AF3}"/>
+              </a:ext>
+              <a:ext uri="{C183D7F6-B498-43B3-948B-1728B52AA6E4}">
+                <adec:decorative xmlns:adec="http://schemas.microsoft.com/office/drawing/2017/decorative" val="1"/>
+              </a:ext>
+            </a:extLst>
+          </p:cNvPr>
+          <p:cNvSpPr>
+            <a:spLocks noGrp="1" noRot="1" noChangeAspect="1" noMove="1" noResize="1" noEditPoints="1" noAdjustHandles="1" noChangeArrowheads="1" noChangeShapeType="1" noTextEdit="1"/>
+          </p:cNvSpPr>
+          <p:nvPr>
+            <p:extLst>
+              <p:ext uri="{386F3935-93C4-4BCD-93E2-E3B085C9AB24}">
+                <p16:designElem xmlns:p16="http://schemas.microsoft.com/office/powerpoint/2015/main" val="1"/>
+              </p:ext>
+            </p:extLst>
+          </p:nvPr>
+        </p:nvSpPr>
+        <p:spPr bwMode="auto">
+          <a:xfrm rot="3600000">
+            <a:off x="1872185" y="3587286"/>
+            <a:ext cx="2316273" cy="2168060"/>
+          </a:xfrm>
+          <a:custGeom>
+            <a:avLst/>
+            <a:gdLst>
+              <a:gd name="T0" fmla="*/ 43 w 250"/>
+              <a:gd name="T1" fmla="*/ 167 h 234"/>
+              <a:gd name="T2" fmla="*/ 70 w 250"/>
+              <a:gd name="T3" fmla="*/ 133 h 234"/>
+              <a:gd name="T4" fmla="*/ 48 w 250"/>
+              <a:gd name="T5" fmla="*/ 134 h 234"/>
+              <a:gd name="T6" fmla="*/ 19 w 250"/>
+              <a:gd name="T7" fmla="*/ 130 h 234"/>
+              <a:gd name="T8" fmla="*/ 6 w 250"/>
+              <a:gd name="T9" fmla="*/ 123 h 234"/>
+              <a:gd name="T10" fmla="*/ 1 w 250"/>
+              <a:gd name="T11" fmla="*/ 103 h 234"/>
+              <a:gd name="T12" fmla="*/ 11 w 250"/>
+              <a:gd name="T13" fmla="*/ 81 h 234"/>
+              <a:gd name="T14" fmla="*/ 23 w 250"/>
+              <a:gd name="T15" fmla="*/ 76 h 234"/>
+              <a:gd name="T16" fmla="*/ 81 w 250"/>
+              <a:gd name="T17" fmla="*/ 78 h 234"/>
+              <a:gd name="T18" fmla="*/ 65 w 250"/>
+              <a:gd name="T19" fmla="*/ 49 h 234"/>
+              <a:gd name="T20" fmla="*/ 57 w 250"/>
+              <a:gd name="T21" fmla="*/ 27 h 234"/>
+              <a:gd name="T22" fmla="*/ 67 w 250"/>
+              <a:gd name="T23" fmla="*/ 12 h 234"/>
+              <a:gd name="T24" fmla="*/ 85 w 250"/>
+              <a:gd name="T25" fmla="*/ 1 h 234"/>
+              <a:gd name="T26" fmla="*/ 101 w 250"/>
+              <a:gd name="T27" fmla="*/ 8 h 234"/>
+              <a:gd name="T28" fmla="*/ 107 w 250"/>
+              <a:gd name="T29" fmla="*/ 15 h 234"/>
+              <a:gd name="T30" fmla="*/ 120 w 250"/>
+              <a:gd name="T31" fmla="*/ 37 h 234"/>
+              <a:gd name="T32" fmla="*/ 131 w 250"/>
+              <a:gd name="T33" fmla="*/ 60 h 234"/>
+              <a:gd name="T34" fmla="*/ 164 w 250"/>
+              <a:gd name="T35" fmla="*/ 25 h 234"/>
+              <a:gd name="T36" fmla="*/ 187 w 250"/>
+              <a:gd name="T37" fmla="*/ 11 h 234"/>
+              <a:gd name="T38" fmla="*/ 205 w 250"/>
+              <a:gd name="T39" fmla="*/ 19 h 234"/>
+              <a:gd name="T40" fmla="*/ 214 w 250"/>
+              <a:gd name="T41" fmla="*/ 34 h 234"/>
+              <a:gd name="T42" fmla="*/ 203 w 250"/>
+              <a:gd name="T43" fmla="*/ 57 h 234"/>
+              <a:gd name="T44" fmla="*/ 166 w 250"/>
+              <a:gd name="T45" fmla="*/ 100 h 234"/>
+              <a:gd name="T46" fmla="*/ 217 w 250"/>
+              <a:gd name="T47" fmla="*/ 98 h 234"/>
+              <a:gd name="T48" fmla="*/ 244 w 250"/>
+              <a:gd name="T49" fmla="*/ 104 h 234"/>
+              <a:gd name="T50" fmla="*/ 249 w 250"/>
+              <a:gd name="T51" fmla="*/ 115 h 234"/>
+              <a:gd name="T52" fmla="*/ 247 w 250"/>
+              <a:gd name="T53" fmla="*/ 129 h 234"/>
+              <a:gd name="T54" fmla="*/ 245 w 250"/>
+              <a:gd name="T55" fmla="*/ 134 h 234"/>
+              <a:gd name="T56" fmla="*/ 241 w 250"/>
+              <a:gd name="T57" fmla="*/ 141 h 234"/>
+              <a:gd name="T58" fmla="*/ 227 w 250"/>
+              <a:gd name="T59" fmla="*/ 147 h 234"/>
+              <a:gd name="T60" fmla="*/ 187 w 250"/>
+              <a:gd name="T61" fmla="*/ 151 h 234"/>
+              <a:gd name="T62" fmla="*/ 160 w 250"/>
+              <a:gd name="T63" fmla="*/ 148 h 234"/>
+              <a:gd name="T64" fmla="*/ 168 w 250"/>
+              <a:gd name="T65" fmla="*/ 168 h 234"/>
+              <a:gd name="T66" fmla="*/ 176 w 250"/>
+              <a:gd name="T67" fmla="*/ 194 h 234"/>
+              <a:gd name="T68" fmla="*/ 176 w 250"/>
+              <a:gd name="T69" fmla="*/ 211 h 234"/>
+              <a:gd name="T70" fmla="*/ 170 w 250"/>
+              <a:gd name="T71" fmla="*/ 221 h 234"/>
+              <a:gd name="T72" fmla="*/ 156 w 250"/>
+              <a:gd name="T73" fmla="*/ 230 h 234"/>
+              <a:gd name="T74" fmla="*/ 130 w 250"/>
+              <a:gd name="T75" fmla="*/ 226 h 234"/>
+              <a:gd name="T76" fmla="*/ 122 w 250"/>
+              <a:gd name="T77" fmla="*/ 213 h 234"/>
+              <a:gd name="T78" fmla="*/ 110 w 250"/>
+              <a:gd name="T79" fmla="*/ 169 h 234"/>
+              <a:gd name="T80" fmla="*/ 92 w 250"/>
+              <a:gd name="T81" fmla="*/ 192 h 234"/>
+              <a:gd name="T82" fmla="*/ 87 w 250"/>
+              <a:gd name="T83" fmla="*/ 197 h 234"/>
+              <a:gd name="T84" fmla="*/ 84 w 250"/>
+              <a:gd name="T85" fmla="*/ 201 h 234"/>
+              <a:gd name="T86" fmla="*/ 65 w 250"/>
+              <a:gd name="T87" fmla="*/ 212 h 234"/>
+              <a:gd name="T88" fmla="*/ 50 w 250"/>
+              <a:gd name="T89" fmla="*/ 204 h 234"/>
+              <a:gd name="T90" fmla="*/ 44 w 250"/>
+              <a:gd name="T91" fmla="*/ 198 h 234"/>
+              <a:gd name="T92" fmla="*/ 38 w 250"/>
+              <a:gd name="T93" fmla="*/ 185 h 234"/>
+              <a:gd name="T94" fmla="*/ 43 w 250"/>
+              <a:gd name="T95" fmla="*/ 167 h 234"/>
+            </a:gdLst>
+            <a:ahLst/>
+            <a:cxnLst>
+              <a:cxn ang="0">
+                <a:pos x="T0" y="T1"/>
+              </a:cxn>
+              <a:cxn ang="0">
+                <a:pos x="T2" y="T3"/>
+              </a:cxn>
+              <a:cxn ang="0">
+                <a:pos x="T4" y="T5"/>
+              </a:cxn>
+              <a:cxn ang="0">
+                <a:pos x="T6" y="T7"/>
+              </a:cxn>
+              <a:cxn ang="0">
+                <a:pos x="T8" y="T9"/>
+              </a:cxn>
+              <a:cxn ang="0">
+                <a:pos x="T10" y="T11"/>
+              </a:cxn>
+              <a:cxn ang="0">
+                <a:pos x="T12" y="T13"/>
+              </a:cxn>
+              <a:cxn ang="0">
+                <a:pos x="T14" y="T15"/>
+              </a:cxn>
+              <a:cxn ang="0">
+                <a:pos x="T16" y="T17"/>
+              </a:cxn>
+              <a:cxn ang="0">
+                <a:pos x="T18" y="T19"/>
+              </a:cxn>
+              <a:cxn ang="0">
+                <a:pos x="T20" y="T21"/>
+              </a:cxn>
+              <a:cxn ang="0">
+                <a:pos x="T22" y="T23"/>
+              </a:cxn>
+              <a:cxn ang="0">
+                <a:pos x="T24" y="T25"/>
+              </a:cxn>
+              <a:cxn ang="0">
+                <a:pos x="T26" y="T27"/>
+              </a:cxn>
+              <a:cxn ang="0">
+                <a:pos x="T28" y="T29"/>
+              </a:cxn>
+              <a:cxn ang="0">
+                <a:pos x="T30" y="T31"/>
+              </a:cxn>
+              <a:cxn ang="0">
+                <a:pos x="T32" y="T33"/>
+              </a:cxn>
+              <a:cxn ang="0">
+                <a:pos x="T34" y="T35"/>
+              </a:cxn>
+              <a:cxn ang="0">
+                <a:pos x="T36" y="T37"/>
+              </a:cxn>
+              <a:cxn ang="0">
+                <a:pos x="T38" y="T39"/>
+              </a:cxn>
+              <a:cxn ang="0">
+                <a:pos x="T40" y="T41"/>
+              </a:cxn>
+              <a:cxn ang="0">
+                <a:pos x="T42" y="T43"/>
+              </a:cxn>
+              <a:cxn ang="0">
+                <a:pos x="T44" y="T45"/>
+              </a:cxn>
+              <a:cxn ang="0">
+                <a:pos x="T46" y="T47"/>
+              </a:cxn>
+              <a:cxn ang="0">
+                <a:pos x="T48" y="T49"/>
+              </a:cxn>
+              <a:cxn ang="0">
+                <a:pos x="T50" y="T51"/>
+              </a:cxn>
+              <a:cxn ang="0">
+                <a:pos x="T52" y="T53"/>
+              </a:cxn>
+              <a:cxn ang="0">
+                <a:pos x="T54" y="T55"/>
+              </a:cxn>
+              <a:cxn ang="0">
+                <a:pos x="T56" y="T57"/>
+              </a:cxn>
+              <a:cxn ang="0">
+                <a:pos x="T58" y="T59"/>
+              </a:cxn>
+              <a:cxn ang="0">
+                <a:pos x="T60" y="T61"/>
+              </a:cxn>
+              <a:cxn ang="0">
+                <a:pos x="T62" y="T63"/>
+              </a:cxn>
+              <a:cxn ang="0">
+                <a:pos x="T64" y="T65"/>
+              </a:cxn>
+              <a:cxn ang="0">
+                <a:pos x="T66" y="T67"/>
+              </a:cxn>
+              <a:cxn ang="0">
+                <a:pos x="T68" y="T69"/>
+              </a:cxn>
+              <a:cxn ang="0">
+                <a:pos x="T70" y="T71"/>
+              </a:cxn>
+              <a:cxn ang="0">
+                <a:pos x="T72" y="T73"/>
+              </a:cxn>
+              <a:cxn ang="0">
+                <a:pos x="T74" y="T75"/>
+              </a:cxn>
+              <a:cxn ang="0">
+                <a:pos x="T76" y="T77"/>
+              </a:cxn>
+              <a:cxn ang="0">
+                <a:pos x="T78" y="T79"/>
+              </a:cxn>
+              <a:cxn ang="0">
+                <a:pos x="T80" y="T81"/>
+              </a:cxn>
+              <a:cxn ang="0">
+                <a:pos x="T82" y="T83"/>
+              </a:cxn>
+              <a:cxn ang="0">
+                <a:pos x="T84" y="T85"/>
+              </a:cxn>
+              <a:cxn ang="0">
+                <a:pos x="T86" y="T87"/>
+              </a:cxn>
+              <a:cxn ang="0">
+                <a:pos x="T88" y="T89"/>
+              </a:cxn>
+              <a:cxn ang="0">
+                <a:pos x="T90" y="T91"/>
+              </a:cxn>
+              <a:cxn ang="0">
+                <a:pos x="T92" y="T93"/>
+              </a:cxn>
+              <a:cxn ang="0">
+                <a:pos x="T94" y="T95"/>
+              </a:cxn>
+            </a:cxnLst>
+            <a:rect l="0" t="0" r="r" b="b"/>
+            <a:pathLst>
+              <a:path w="250" h="234">
+                <a:moveTo>
+                  <a:pt x="43" y="167"/>
+                </a:moveTo>
+                <a:cubicBezTo>
+                  <a:pt x="70" y="133"/>
+                  <a:pt x="70" y="133"/>
+                  <a:pt x="70" y="133"/>
+                </a:cubicBezTo>
+                <a:cubicBezTo>
+                  <a:pt x="60" y="134"/>
+                  <a:pt x="61" y="134"/>
+                  <a:pt x="48" y="134"/>
+                </a:cubicBezTo>
+                <a:cubicBezTo>
+                  <a:pt x="34" y="133"/>
+                  <a:pt x="24" y="132"/>
+                  <a:pt x="19" y="130"/>
+                </a:cubicBezTo>
+                <a:cubicBezTo>
+                  <a:pt x="13" y="128"/>
+                  <a:pt x="9" y="126"/>
+                  <a:pt x="6" y="123"/>
+                </a:cubicBezTo>
+                <a:cubicBezTo>
+                  <a:pt x="1" y="119"/>
+                  <a:pt x="0" y="112"/>
+                  <a:pt x="1" y="103"/>
+                </a:cubicBezTo>
+                <a:cubicBezTo>
+                  <a:pt x="2" y="93"/>
+                  <a:pt x="6" y="86"/>
+                  <a:pt x="11" y="81"/>
+                </a:cubicBezTo>
+                <a:cubicBezTo>
+                  <a:pt x="15" y="77"/>
+                  <a:pt x="18" y="76"/>
+                  <a:pt x="23" y="76"/>
+                </a:cubicBezTo>
+                <a:cubicBezTo>
+                  <a:pt x="81" y="78"/>
+                  <a:pt x="81" y="78"/>
+                  <a:pt x="81" y="78"/>
+                </a:cubicBezTo>
+                <a:cubicBezTo>
+                  <a:pt x="65" y="49"/>
+                  <a:pt x="65" y="49"/>
+                  <a:pt x="65" y="49"/>
+                </a:cubicBezTo>
+                <a:cubicBezTo>
+                  <a:pt x="58" y="40"/>
+                  <a:pt x="56" y="33"/>
+                  <a:pt x="57" y="27"/>
+                </a:cubicBezTo>
+                <a:cubicBezTo>
+                  <a:pt x="58" y="21"/>
+                  <a:pt x="62" y="16"/>
+                  <a:pt x="67" y="12"/>
+                </a:cubicBezTo>
+                <a:cubicBezTo>
+                  <a:pt x="74" y="6"/>
+                  <a:pt x="80" y="2"/>
+                  <a:pt x="85" y="1"/>
+                </a:cubicBezTo>
+                <a:cubicBezTo>
+                  <a:pt x="90" y="0"/>
+                  <a:pt x="95" y="2"/>
+                  <a:pt x="101" y="8"/>
+                </a:cubicBezTo>
+                <a:cubicBezTo>
+                  <a:pt x="104" y="11"/>
+                  <a:pt x="106" y="13"/>
+                  <a:pt x="107" y="15"/>
+                </a:cubicBezTo>
+                <a:cubicBezTo>
+                  <a:pt x="110" y="19"/>
+                  <a:pt x="112" y="20"/>
+                  <a:pt x="120" y="37"/>
+                </a:cubicBezTo>
+                <a:cubicBezTo>
+                  <a:pt x="129" y="55"/>
+                  <a:pt x="128" y="51"/>
+                  <a:pt x="131" y="60"/>
+                </a:cubicBezTo>
+                <a:cubicBezTo>
+                  <a:pt x="164" y="25"/>
+                  <a:pt x="164" y="25"/>
+                  <a:pt x="164" y="25"/>
+                </a:cubicBezTo>
+                <a:cubicBezTo>
+                  <a:pt x="173" y="16"/>
+                  <a:pt x="180" y="11"/>
+                  <a:pt x="187" y="11"/>
+                </a:cubicBezTo>
+                <a:cubicBezTo>
+                  <a:pt x="193" y="10"/>
+                  <a:pt x="200" y="13"/>
+                  <a:pt x="205" y="19"/>
+                </a:cubicBezTo>
+                <a:cubicBezTo>
+                  <a:pt x="210" y="24"/>
+                  <a:pt x="213" y="29"/>
+                  <a:pt x="214" y="34"/>
+                </a:cubicBezTo>
+                <a:cubicBezTo>
+                  <a:pt x="214" y="39"/>
+                  <a:pt x="211" y="47"/>
+                  <a:pt x="203" y="57"/>
+                </a:cubicBezTo>
+                <a:cubicBezTo>
+                  <a:pt x="166" y="100"/>
+                  <a:pt x="166" y="100"/>
+                  <a:pt x="166" y="100"/>
+                </a:cubicBezTo>
+                <a:cubicBezTo>
+                  <a:pt x="217" y="98"/>
+                  <a:pt x="217" y="98"/>
+                  <a:pt x="217" y="98"/>
+                </a:cubicBezTo>
+                <a:cubicBezTo>
+                  <a:pt x="229" y="96"/>
+                  <a:pt x="238" y="98"/>
+                  <a:pt x="244" y="104"/>
+                </a:cubicBezTo>
+                <a:cubicBezTo>
+                  <a:pt x="247" y="107"/>
+                  <a:pt x="249" y="111"/>
+                  <a:pt x="249" y="115"/>
+                </a:cubicBezTo>
+                <a:cubicBezTo>
+                  <a:pt x="250" y="120"/>
+                  <a:pt x="249" y="124"/>
+                  <a:pt x="247" y="129"/>
+                </a:cubicBezTo>
+                <a:cubicBezTo>
+                  <a:pt x="247" y="130"/>
+                  <a:pt x="246" y="132"/>
+                  <a:pt x="245" y="134"/>
+                </a:cubicBezTo>
+                <a:cubicBezTo>
+                  <a:pt x="244" y="137"/>
+                  <a:pt x="243" y="140"/>
+                  <a:pt x="241" y="141"/>
+                </a:cubicBezTo>
+                <a:cubicBezTo>
+                  <a:pt x="239" y="144"/>
+                  <a:pt x="234" y="146"/>
+                  <a:pt x="227" y="147"/>
+                </a:cubicBezTo>
+                <a:cubicBezTo>
+                  <a:pt x="221" y="149"/>
+                  <a:pt x="207" y="150"/>
+                  <a:pt x="187" y="151"/>
+                </a:cubicBezTo>
+                <a:cubicBezTo>
+                  <a:pt x="175" y="152"/>
+                  <a:pt x="161" y="148"/>
+                  <a:pt x="160" y="148"/>
+                </a:cubicBezTo>
+                <a:cubicBezTo>
+                  <a:pt x="161" y="151"/>
+                  <a:pt x="165" y="161"/>
+                  <a:pt x="168" y="168"/>
+                </a:cubicBezTo>
+                <a:cubicBezTo>
+                  <a:pt x="168" y="171"/>
+                  <a:pt x="173" y="181"/>
+                  <a:pt x="176" y="194"/>
+                </a:cubicBezTo>
+                <a:cubicBezTo>
+                  <a:pt x="179" y="206"/>
+                  <a:pt x="176" y="203"/>
+                  <a:pt x="176" y="211"/>
+                </a:cubicBezTo>
+                <a:cubicBezTo>
+                  <a:pt x="176" y="214"/>
+                  <a:pt x="174" y="217"/>
+                  <a:pt x="170" y="221"/>
+                </a:cubicBezTo>
+                <a:cubicBezTo>
+                  <a:pt x="166" y="226"/>
+                  <a:pt x="161" y="228"/>
+                  <a:pt x="156" y="230"/>
+                </a:cubicBezTo>
+                <a:cubicBezTo>
+                  <a:pt x="147" y="234"/>
+                  <a:pt x="137" y="233"/>
+                  <a:pt x="130" y="226"/>
+                </a:cubicBezTo>
+                <a:cubicBezTo>
+                  <a:pt x="127" y="223"/>
+                  <a:pt x="125" y="219"/>
+                  <a:pt x="122" y="213"/>
+                </a:cubicBezTo>
+                <a:cubicBezTo>
+                  <a:pt x="118" y="188"/>
+                  <a:pt x="117" y="189"/>
+                  <a:pt x="110" y="169"/>
+                </a:cubicBezTo>
+                <a:cubicBezTo>
+                  <a:pt x="92" y="192"/>
+                  <a:pt x="92" y="192"/>
+                  <a:pt x="92" y="192"/>
+                </a:cubicBezTo>
+                <a:cubicBezTo>
+                  <a:pt x="90" y="193"/>
+                  <a:pt x="88" y="195"/>
+                  <a:pt x="87" y="197"/>
+                </a:cubicBezTo>
+                <a:cubicBezTo>
+                  <a:pt x="86" y="198"/>
+                  <a:pt x="85" y="200"/>
+                  <a:pt x="84" y="201"/>
+                </a:cubicBezTo>
+                <a:cubicBezTo>
+                  <a:pt x="76" y="209"/>
+                  <a:pt x="70" y="212"/>
+                  <a:pt x="65" y="212"/>
+                </a:cubicBezTo>
+                <a:cubicBezTo>
+                  <a:pt x="60" y="211"/>
+                  <a:pt x="55" y="209"/>
+                  <a:pt x="50" y="204"/>
+                </a:cubicBezTo>
+                <a:cubicBezTo>
+                  <a:pt x="50" y="203"/>
+                  <a:pt x="48" y="202"/>
+                  <a:pt x="44" y="198"/>
+                </a:cubicBezTo>
+                <a:cubicBezTo>
+                  <a:pt x="41" y="195"/>
+                  <a:pt x="39" y="191"/>
+                  <a:pt x="38" y="185"/>
+                </a:cubicBezTo>
+                <a:cubicBezTo>
+                  <a:pt x="37" y="179"/>
+                  <a:pt x="39" y="173"/>
+                  <a:pt x="43" y="167"/>
+                </a:cubicBezTo>
+                <a:close/>
+              </a:path>
+            </a:pathLst>
+          </a:custGeom>
+          <a:solidFill>
+            <a:schemeClr val="accent1"/>
+          </a:solidFill>
+          <a:ln>
+            <a:noFill/>
+          </a:ln>
+        </p:spPr>
+        <p:txBody>
+          <a:bodyPr vert="horz" wrap="square" lIns="91440" tIns="45720" rIns="91440" bIns="45720" numCol="1" anchor="t" anchorCtr="0" compatLnSpc="1">
+            <a:prstTxWarp prst="textNoShape">
+              <a:avLst/>
+            </a:prstTxWarp>
+          </a:bodyPr>
+          <a:lstStyle/>
+          <a:p>
+            <a:endParaRPr lang="en-US"/>
+          </a:p>
+        </p:txBody>
+      </p:sp>
+      <p:sp>
+        <p:nvSpPr>
+          <p:cNvPr id="2" name="Title 1">
+            <a:extLst>
+              <a:ext uri="{FF2B5EF4-FFF2-40B4-BE49-F238E27FC236}">
+                <a16:creationId xmlns:a16="http://schemas.microsoft.com/office/drawing/2014/main" id="{D77D8616-DE6B-402D-917C-C16C2E4D041D}"/>
+              </a:ext>
+            </a:extLst>
+          </p:cNvPr>
+          <p:cNvSpPr>
+            <a:spLocks noGrp="1"/>
+          </p:cNvSpPr>
+          <p:nvPr>
+            <p:ph type="title"/>
+          </p:nvPr>
+        </p:nvSpPr>
+        <p:spPr>
+          <a:xfrm>
+            <a:off x="4700588" y="1531749"/>
+            <a:ext cx="6947450" cy="2803071"/>
+          </a:xfrm>
+        </p:spPr>
+        <p:txBody>
+          <a:bodyPr vert="horz" wrap="square" lIns="0" tIns="0" rIns="0" bIns="0" rtlCol="0" anchor="b" anchorCtr="0">
+            <a:normAutofit/>
+          </a:bodyPr>
+          <a:lstStyle/>
+          <a:p>
+            <a:pPr algn="ctr"/>
+            <a:r>
+              <a:rPr lang="en-US" sz="5600" spc="-100" dirty="0"/>
+              <a:t>Wie </a:t>
+            </a:r>
+            <a:r>
+              <a:rPr lang="en-US" sz="5600" spc="-100" dirty="0" err="1"/>
+              <a:t>funktioniert</a:t>
+            </a:r>
+            <a:r>
+              <a:rPr lang="en-US" sz="5600" spc="-100" dirty="0"/>
+              <a:t> </a:t>
+            </a:r>
+            <a:r>
+              <a:rPr lang="en-US" sz="5600" spc="-100" dirty="0" err="1"/>
+              <a:t>eine</a:t>
+            </a:r>
+            <a:r>
+              <a:rPr lang="en-US" sz="5600" spc="-100" dirty="0"/>
+              <a:t> Linked List?</a:t>
+            </a:r>
+          </a:p>
+        </p:txBody>
+      </p:sp>
+    </p:spTree>
+    <p:extLst>
+      <p:ext uri="{BB962C8B-B14F-4D97-AF65-F5344CB8AC3E}">
+        <p14:creationId xmlns:p14="http://schemas.microsoft.com/office/powerpoint/2010/main" val="1787517188"/>
+      </p:ext>
+    </p:extLst>
+  </p:cSld>
+  <p:clrMapOvr>
+    <a:masterClrMapping/>
+  </p:clrMapOvr>
+</p:sld>
+</file>
+
+<file path=ppt/slides/slide5.xml><?xml version="1.0" encoding="utf-8"?>
+<p:sld xmlns:a="http://schemas.openxmlformats.org/drawingml/2006/main" xmlns:r="http://schemas.openxmlformats.org/officeDocument/2006/relationships" xmlns:p="http://schemas.openxmlformats.org/presentationml/2006/main">
+  <p:cSld>
+    <p:bg>
+      <p:bgPr>
+        <a:solidFill>
+          <a:schemeClr val="bg2"/>
+        </a:solidFill>
+        <a:effectLst/>
+      </p:bgPr>
+    </p:bg>
+    <p:spTree>
+      <p:nvGrpSpPr>
+        <p:cNvPr id="1" name=""/>
+        <p:cNvGrpSpPr/>
+        <p:nvPr/>
+      </p:nvGrpSpPr>
+      <p:grpSpPr>
+        <a:xfrm>
+          <a:off x="0" y="0"/>
+          <a:ext cx="0" cy="0"/>
+          <a:chOff x="0" y="0"/>
+          <a:chExt cx="0" cy="0"/>
+        </a:xfrm>
+      </p:grpSpPr>
+      <p:sp>
+        <p:nvSpPr>
+          <p:cNvPr id="28" name="Rectangle 27">
+            <a:extLst>
+              <a:ext uri="{FF2B5EF4-FFF2-40B4-BE49-F238E27FC236}">
+                <a16:creationId xmlns:a16="http://schemas.microsoft.com/office/drawing/2014/main" id="{09646535-AEF6-4883-A4F9-EEC1F8B4319E}"/>
+              </a:ext>
+              <a:ext uri="{C183D7F6-B498-43B3-948B-1728B52AA6E4}">
+                <adec:decorative xmlns:adec="http://schemas.microsoft.com/office/drawing/2017/decorative" val="1"/>
+              </a:ext>
+            </a:extLst>
+          </p:cNvPr>
+          <p:cNvSpPr>
+            <a:spLocks noGrp="1" noRot="1" noChangeAspect="1" noMove="1" noResize="1" noEditPoints="1" noAdjustHandles="1" noChangeArrowheads="1" noChangeShapeType="1" noTextEdit="1"/>
+          </p:cNvSpPr>
+          <p:nvPr>
+            <p:extLst>
+              <p:ext uri="{386F3935-93C4-4BCD-93E2-E3B085C9AB24}">
+                <p16:designElem xmlns:p16="http://schemas.microsoft.com/office/powerpoint/2015/main" val="1"/>
+              </p:ext>
+            </p:extLst>
+          </p:nvPr>
+        </p:nvSpPr>
+        <p:spPr>
+          <a:xfrm>
+            <a:off x="0" y="0"/>
+            <a:ext cx="12192000" cy="6858000"/>
+          </a:xfrm>
+          <a:prstGeom prst="rect">
+            <a:avLst/>
+          </a:prstGeom>
+          <a:solidFill>
+            <a:schemeClr val="bg2">
+              <a:lumMod val="90000"/>
+              <a:lumOff val="10000"/>
+            </a:schemeClr>
+          </a:solidFill>
+          <a:ln w="12700" cap="flat" cmpd="sng" algn="ctr">
+            <a:noFill/>
+            <a:prstDash val="solid"/>
+            <a:miter lim="800000"/>
+          </a:ln>
+          <a:effectLst/>
+        </p:spPr>
+        <p:style>
+          <a:lnRef idx="2">
+            <a:schemeClr val="accent1">
+              <a:shade val="50000"/>
+            </a:schemeClr>
+          </a:lnRef>
+          <a:fillRef idx="1">
+            <a:schemeClr val="accent1"/>
+          </a:fillRef>
+          <a:effectRef idx="0">
+            <a:schemeClr val="accent1"/>
+          </a:effectRef>
+          <a:fontRef idx="minor">
+            <a:schemeClr val="lt1"/>
+          </a:fontRef>
+        </p:style>
+        <p:txBody>
+          <a:bodyPr rtlCol="0" anchor="ctr"/>
+          <a:lstStyle/>
+          <a:p>
+            <a:pPr algn="ctr"/>
+            <a:endParaRPr lang="en-US"/>
+          </a:p>
+        </p:txBody>
+      </p:sp>
+      <p:sp useBgFill="1">
+        <p:nvSpPr>
+          <p:cNvPr id="30" name="Rectangle 29">
+            <a:extLst>
+              <a:ext uri="{FF2B5EF4-FFF2-40B4-BE49-F238E27FC236}">
+                <a16:creationId xmlns:a16="http://schemas.microsoft.com/office/drawing/2014/main" id="{AC5689C5-C365-4756-8748-420A638FDB70}"/>
+              </a:ext>
+              <a:ext uri="{C183D7F6-B498-43B3-948B-1728B52AA6E4}">
+                <adec:decorative xmlns:adec="http://schemas.microsoft.com/office/drawing/2017/decorative" val="1"/>
+              </a:ext>
+            </a:extLst>
+          </p:cNvPr>
+          <p:cNvSpPr>
+            <a:spLocks noGrp="1" noRot="1" noChangeAspect="1" noMove="1" noResize="1" noEditPoints="1" noAdjustHandles="1" noChangeArrowheads="1" noChangeShapeType="1" noTextEdit="1"/>
+          </p:cNvSpPr>
+          <p:nvPr>
+            <p:extLst>
+              <p:ext uri="{386F3935-93C4-4BCD-93E2-E3B085C9AB24}">
+                <p16:designElem xmlns:p16="http://schemas.microsoft.com/office/powerpoint/2015/main" val="1"/>
+              </p:ext>
+            </p:extLst>
+          </p:nvPr>
+        </p:nvSpPr>
+        <p:spPr>
+          <a:xfrm>
+            <a:off x="0" y="0"/>
+            <a:ext cx="12192000" cy="6858000"/>
+          </a:xfrm>
+          <a:prstGeom prst="rect">
+            <a:avLst/>
+          </a:prstGeom>
+          <a:ln w="12700" cap="flat" cmpd="sng" algn="ctr">
+            <a:noFill/>
+            <a:prstDash val="solid"/>
+            <a:miter lim="800000"/>
+          </a:ln>
+          <a:effectLst/>
+        </p:spPr>
+        <p:style>
+          <a:lnRef idx="2">
+            <a:schemeClr val="accent1">
+              <a:shade val="50000"/>
+            </a:schemeClr>
+          </a:lnRef>
+          <a:fillRef idx="1">
+            <a:schemeClr val="accent1"/>
+          </a:fillRef>
+          <a:effectRef idx="0">
+            <a:schemeClr val="accent1"/>
+          </a:effectRef>
+          <a:fontRef idx="minor">
+            <a:schemeClr val="lt1"/>
+          </a:fontRef>
+        </p:style>
+        <p:txBody>
+          <a:bodyPr rtlCol="0" anchor="ctr"/>
+          <a:lstStyle/>
+          <a:p>
+            <a:pPr algn="ctr"/>
+            <a:endParaRPr lang="en-US"/>
+          </a:p>
+        </p:txBody>
+      </p:sp>
+      <p:sp>
+        <p:nvSpPr>
+          <p:cNvPr id="32" name="Rectangle 31">
+            <a:extLst>
+              <a:ext uri="{FF2B5EF4-FFF2-40B4-BE49-F238E27FC236}">
+                <a16:creationId xmlns:a16="http://schemas.microsoft.com/office/drawing/2014/main" id="{D069FC84-C6C5-489C-A3A5-2AF7A7FA3FD9}"/>
+              </a:ext>
+              <a:ext uri="{C183D7F6-B498-43B3-948B-1728B52AA6E4}">
+                <adec:decorative xmlns:adec="http://schemas.microsoft.com/office/drawing/2017/decorative" val="1"/>
+              </a:ext>
+            </a:extLst>
+          </p:cNvPr>
+          <p:cNvSpPr>
+            <a:spLocks noGrp="1" noRot="1" noChangeAspect="1" noMove="1" noResize="1" noEditPoints="1" noAdjustHandles="1" noChangeArrowheads="1" noChangeShapeType="1" noTextEdit="1"/>
+          </p:cNvSpPr>
+          <p:nvPr>
+            <p:extLst>
+              <p:ext uri="{386F3935-93C4-4BCD-93E2-E3B085C9AB24}">
+                <p16:designElem xmlns:p16="http://schemas.microsoft.com/office/powerpoint/2015/main" val="1"/>
+              </p:ext>
+            </p:extLst>
+          </p:nvPr>
+        </p:nvSpPr>
+        <p:spPr>
+          <a:xfrm>
+            <a:off x="0" y="0"/>
+            <a:ext cx="12192000" cy="6858000"/>
+          </a:xfrm>
+          <a:prstGeom prst="rect">
+            <a:avLst/>
+          </a:prstGeom>
+          <a:solidFill>
+            <a:schemeClr val="bg2">
+              <a:lumMod val="90000"/>
+              <a:lumOff val="10000"/>
+            </a:schemeClr>
+          </a:solidFill>
+          <a:ln w="12700" cap="flat" cmpd="sng" algn="ctr">
+            <a:noFill/>
+            <a:prstDash val="solid"/>
+            <a:miter lim="800000"/>
+          </a:ln>
+          <a:effectLst/>
+        </p:spPr>
+        <p:style>
+          <a:lnRef idx="2">
+            <a:schemeClr val="accent1">
+              <a:shade val="50000"/>
+            </a:schemeClr>
+          </a:lnRef>
+          <a:fillRef idx="1">
+            <a:schemeClr val="accent1"/>
+          </a:fillRef>
+          <a:effectRef idx="0">
+            <a:schemeClr val="accent1"/>
+          </a:effectRef>
+          <a:fontRef idx="minor">
+            <a:schemeClr val="lt1"/>
+          </a:fontRef>
+        </p:style>
+        <p:txBody>
+          <a:bodyPr rtlCol="0" anchor="ctr"/>
+          <a:lstStyle/>
+          <a:p>
+            <a:pPr algn="ctr"/>
+            <a:endParaRPr lang="en-US"/>
+          </a:p>
+        </p:txBody>
+      </p:sp>
+      <p:sp>
+        <p:nvSpPr>
+          <p:cNvPr id="2" name="Title 1">
+            <a:extLst>
+              <a:ext uri="{FF2B5EF4-FFF2-40B4-BE49-F238E27FC236}">
+                <a16:creationId xmlns:a16="http://schemas.microsoft.com/office/drawing/2014/main" id="{44771783-BF6D-41DF-A1CF-02A2A27F1928}"/>
+              </a:ext>
+            </a:extLst>
+          </p:cNvPr>
+          <p:cNvSpPr>
+            <a:spLocks noGrp="1"/>
+          </p:cNvSpPr>
+          <p:nvPr>
+            <p:ph type="title"/>
+          </p:nvPr>
+        </p:nvSpPr>
+        <p:spPr>
+          <a:xfrm>
+            <a:off x="348524" y="967229"/>
+            <a:ext cx="5995125" cy="1542976"/>
+          </a:xfrm>
+        </p:spPr>
+        <p:txBody>
+          <a:bodyPr vert="horz" wrap="square" lIns="0" tIns="0" rIns="0" bIns="0" rtlCol="0" anchor="t" anchorCtr="0">
+            <a:normAutofit/>
+          </a:bodyPr>
+          <a:lstStyle/>
+          <a:p>
+            <a:r>
+              <a:rPr lang="en-US" sz="5400" spc="-100" dirty="0"/>
+              <a:t>Was </a:t>
+            </a:r>
+            <a:r>
+              <a:rPr lang="en-US" sz="5400" spc="-100" dirty="0" err="1"/>
+              <a:t>ist</a:t>
+            </a:r>
+            <a:r>
+              <a:rPr lang="en-US" sz="5400" spc="-100" dirty="0"/>
+              <a:t> </a:t>
+            </a:r>
+            <a:r>
+              <a:rPr lang="en-US" sz="5400" spc="-100" dirty="0" err="1"/>
+              <a:t>eine</a:t>
+            </a:r>
+            <a:r>
+              <a:rPr lang="en-US" sz="5400" spc="-100" dirty="0"/>
+              <a:t> Node?</a:t>
+            </a:r>
+          </a:p>
+        </p:txBody>
+      </p:sp>
+      <p:sp useBgFill="1">
+        <p:nvSpPr>
+          <p:cNvPr id="34" name="Freeform: Shape 33">
+            <a:extLst>
+              <a:ext uri="{FF2B5EF4-FFF2-40B4-BE49-F238E27FC236}">
+                <a16:creationId xmlns:a16="http://schemas.microsoft.com/office/drawing/2014/main" id="{4172FA92-6FD3-495F-95A0-4FD85861D89C}"/>
+              </a:ext>
+              <a:ext uri="{C183D7F6-B498-43B3-948B-1728B52AA6E4}">
+                <adec:decorative xmlns:adec="http://schemas.microsoft.com/office/drawing/2017/decorative" val="1"/>
+              </a:ext>
+            </a:extLst>
+          </p:cNvPr>
+          <p:cNvSpPr>
+            <a:spLocks noGrp="1" noRot="1" noChangeAspect="1" noMove="1" noResize="1" noEditPoints="1" noAdjustHandles="1" noChangeArrowheads="1" noChangeShapeType="1" noTextEdit="1"/>
+          </p:cNvSpPr>
+          <p:nvPr>
+            <p:extLst>
+              <p:ext uri="{386F3935-93C4-4BCD-93E2-E3B085C9AB24}">
+                <p16:designElem xmlns:p16="http://schemas.microsoft.com/office/powerpoint/2015/main" val="1"/>
+              </p:ext>
+            </p:extLst>
+          </p:nvPr>
+        </p:nvSpPr>
+        <p:spPr>
+          <a:xfrm>
+            <a:off x="500" y="2427176"/>
+            <a:ext cx="12191501" cy="4430825"/>
+          </a:xfrm>
+          <a:custGeom>
+            <a:avLst/>
+            <a:gdLst>
+              <a:gd name="connsiteX0" fmla="*/ 9255953 w 12191501"/>
+              <a:gd name="connsiteY0" fmla="*/ 0 h 4430825"/>
+              <a:gd name="connsiteX1" fmla="*/ 10762189 w 12191501"/>
+              <a:gd name="connsiteY1" fmla="*/ 67992 h 4430825"/>
+              <a:gd name="connsiteX2" fmla="*/ 11364025 w 12191501"/>
+              <a:gd name="connsiteY2" fmla="*/ 57486 h 4430825"/>
+              <a:gd name="connsiteX3" fmla="*/ 12096632 w 12191501"/>
+              <a:gd name="connsiteY3" fmla="*/ 44699 h 4430825"/>
+              <a:gd name="connsiteX4" fmla="*/ 12191501 w 12191501"/>
+              <a:gd name="connsiteY4" fmla="*/ 43042 h 4430825"/>
+              <a:gd name="connsiteX5" fmla="*/ 12191501 w 12191501"/>
+              <a:gd name="connsiteY5" fmla="*/ 4430825 h 4430825"/>
+              <a:gd name="connsiteX6" fmla="*/ 0 w 12191501"/>
+              <a:gd name="connsiteY6" fmla="*/ 4430825 h 4430825"/>
+              <a:gd name="connsiteX7" fmla="*/ 10182 w 12191501"/>
+              <a:gd name="connsiteY7" fmla="*/ 95053 h 4430825"/>
+              <a:gd name="connsiteX8" fmla="*/ 70972 w 12191501"/>
+              <a:gd name="connsiteY8" fmla="*/ 97164 h 4430825"/>
+              <a:gd name="connsiteX9" fmla="*/ 1281624 w 12191501"/>
+              <a:gd name="connsiteY9" fmla="*/ 139193 h 4430825"/>
+              <a:gd name="connsiteX10" fmla="*/ 2485297 w 12191501"/>
+              <a:gd name="connsiteY10" fmla="*/ 118183 h 4430825"/>
+              <a:gd name="connsiteX11" fmla="*/ 3237591 w 12191501"/>
+              <a:gd name="connsiteY11" fmla="*/ 105051 h 4430825"/>
+              <a:gd name="connsiteX12" fmla="*/ 3989887 w 12191501"/>
+              <a:gd name="connsiteY12" fmla="*/ 91920 h 4430825"/>
+              <a:gd name="connsiteX13" fmla="*/ 9255953 w 12191501"/>
+              <a:gd name="connsiteY13" fmla="*/ 0 h 4430825"/>
+            </a:gdLst>
+            <a:ahLst/>
+            <a:cxnLst>
+              <a:cxn ang="0">
+                <a:pos x="connsiteX0" y="connsiteY0"/>
+              </a:cxn>
+              <a:cxn ang="0">
+                <a:pos x="connsiteX1" y="connsiteY1"/>
+              </a:cxn>
+              <a:cxn ang="0">
+                <a:pos x="connsiteX2" y="connsiteY2"/>
+              </a:cxn>
+              <a:cxn ang="0">
+                <a:pos x="connsiteX3" y="connsiteY3"/>
+              </a:cxn>
+              <a:cxn ang="0">
+                <a:pos x="connsiteX4" y="connsiteY4"/>
+              </a:cxn>
+              <a:cxn ang="0">
+                <a:pos x="connsiteX5" y="connsiteY5"/>
+              </a:cxn>
+              <a:cxn ang="0">
+                <a:pos x="connsiteX6" y="connsiteY6"/>
+              </a:cxn>
+              <a:cxn ang="0">
+                <a:pos x="connsiteX7" y="connsiteY7"/>
+              </a:cxn>
+              <a:cxn ang="0">
+                <a:pos x="connsiteX8" y="connsiteY8"/>
+              </a:cxn>
+              <a:cxn ang="0">
+                <a:pos x="connsiteX9" y="connsiteY9"/>
+              </a:cxn>
+              <a:cxn ang="0">
+                <a:pos x="connsiteX10" y="connsiteY10"/>
+              </a:cxn>
+              <a:cxn ang="0">
+                <a:pos x="connsiteX11" y="connsiteY11"/>
+              </a:cxn>
+              <a:cxn ang="0">
+                <a:pos x="connsiteX12" y="connsiteY12"/>
+              </a:cxn>
+              <a:cxn ang="0">
+                <a:pos x="connsiteX13" y="connsiteY13"/>
+              </a:cxn>
+            </a:cxnLst>
+            <a:rect l="l" t="t" r="r" b="b"/>
+            <a:pathLst>
+              <a:path w="12191501" h="4430825">
+                <a:moveTo>
+                  <a:pt x="9255953" y="0"/>
+                </a:moveTo>
+                <a:cubicBezTo>
+                  <a:pt x="10762189" y="67992"/>
+                  <a:pt x="10762189" y="67992"/>
+                  <a:pt x="10762189" y="67992"/>
+                </a:cubicBezTo>
+                <a:cubicBezTo>
+                  <a:pt x="11364025" y="57486"/>
+                  <a:pt x="11364025" y="57486"/>
+                  <a:pt x="11364025" y="57486"/>
+                </a:cubicBezTo>
+                <a:cubicBezTo>
+                  <a:pt x="11589714" y="53547"/>
+                  <a:pt x="11836561" y="49238"/>
+                  <a:pt x="12096632" y="44699"/>
+                </a:cubicBezTo>
+                <a:lnTo>
+                  <a:pt x="12191501" y="43042"/>
+                </a:lnTo>
+                <a:lnTo>
+                  <a:pt x="12191501" y="4430825"/>
+                </a:lnTo>
+                <a:lnTo>
+                  <a:pt x="0" y="4430825"/>
+                </a:lnTo>
+                <a:lnTo>
+                  <a:pt x="10182" y="95053"/>
+                </a:lnTo>
+                <a:lnTo>
+                  <a:pt x="70972" y="97164"/>
+                </a:lnTo>
+                <a:cubicBezTo>
+                  <a:pt x="1281624" y="139193"/>
+                  <a:pt x="1281624" y="139193"/>
+                  <a:pt x="1281624" y="139193"/>
+                </a:cubicBezTo>
+                <a:cubicBezTo>
+                  <a:pt x="2485297" y="118183"/>
+                  <a:pt x="2485297" y="118183"/>
+                  <a:pt x="2485297" y="118183"/>
+                </a:cubicBezTo>
+                <a:cubicBezTo>
+                  <a:pt x="2786215" y="112930"/>
+                  <a:pt x="2936672" y="110304"/>
+                  <a:pt x="3237591" y="105051"/>
+                </a:cubicBezTo>
+                <a:cubicBezTo>
+                  <a:pt x="3538508" y="99800"/>
+                  <a:pt x="3839426" y="94546"/>
+                  <a:pt x="3989887" y="91920"/>
+                </a:cubicBezTo>
+                <a:cubicBezTo>
+                  <a:pt x="9255953" y="0"/>
+                  <a:pt x="9255953" y="0"/>
+                  <a:pt x="9255953" y="0"/>
+                </a:cubicBezTo>
+                <a:close/>
+              </a:path>
+            </a:pathLst>
+          </a:custGeom>
+          <a:ln w="12700" cap="flat" cmpd="sng" algn="ctr">
+            <a:noFill/>
+            <a:prstDash val="solid"/>
+            <a:miter lim="800000"/>
+          </a:ln>
+          <a:effectLst/>
+        </p:spPr>
+        <p:style>
+          <a:lnRef idx="2">
+            <a:schemeClr val="accent1">
+              <a:shade val="50000"/>
+            </a:schemeClr>
+          </a:lnRef>
+          <a:fillRef idx="1">
+            <a:schemeClr val="accent1"/>
+          </a:fillRef>
+          <a:effectRef idx="0">
+            <a:schemeClr val="accent1"/>
+          </a:effectRef>
+          <a:fontRef idx="minor">
+            <a:schemeClr val="lt1"/>
+          </a:fontRef>
+        </p:style>
+        <p:txBody>
+          <a:bodyPr wrap="square" rtlCol="0" anchor="ctr">
+            <a:noAutofit/>
+          </a:bodyPr>
+          <a:lstStyle/>
+          <a:p>
+            <a:pPr algn="ctr"/>
+            <a:endParaRPr lang="en-US">
+              <a:solidFill>
+                <a:schemeClr val="bg2"/>
+              </a:solidFill>
+            </a:endParaRPr>
+          </a:p>
+        </p:txBody>
+      </p:sp>
+      <p:pic>
+        <p:nvPicPr>
+          <p:cNvPr id="12" name="Picture 11">
+            <a:extLst>
+              <a:ext uri="{FF2B5EF4-FFF2-40B4-BE49-F238E27FC236}">
+                <a16:creationId xmlns:a16="http://schemas.microsoft.com/office/drawing/2014/main" id="{260D4D2C-4B3D-45DE-A27F-AFA14CA6C259}"/>
+              </a:ext>
+            </a:extLst>
+          </p:cNvPr>
+          <p:cNvPicPr>
+            <a:picLocks noChangeAspect="1"/>
+          </p:cNvPicPr>
+          <p:nvPr/>
+        </p:nvPicPr>
+        <p:blipFill>
+          <a:blip r:embed="rId2"/>
+          <a:stretch>
+            <a:fillRect/>
+          </a:stretch>
+        </p:blipFill>
+        <p:spPr>
+          <a:xfrm>
+            <a:off x="720000" y="4136209"/>
+            <a:ext cx="10728325" cy="1153294"/>
+          </a:xfrm>
+          <a:custGeom>
+            <a:avLst/>
+            <a:gdLst/>
+            <a:ahLst/>
+            <a:cxnLst/>
+            <a:rect l="l" t="t" r="r" b="b"/>
+            <a:pathLst>
+              <a:path w="10728325" h="3501162">
+                <a:moveTo>
+                  <a:pt x="0" y="0"/>
+                </a:moveTo>
+                <a:lnTo>
+                  <a:pt x="10728325" y="0"/>
+                </a:lnTo>
+                <a:lnTo>
+                  <a:pt x="10728325" y="3501162"/>
+                </a:lnTo>
+                <a:lnTo>
+                  <a:pt x="0" y="3501162"/>
+                </a:lnTo>
+                <a:close/>
+              </a:path>
+            </a:pathLst>
+          </a:custGeom>
+          <a:effectLst>
+            <a:softEdge rad="50800"/>
+          </a:effectLst>
+        </p:spPr>
+      </p:pic>
+      <p:pic>
+        <p:nvPicPr>
+          <p:cNvPr id="19" name="Picture 18">
+            <a:extLst>
+              <a:ext uri="{FF2B5EF4-FFF2-40B4-BE49-F238E27FC236}">
+                <a16:creationId xmlns:a16="http://schemas.microsoft.com/office/drawing/2014/main" id="{B140266D-63A1-4452-91D2-C103BF22D24B}"/>
+              </a:ext>
+            </a:extLst>
+          </p:cNvPr>
+          <p:cNvPicPr>
+            <a:picLocks noChangeAspect="1"/>
+          </p:cNvPicPr>
+          <p:nvPr/>
+        </p:nvPicPr>
+        <p:blipFill>
+          <a:blip r:embed="rId3"/>
+          <a:stretch>
+            <a:fillRect/>
+          </a:stretch>
+        </p:blipFill>
+        <p:spPr>
+          <a:xfrm>
+            <a:off x="7398844" y="233710"/>
+            <a:ext cx="3531988" cy="2107220"/>
+          </a:xfrm>
+          <a:prstGeom prst="rect">
+            <a:avLst/>
+          </a:prstGeom>
+          <a:effectLst>
+            <a:softEdge rad="152400"/>
+          </a:effectLst>
+        </p:spPr>
+      </p:pic>
+    </p:spTree>
+    <p:extLst>
+      <p:ext uri="{BB962C8B-B14F-4D97-AF65-F5344CB8AC3E}">
+        <p14:creationId xmlns:p14="http://schemas.microsoft.com/office/powerpoint/2010/main" val="215131199"/>
+      </p:ext>
+    </p:extLst>
+  </p:cSld>
+  <p:clrMapOvr>
+    <a:masterClrMapping/>
+  </p:clrMapOvr>
 </p:sld>
 </file>
 

--- a/Artifacts/Linked List.pptx
+++ b/Artifacts/Linked List.pptx
@@ -10,6 +10,7 @@
     <p:sldId id="258" r:id="rId4"/>
     <p:sldId id="259" r:id="rId5"/>
     <p:sldId id="260" r:id="rId6"/>
+    <p:sldId id="261" r:id="rId7"/>
   </p:sldIdLst>
   <p:sldSz cx="12192000" cy="6858000"/>
   <p:notesSz cx="6858000" cy="9144000"/>
@@ -8534,8 +8535,8 @@
         </p:nvSpPr>
         <p:spPr>
           <a:xfrm>
-            <a:off x="348524" y="967229"/>
-            <a:ext cx="5995125" cy="1542976"/>
+            <a:off x="-250641" y="717219"/>
+            <a:ext cx="7881076" cy="2004572"/>
           </a:xfrm>
         </p:spPr>
         <p:txBody>
@@ -8544,25 +8545,50 @@
           </a:bodyPr>
           <a:lstStyle/>
           <a:p>
-            <a:r>
-              <a:rPr lang="en-US" sz="5400" spc="-100" dirty="0"/>
+            <a:pPr algn="ctr"/>
+            <a:r>
+              <a:rPr lang="en-US" sz="4000" spc="-100" dirty="0"/>
               <a:t>Was </a:t>
             </a:r>
             <a:r>
-              <a:rPr lang="en-US" sz="5400" spc="-100" dirty="0" err="1"/>
+              <a:rPr lang="en-US" sz="4000" spc="-100" dirty="0" err="1"/>
               <a:t>ist</a:t>
             </a:r>
             <a:r>
-              <a:rPr lang="en-US" sz="5400" spc="-100" dirty="0"/>
+              <a:rPr lang="en-US" sz="4000" spc="-100" dirty="0"/>
               <a:t> </a:t>
             </a:r>
             <a:r>
-              <a:rPr lang="en-US" sz="5400" spc="-100" dirty="0" err="1"/>
+              <a:rPr lang="en-US" sz="4000" spc="-100" dirty="0" err="1"/>
               <a:t>eine</a:t>
             </a:r>
             <a:r>
-              <a:rPr lang="en-US" sz="5400" spc="-100" dirty="0"/>
-              <a:t> Node?</a:t>
+              <a:rPr lang="en-US" sz="4000" spc="-100" dirty="0"/>
+              <a:t> Node und </a:t>
+            </a:r>
+            <a:r>
+              <a:rPr lang="en-US" sz="4000" spc="-100" dirty="0" err="1"/>
+              <a:t>wie</a:t>
+            </a:r>
+            <a:r>
+              <a:rPr lang="en-US" sz="4000" spc="-100" dirty="0"/>
+              <a:t> </a:t>
+            </a:r>
+            <a:r>
+              <a:rPr lang="en-US" sz="4000" spc="-100" dirty="0" err="1"/>
+              <a:t>funktioniert</a:t>
+            </a:r>
+            <a:r>
+              <a:rPr lang="en-US" sz="4000" spc="-100" dirty="0"/>
+              <a:t> </a:t>
+            </a:r>
+            <a:r>
+              <a:rPr lang="en-US" sz="4000" spc="-100" dirty="0" err="1"/>
+              <a:t>sie</a:t>
+            </a:r>
+            <a:r>
+              <a:rPr lang="en-US" sz="4000" spc="-100" dirty="0"/>
+              <a:t>?</a:t>
             </a:r>
           </a:p>
         </p:txBody>
@@ -8851,14 +8877,14 @@
         </p:blipFill>
         <p:spPr>
           <a:xfrm>
-            <a:off x="7398844" y="233710"/>
+            <a:off x="7379794" y="214660"/>
             <a:ext cx="3531988" cy="2107220"/>
           </a:xfrm>
           <a:prstGeom prst="rect">
             <a:avLst/>
           </a:prstGeom>
           <a:effectLst>
-            <a:softEdge rad="152400"/>
+            <a:softEdge rad="76200"/>
           </a:effectLst>
         </p:spPr>
       </p:pic>
@@ -8872,6 +8898,273 @@
   <p:clrMapOvr>
     <a:masterClrMapping/>
   </p:clrMapOvr>
+</p:sld>
+</file>
+
+<file path=ppt/slides/slide6.xml><?xml version="1.0" encoding="utf-8"?>
+<p:sld xmlns:a="http://schemas.openxmlformats.org/drawingml/2006/main" xmlns:r="http://schemas.openxmlformats.org/officeDocument/2006/relationships" xmlns:p="http://schemas.openxmlformats.org/presentationml/2006/main">
+  <p:cSld>
+    <p:spTree>
+      <p:nvGrpSpPr>
+        <p:cNvPr id="1" name=""/>
+        <p:cNvGrpSpPr/>
+        <p:nvPr/>
+      </p:nvGrpSpPr>
+      <p:grpSpPr>
+        <a:xfrm>
+          <a:off x="0" y="0"/>
+          <a:ext cx="0" cy="0"/>
+          <a:chOff x="0" y="0"/>
+          <a:chExt cx="0" cy="0"/>
+        </a:xfrm>
+      </p:grpSpPr>
+      <p:sp>
+        <p:nvSpPr>
+          <p:cNvPr id="2" name="Title 1">
+            <a:extLst>
+              <a:ext uri="{FF2B5EF4-FFF2-40B4-BE49-F238E27FC236}">
+                <a16:creationId xmlns:a16="http://schemas.microsoft.com/office/drawing/2014/main" id="{DDF81361-924B-4939-BB3C-EE7653B5AE6E}"/>
+              </a:ext>
+            </a:extLst>
+          </p:cNvPr>
+          <p:cNvSpPr>
+            <a:spLocks noGrp="1"/>
+          </p:cNvSpPr>
+          <p:nvPr>
+            <p:ph type="title"/>
+          </p:nvPr>
+        </p:nvSpPr>
+        <p:spPr>
+          <a:xfrm>
+            <a:off x="4377600" y="924000"/>
+            <a:ext cx="3270975" cy="780975"/>
+          </a:xfrm>
+        </p:spPr>
+        <p:txBody>
+          <a:bodyPr/>
+          <a:lstStyle/>
+          <a:p>
+            <a:r>
+              <a:rPr lang="de-AT" dirty="0"/>
+              <a:t>Little </a:t>
+            </a:r>
+            <a:r>
+              <a:rPr lang="de-AT" dirty="0" err="1"/>
+              <a:t>Example</a:t>
+            </a:r>
+            <a:r>
+              <a:rPr lang="de-AT" dirty="0"/>
+              <a:t>: </a:t>
+            </a:r>
+          </a:p>
+        </p:txBody>
+      </p:sp>
+      <p:pic>
+        <p:nvPicPr>
+          <p:cNvPr id="5" name="Picture 4">
+            <a:extLst>
+              <a:ext uri="{FF2B5EF4-FFF2-40B4-BE49-F238E27FC236}">
+                <a16:creationId xmlns:a16="http://schemas.microsoft.com/office/drawing/2014/main" id="{B90DE6D4-B273-4B2F-B4A9-2C5FB0C003B6}"/>
+              </a:ext>
+            </a:extLst>
+          </p:cNvPr>
+          <p:cNvPicPr>
+            <a:picLocks noChangeAspect="1"/>
+          </p:cNvPicPr>
+          <p:nvPr/>
+        </p:nvPicPr>
+        <p:blipFill>
+          <a:blip r:embed="rId2"/>
+          <a:stretch>
+            <a:fillRect/>
+          </a:stretch>
+        </p:blipFill>
+        <p:spPr>
+          <a:xfrm>
+            <a:off x="580976" y="1676475"/>
+            <a:ext cx="2598664" cy="1504950"/>
+          </a:xfrm>
+          <a:prstGeom prst="rect">
+            <a:avLst/>
+          </a:prstGeom>
+        </p:spPr>
+      </p:pic>
+      <p:pic>
+        <p:nvPicPr>
+          <p:cNvPr id="7" name="Picture 6">
+            <a:extLst>
+              <a:ext uri="{FF2B5EF4-FFF2-40B4-BE49-F238E27FC236}">
+                <a16:creationId xmlns:a16="http://schemas.microsoft.com/office/drawing/2014/main" id="{5A4DF3FE-48EF-40BC-96E1-86DD869C5D81}"/>
+              </a:ext>
+            </a:extLst>
+          </p:cNvPr>
+          <p:cNvPicPr>
+            <a:picLocks noChangeAspect="1"/>
+          </p:cNvPicPr>
+          <p:nvPr/>
+        </p:nvPicPr>
+        <p:blipFill>
+          <a:blip r:embed="rId3"/>
+          <a:stretch>
+            <a:fillRect/>
+          </a:stretch>
+        </p:blipFill>
+        <p:spPr>
+          <a:xfrm>
+            <a:off x="3968670" y="1676475"/>
+            <a:ext cx="3092609" cy="1587582"/>
+          </a:xfrm>
+          <a:prstGeom prst="rect">
+            <a:avLst/>
+          </a:prstGeom>
+        </p:spPr>
+      </p:pic>
+    </p:spTree>
+    <p:extLst>
+      <p:ext uri="{BB962C8B-B14F-4D97-AF65-F5344CB8AC3E}">
+        <p14:creationId xmlns:p14="http://schemas.microsoft.com/office/powerpoint/2010/main" val="2842612846"/>
+      </p:ext>
+    </p:extLst>
+  </p:cSld>
+  <p:clrMapOvr>
+    <a:masterClrMapping/>
+  </p:clrMapOvr>
+  <p:timing>
+    <p:tnLst>
+      <p:par>
+        <p:cTn id="1" dur="indefinite" restart="never" nodeType="tmRoot">
+          <p:childTnLst>
+            <p:seq concurrent="1" nextAc="seek">
+              <p:cTn id="2" dur="indefinite" nodeType="mainSeq">
+                <p:childTnLst>
+                  <p:par>
+                    <p:cTn id="3" fill="hold">
+                      <p:stCondLst>
+                        <p:cond delay="indefinite"/>
+                      </p:stCondLst>
+                      <p:childTnLst>
+                        <p:par>
+                          <p:cTn id="4" fill="hold">
+                            <p:stCondLst>
+                              <p:cond delay="0"/>
+                            </p:stCondLst>
+                            <p:childTnLst>
+                              <p:par>
+                                <p:cTn id="5" presetID="10" presetClass="entr" presetSubtype="0" fill="hold" nodeType="clickEffect">
+                                  <p:stCondLst>
+                                    <p:cond delay="0"/>
+                                  </p:stCondLst>
+                                  <p:childTnLst>
+                                    <p:set>
+                                      <p:cBhvr>
+                                        <p:cTn id="6" dur="1" fill="hold">
+                                          <p:stCondLst>
+                                            <p:cond delay="0"/>
+                                          </p:stCondLst>
+                                        </p:cTn>
+                                        <p:tgtEl>
+                                          <p:spTgt spid="5"/>
+                                        </p:tgtEl>
+                                        <p:attrNameLst>
+                                          <p:attrName>style.visibility</p:attrName>
+                                        </p:attrNameLst>
+                                      </p:cBhvr>
+                                      <p:to>
+                                        <p:strVal val="visible"/>
+                                      </p:to>
+                                    </p:set>
+                                    <p:animEffect transition="in" filter="fade">
+                                      <p:cBhvr>
+                                        <p:cTn id="7" dur="500"/>
+                                        <p:tgtEl>
+                                          <p:spTgt spid="5"/>
+                                        </p:tgtEl>
+                                      </p:cBhvr>
+                                    </p:animEffect>
+                                  </p:childTnLst>
+                                </p:cTn>
+                              </p:par>
+                            </p:childTnLst>
+                          </p:cTn>
+                        </p:par>
+                      </p:childTnLst>
+                    </p:cTn>
+                  </p:par>
+                  <p:par>
+                    <p:cTn id="8" fill="hold">
+                      <p:stCondLst>
+                        <p:cond delay="indefinite"/>
+                      </p:stCondLst>
+                      <p:childTnLst>
+                        <p:par>
+                          <p:cTn id="9" fill="hold">
+                            <p:stCondLst>
+                              <p:cond delay="0"/>
+                            </p:stCondLst>
+                            <p:childTnLst>
+                              <p:par>
+                                <p:cTn id="10" presetID="10" presetClass="entr" presetSubtype="0" fill="hold" nodeType="clickEffect">
+                                  <p:stCondLst>
+                                    <p:cond delay="0"/>
+                                  </p:stCondLst>
+                                  <p:childTnLst>
+                                    <p:set>
+                                      <p:cBhvr>
+                                        <p:cTn id="11" dur="1" fill="hold">
+                                          <p:stCondLst>
+                                            <p:cond delay="0"/>
+                                          </p:stCondLst>
+                                        </p:cTn>
+                                        <p:tgtEl>
+                                          <p:spTgt spid="7"/>
+                                        </p:tgtEl>
+                                        <p:attrNameLst>
+                                          <p:attrName>style.visibility</p:attrName>
+                                        </p:attrNameLst>
+                                      </p:cBhvr>
+                                      <p:to>
+                                        <p:strVal val="visible"/>
+                                      </p:to>
+                                    </p:set>
+                                    <p:animEffect transition="in" filter="fade">
+                                      <p:cBhvr>
+                                        <p:cTn id="12" dur="500"/>
+                                        <p:tgtEl>
+                                          <p:spTgt spid="7"/>
+                                        </p:tgtEl>
+                                      </p:cBhvr>
+                                    </p:animEffect>
+                                  </p:childTnLst>
+                                </p:cTn>
+                              </p:par>
+                            </p:childTnLst>
+                          </p:cTn>
+                        </p:par>
+                      </p:childTnLst>
+                    </p:cTn>
+                  </p:par>
+                </p:childTnLst>
+              </p:cTn>
+              <p:prevCondLst>
+                <p:cond evt="onPrev" delay="0">
+                  <p:tgtEl>
+                    <p:sldTgt/>
+                  </p:tgtEl>
+                </p:cond>
+              </p:prevCondLst>
+              <p:nextCondLst>
+                <p:cond evt="onNext" delay="0">
+                  <p:tgtEl>
+                    <p:sldTgt/>
+                  </p:tgtEl>
+                </p:cond>
+              </p:nextCondLst>
+            </p:seq>
+          </p:childTnLst>
+        </p:cTn>
+      </p:par>
+    </p:tnLst>
+  </p:timing>
 </p:sld>
 </file>
 

--- a/Artifacts/Linked List.pptx
+++ b/Artifacts/Linked List.pptx
@@ -11,6 +11,8 @@
     <p:sldId id="259" r:id="rId5"/>
     <p:sldId id="260" r:id="rId6"/>
     <p:sldId id="261" r:id="rId7"/>
+    <p:sldId id="262" r:id="rId8"/>
+    <p:sldId id="263" r:id="rId9"/>
   </p:sldIdLst>
   <p:sldSz cx="12192000" cy="6858000"/>
   <p:notesSz cx="6858000" cy="9144000"/>
@@ -8936,7 +8938,7 @@
         </p:nvSpPr>
         <p:spPr>
           <a:xfrm>
-            <a:off x="4377600" y="924000"/>
+            <a:off x="4306129" y="543000"/>
             <a:ext cx="3270975" cy="780975"/>
           </a:xfrm>
         </p:spPr>
@@ -8981,8 +8983,8 @@
         </p:blipFill>
         <p:spPr>
           <a:xfrm>
-            <a:off x="580976" y="1676475"/>
-            <a:ext cx="2598664" cy="1504950"/>
+            <a:off x="514529" y="1676475"/>
+            <a:ext cx="3026163" cy="1752525"/>
           </a:xfrm>
           <a:prstGeom prst="rect">
             <a:avLst/>
@@ -9011,14 +9013,284 @@
         </p:blipFill>
         <p:spPr>
           <a:xfrm>
-            <a:off x="3968670" y="1676475"/>
-            <a:ext cx="3092609" cy="1587582"/>
+            <a:off x="4234659" y="1676474"/>
+            <a:ext cx="3413916" cy="1752524"/>
           </a:xfrm>
           <a:prstGeom prst="rect">
             <a:avLst/>
           </a:prstGeom>
         </p:spPr>
       </p:pic>
+      <p:cxnSp>
+        <p:nvCxnSpPr>
+          <p:cNvPr id="4" name="Straight Arrow Connector 3">
+            <a:extLst>
+              <a:ext uri="{FF2B5EF4-FFF2-40B4-BE49-F238E27FC236}">
+                <a16:creationId xmlns:a16="http://schemas.microsoft.com/office/drawing/2014/main" id="{547321E7-3A15-4573-8322-6813FF13F1C3}"/>
+              </a:ext>
+            </a:extLst>
+          </p:cNvPr>
+          <p:cNvCxnSpPr>
+            <a:stCxn id="5" idx="3"/>
+            <a:endCxn id="7" idx="1"/>
+          </p:cNvCxnSpPr>
+          <p:nvPr/>
+        </p:nvCxnSpPr>
+        <p:spPr>
+          <a:xfrm flipV="1">
+            <a:off x="3540692" y="2552736"/>
+            <a:ext cx="693967" cy="2"/>
+          </a:xfrm>
+          <a:prstGeom prst="straightConnector1">
+            <a:avLst/>
+          </a:prstGeom>
+          <a:ln>
+            <a:solidFill>
+              <a:srgbClr val="FF0000"/>
+            </a:solidFill>
+            <a:tailEnd type="triangle"/>
+          </a:ln>
+        </p:spPr>
+        <p:style>
+          <a:lnRef idx="1">
+            <a:schemeClr val="accent1"/>
+          </a:lnRef>
+          <a:fillRef idx="0">
+            <a:schemeClr val="accent1"/>
+          </a:fillRef>
+          <a:effectRef idx="0">
+            <a:schemeClr val="accent1"/>
+          </a:effectRef>
+          <a:fontRef idx="minor">
+            <a:schemeClr val="tx1"/>
+          </a:fontRef>
+        </p:style>
+      </p:cxnSp>
+      <p:pic>
+        <p:nvPicPr>
+          <p:cNvPr id="9" name="Picture 8">
+            <a:extLst>
+              <a:ext uri="{FF2B5EF4-FFF2-40B4-BE49-F238E27FC236}">
+                <a16:creationId xmlns:a16="http://schemas.microsoft.com/office/drawing/2014/main" id="{B3E01832-5452-4765-B67E-BFF3DC2AB0DF}"/>
+              </a:ext>
+            </a:extLst>
+          </p:cNvPr>
+          <p:cNvPicPr>
+            <a:picLocks noChangeAspect="1"/>
+          </p:cNvPicPr>
+          <p:nvPr/>
+        </p:nvPicPr>
+        <p:blipFill>
+          <a:blip r:embed="rId4"/>
+          <a:stretch>
+            <a:fillRect/>
+          </a:stretch>
+        </p:blipFill>
+        <p:spPr>
+          <a:xfrm>
+            <a:off x="8880431" y="1676473"/>
+            <a:ext cx="2797040" cy="1752524"/>
+          </a:xfrm>
+          <a:prstGeom prst="rect">
+            <a:avLst/>
+          </a:prstGeom>
+        </p:spPr>
+      </p:pic>
+      <p:cxnSp>
+        <p:nvCxnSpPr>
+          <p:cNvPr id="14" name="Straight Arrow Connector 13">
+            <a:extLst>
+              <a:ext uri="{FF2B5EF4-FFF2-40B4-BE49-F238E27FC236}">
+                <a16:creationId xmlns:a16="http://schemas.microsoft.com/office/drawing/2014/main" id="{3EF7C753-06F2-41C6-8605-BEB3DD6D8207}"/>
+              </a:ext>
+            </a:extLst>
+          </p:cNvPr>
+          <p:cNvCxnSpPr>
+            <a:stCxn id="7" idx="3"/>
+            <a:endCxn id="9" idx="1"/>
+          </p:cNvCxnSpPr>
+          <p:nvPr/>
+        </p:nvCxnSpPr>
+        <p:spPr>
+          <a:xfrm flipV="1">
+            <a:off x="7648575" y="2552735"/>
+            <a:ext cx="1231856" cy="1"/>
+          </a:xfrm>
+          <a:prstGeom prst="straightConnector1">
+            <a:avLst/>
+          </a:prstGeom>
+          <a:ln>
+            <a:solidFill>
+              <a:srgbClr val="FF0000"/>
+            </a:solidFill>
+            <a:tailEnd type="triangle"/>
+          </a:ln>
+        </p:spPr>
+        <p:style>
+          <a:lnRef idx="1">
+            <a:schemeClr val="accent1"/>
+          </a:lnRef>
+          <a:fillRef idx="0">
+            <a:schemeClr val="accent1"/>
+          </a:fillRef>
+          <a:effectRef idx="0">
+            <a:schemeClr val="accent1"/>
+          </a:effectRef>
+          <a:fontRef idx="minor">
+            <a:schemeClr val="tx1"/>
+          </a:fontRef>
+        </p:style>
+      </p:cxnSp>
+      <p:pic>
+        <p:nvPicPr>
+          <p:cNvPr id="16" name="Picture 15">
+            <a:extLst>
+              <a:ext uri="{FF2B5EF4-FFF2-40B4-BE49-F238E27FC236}">
+                <a16:creationId xmlns:a16="http://schemas.microsoft.com/office/drawing/2014/main" id="{6FE5A535-BBB0-4828-B4EA-D01AAC1D6B07}"/>
+              </a:ext>
+            </a:extLst>
+          </p:cNvPr>
+          <p:cNvPicPr>
+            <a:picLocks noChangeAspect="1"/>
+          </p:cNvPicPr>
+          <p:nvPr/>
+        </p:nvPicPr>
+        <p:blipFill>
+          <a:blip r:embed="rId5"/>
+          <a:stretch>
+            <a:fillRect/>
+          </a:stretch>
+        </p:blipFill>
+        <p:spPr>
+          <a:xfrm>
+            <a:off x="8880431" y="4386945"/>
+            <a:ext cx="2797040" cy="1752524"/>
+          </a:xfrm>
+          <a:prstGeom prst="rect">
+            <a:avLst/>
+          </a:prstGeom>
+        </p:spPr>
+      </p:pic>
+      <p:cxnSp>
+        <p:nvCxnSpPr>
+          <p:cNvPr id="25" name="Straight Arrow Connector 24">
+            <a:extLst>
+              <a:ext uri="{FF2B5EF4-FFF2-40B4-BE49-F238E27FC236}">
+                <a16:creationId xmlns:a16="http://schemas.microsoft.com/office/drawing/2014/main" id="{CB473355-0176-49A4-A7D4-B63DD47C6656}"/>
+              </a:ext>
+            </a:extLst>
+          </p:cNvPr>
+          <p:cNvCxnSpPr>
+            <a:stCxn id="9" idx="2"/>
+            <a:endCxn id="16" idx="0"/>
+          </p:cNvCxnSpPr>
+          <p:nvPr/>
+        </p:nvCxnSpPr>
+        <p:spPr>
+          <a:xfrm>
+            <a:off x="10278951" y="3428997"/>
+            <a:ext cx="0" cy="957948"/>
+          </a:xfrm>
+          <a:prstGeom prst="straightConnector1">
+            <a:avLst/>
+          </a:prstGeom>
+          <a:ln>
+            <a:solidFill>
+              <a:srgbClr val="FF0000"/>
+            </a:solidFill>
+            <a:tailEnd type="triangle"/>
+          </a:ln>
+        </p:spPr>
+        <p:style>
+          <a:lnRef idx="1">
+            <a:schemeClr val="accent1"/>
+          </a:lnRef>
+          <a:fillRef idx="0">
+            <a:schemeClr val="accent1"/>
+          </a:fillRef>
+          <a:effectRef idx="0">
+            <a:schemeClr val="accent1"/>
+          </a:effectRef>
+          <a:fontRef idx="minor">
+            <a:schemeClr val="tx1"/>
+          </a:fontRef>
+        </p:style>
+      </p:cxnSp>
+      <p:pic>
+        <p:nvPicPr>
+          <p:cNvPr id="30" name="Picture 29">
+            <a:extLst>
+              <a:ext uri="{FF2B5EF4-FFF2-40B4-BE49-F238E27FC236}">
+                <a16:creationId xmlns:a16="http://schemas.microsoft.com/office/drawing/2014/main" id="{3DD7D393-7BF7-473A-AA8C-CC717EB6BAE9}"/>
+              </a:ext>
+            </a:extLst>
+          </p:cNvPr>
+          <p:cNvPicPr>
+            <a:picLocks noChangeAspect="1"/>
+          </p:cNvPicPr>
+          <p:nvPr/>
+        </p:nvPicPr>
+        <p:blipFill>
+          <a:blip r:embed="rId6"/>
+          <a:stretch>
+            <a:fillRect/>
+          </a:stretch>
+        </p:blipFill>
+        <p:spPr>
+          <a:xfrm>
+            <a:off x="4716003" y="4075696"/>
+            <a:ext cx="2451226" cy="2375022"/>
+          </a:xfrm>
+          <a:prstGeom prst="rect">
+            <a:avLst/>
+          </a:prstGeom>
+        </p:spPr>
+      </p:pic>
+      <p:cxnSp>
+        <p:nvCxnSpPr>
+          <p:cNvPr id="32" name="Straight Arrow Connector 31">
+            <a:extLst>
+              <a:ext uri="{FF2B5EF4-FFF2-40B4-BE49-F238E27FC236}">
+                <a16:creationId xmlns:a16="http://schemas.microsoft.com/office/drawing/2014/main" id="{B16AF432-AAF4-446F-AD68-4B6F78911678}"/>
+              </a:ext>
+            </a:extLst>
+          </p:cNvPr>
+          <p:cNvCxnSpPr>
+            <a:stCxn id="16" idx="1"/>
+            <a:endCxn id="30" idx="3"/>
+          </p:cNvCxnSpPr>
+          <p:nvPr/>
+        </p:nvCxnSpPr>
+        <p:spPr>
+          <a:xfrm flipH="1">
+            <a:off x="7167229" y="5263207"/>
+            <a:ext cx="1713202" cy="0"/>
+          </a:xfrm>
+          <a:prstGeom prst="straightConnector1">
+            <a:avLst/>
+          </a:prstGeom>
+          <a:ln>
+            <a:solidFill>
+              <a:srgbClr val="FF0000"/>
+            </a:solidFill>
+            <a:tailEnd type="triangle"/>
+          </a:ln>
+        </p:spPr>
+        <p:style>
+          <a:lnRef idx="1">
+            <a:schemeClr val="accent1"/>
+          </a:lnRef>
+          <a:fillRef idx="0">
+            <a:schemeClr val="accent1"/>
+          </a:fillRef>
+          <a:effectRef idx="0">
+            <a:schemeClr val="accent1"/>
+          </a:effectRef>
+          <a:fontRef idx="minor">
+            <a:schemeClr val="tx1"/>
+          </a:fontRef>
+        </p:style>
+      </p:cxnSp>
     </p:spTree>
     <p:extLst>
       <p:ext uri="{BB962C8B-B14F-4D97-AF65-F5344CB8AC3E}">
@@ -9116,7 +9388,7 @@
                                           </p:stCondLst>
                                         </p:cTn>
                                         <p:tgtEl>
-                                          <p:spTgt spid="7"/>
+                                          <p:spTgt spid="4"/>
                                         </p:tgtEl>
                                         <p:attrNameLst>
                                           <p:attrName>style.visibility</p:attrName>
@@ -9130,7 +9402,378 @@
                                       <p:cBhvr>
                                         <p:cTn id="12" dur="500"/>
                                         <p:tgtEl>
+                                          <p:spTgt spid="4"/>
+                                        </p:tgtEl>
+                                      </p:cBhvr>
+                                    </p:animEffect>
+                                  </p:childTnLst>
+                                </p:cTn>
+                              </p:par>
+                            </p:childTnLst>
+                          </p:cTn>
+                        </p:par>
+                      </p:childTnLst>
+                    </p:cTn>
+                  </p:par>
+                  <p:par>
+                    <p:cTn id="13" fill="hold">
+                      <p:stCondLst>
+                        <p:cond delay="indefinite"/>
+                      </p:stCondLst>
+                      <p:childTnLst>
+                        <p:par>
+                          <p:cTn id="14" fill="hold">
+                            <p:stCondLst>
+                              <p:cond delay="0"/>
+                            </p:stCondLst>
+                            <p:childTnLst>
+                              <p:par>
+                                <p:cTn id="15" presetID="10" presetClass="entr" presetSubtype="0" fill="hold" nodeType="clickEffect">
+                                  <p:stCondLst>
+                                    <p:cond delay="0"/>
+                                  </p:stCondLst>
+                                  <p:childTnLst>
+                                    <p:set>
+                                      <p:cBhvr>
+                                        <p:cTn id="16" dur="1" fill="hold">
+                                          <p:stCondLst>
+                                            <p:cond delay="0"/>
+                                          </p:stCondLst>
+                                        </p:cTn>
+                                        <p:tgtEl>
                                           <p:spTgt spid="7"/>
+                                        </p:tgtEl>
+                                        <p:attrNameLst>
+                                          <p:attrName>style.visibility</p:attrName>
+                                        </p:attrNameLst>
+                                      </p:cBhvr>
+                                      <p:to>
+                                        <p:strVal val="visible"/>
+                                      </p:to>
+                                    </p:set>
+                                    <p:animEffect transition="in" filter="fade">
+                                      <p:cBhvr>
+                                        <p:cTn id="17" dur="500"/>
+                                        <p:tgtEl>
+                                          <p:spTgt spid="7"/>
+                                        </p:tgtEl>
+                                      </p:cBhvr>
+                                    </p:animEffect>
+                                  </p:childTnLst>
+                                </p:cTn>
+                              </p:par>
+                            </p:childTnLst>
+                          </p:cTn>
+                        </p:par>
+                      </p:childTnLst>
+                    </p:cTn>
+                  </p:par>
+                  <p:par>
+                    <p:cTn id="18" fill="hold">
+                      <p:stCondLst>
+                        <p:cond delay="indefinite"/>
+                      </p:stCondLst>
+                      <p:childTnLst>
+                        <p:par>
+                          <p:cTn id="19" fill="hold">
+                            <p:stCondLst>
+                              <p:cond delay="0"/>
+                            </p:stCondLst>
+                            <p:childTnLst>
+                              <p:par>
+                                <p:cTn id="20" presetID="10" presetClass="entr" presetSubtype="0" fill="hold" nodeType="clickEffect">
+                                  <p:stCondLst>
+                                    <p:cond delay="0"/>
+                                  </p:stCondLst>
+                                  <p:childTnLst>
+                                    <p:set>
+                                      <p:cBhvr>
+                                        <p:cTn id="21" dur="1" fill="hold">
+                                          <p:stCondLst>
+                                            <p:cond delay="0"/>
+                                          </p:stCondLst>
+                                        </p:cTn>
+                                        <p:tgtEl>
+                                          <p:spTgt spid="14"/>
+                                        </p:tgtEl>
+                                        <p:attrNameLst>
+                                          <p:attrName>style.visibility</p:attrName>
+                                        </p:attrNameLst>
+                                      </p:cBhvr>
+                                      <p:to>
+                                        <p:strVal val="visible"/>
+                                      </p:to>
+                                    </p:set>
+                                    <p:animEffect transition="in" filter="fade">
+                                      <p:cBhvr>
+                                        <p:cTn id="22" dur="500"/>
+                                        <p:tgtEl>
+                                          <p:spTgt spid="14"/>
+                                        </p:tgtEl>
+                                      </p:cBhvr>
+                                    </p:animEffect>
+                                  </p:childTnLst>
+                                </p:cTn>
+                              </p:par>
+                            </p:childTnLst>
+                          </p:cTn>
+                        </p:par>
+                      </p:childTnLst>
+                    </p:cTn>
+                  </p:par>
+                  <p:par>
+                    <p:cTn id="23" fill="hold">
+                      <p:stCondLst>
+                        <p:cond delay="indefinite"/>
+                      </p:stCondLst>
+                      <p:childTnLst>
+                        <p:par>
+                          <p:cTn id="24" fill="hold">
+                            <p:stCondLst>
+                              <p:cond delay="0"/>
+                            </p:stCondLst>
+                            <p:childTnLst>
+                              <p:par>
+                                <p:cTn id="25" presetID="10" presetClass="entr" presetSubtype="0" fill="hold" nodeType="clickEffect">
+                                  <p:stCondLst>
+                                    <p:cond delay="0"/>
+                                  </p:stCondLst>
+                                  <p:childTnLst>
+                                    <p:set>
+                                      <p:cBhvr>
+                                        <p:cTn id="26" dur="1" fill="hold">
+                                          <p:stCondLst>
+                                            <p:cond delay="0"/>
+                                          </p:stCondLst>
+                                        </p:cTn>
+                                        <p:tgtEl>
+                                          <p:spTgt spid="9"/>
+                                        </p:tgtEl>
+                                        <p:attrNameLst>
+                                          <p:attrName>style.visibility</p:attrName>
+                                        </p:attrNameLst>
+                                      </p:cBhvr>
+                                      <p:to>
+                                        <p:strVal val="visible"/>
+                                      </p:to>
+                                    </p:set>
+                                    <p:animEffect transition="in" filter="fade">
+                                      <p:cBhvr>
+                                        <p:cTn id="27" dur="500"/>
+                                        <p:tgtEl>
+                                          <p:spTgt spid="9"/>
+                                        </p:tgtEl>
+                                      </p:cBhvr>
+                                    </p:animEffect>
+                                  </p:childTnLst>
+                                </p:cTn>
+                              </p:par>
+                            </p:childTnLst>
+                          </p:cTn>
+                        </p:par>
+                      </p:childTnLst>
+                    </p:cTn>
+                  </p:par>
+                  <p:par>
+                    <p:cTn id="28" fill="hold">
+                      <p:stCondLst>
+                        <p:cond delay="indefinite"/>
+                      </p:stCondLst>
+                      <p:childTnLst>
+                        <p:par>
+                          <p:cTn id="29" fill="hold">
+                            <p:stCondLst>
+                              <p:cond delay="0"/>
+                            </p:stCondLst>
+                            <p:childTnLst>
+                              <p:par>
+                                <p:cTn id="30" presetID="10" presetClass="entr" presetSubtype="0" fill="hold" nodeType="clickEffect">
+                                  <p:stCondLst>
+                                    <p:cond delay="0"/>
+                                  </p:stCondLst>
+                                  <p:childTnLst>
+                                    <p:set>
+                                      <p:cBhvr>
+                                        <p:cTn id="31" dur="1" fill="hold">
+                                          <p:stCondLst>
+                                            <p:cond delay="0"/>
+                                          </p:stCondLst>
+                                        </p:cTn>
+                                        <p:tgtEl>
+                                          <p:spTgt spid="25"/>
+                                        </p:tgtEl>
+                                        <p:attrNameLst>
+                                          <p:attrName>style.visibility</p:attrName>
+                                        </p:attrNameLst>
+                                      </p:cBhvr>
+                                      <p:to>
+                                        <p:strVal val="visible"/>
+                                      </p:to>
+                                    </p:set>
+                                    <p:animEffect transition="in" filter="fade">
+                                      <p:cBhvr>
+                                        <p:cTn id="32" dur="500"/>
+                                        <p:tgtEl>
+                                          <p:spTgt spid="25"/>
+                                        </p:tgtEl>
+                                      </p:cBhvr>
+                                    </p:animEffect>
+                                  </p:childTnLst>
+                                </p:cTn>
+                              </p:par>
+                            </p:childTnLst>
+                          </p:cTn>
+                        </p:par>
+                      </p:childTnLst>
+                    </p:cTn>
+                  </p:par>
+                  <p:par>
+                    <p:cTn id="33" fill="hold">
+                      <p:stCondLst>
+                        <p:cond delay="indefinite"/>
+                      </p:stCondLst>
+                      <p:childTnLst>
+                        <p:par>
+                          <p:cTn id="34" fill="hold">
+                            <p:stCondLst>
+                              <p:cond delay="0"/>
+                            </p:stCondLst>
+                            <p:childTnLst>
+                              <p:par>
+                                <p:cTn id="35" presetID="10" presetClass="entr" presetSubtype="0" fill="hold" nodeType="clickEffect">
+                                  <p:stCondLst>
+                                    <p:cond delay="0"/>
+                                  </p:stCondLst>
+                                  <p:childTnLst>
+                                    <p:set>
+                                      <p:cBhvr>
+                                        <p:cTn id="36" dur="1" fill="hold">
+                                          <p:stCondLst>
+                                            <p:cond delay="0"/>
+                                          </p:stCondLst>
+                                        </p:cTn>
+                                        <p:tgtEl>
+                                          <p:spTgt spid="16"/>
+                                        </p:tgtEl>
+                                        <p:attrNameLst>
+                                          <p:attrName>style.visibility</p:attrName>
+                                        </p:attrNameLst>
+                                      </p:cBhvr>
+                                      <p:to>
+                                        <p:strVal val="visible"/>
+                                      </p:to>
+                                    </p:set>
+                                    <p:animEffect transition="in" filter="fade">
+                                      <p:cBhvr>
+                                        <p:cTn id="37" dur="500"/>
+                                        <p:tgtEl>
+                                          <p:spTgt spid="16"/>
+                                        </p:tgtEl>
+                                      </p:cBhvr>
+                                    </p:animEffect>
+                                  </p:childTnLst>
+                                </p:cTn>
+                              </p:par>
+                            </p:childTnLst>
+                          </p:cTn>
+                        </p:par>
+                      </p:childTnLst>
+                    </p:cTn>
+                  </p:par>
+                  <p:par>
+                    <p:cTn id="38" fill="hold">
+                      <p:stCondLst>
+                        <p:cond delay="indefinite"/>
+                      </p:stCondLst>
+                      <p:childTnLst>
+                        <p:par>
+                          <p:cTn id="39" fill="hold">
+                            <p:stCondLst>
+                              <p:cond delay="0"/>
+                            </p:stCondLst>
+                            <p:childTnLst>
+                              <p:par>
+                                <p:cTn id="40" presetID="10" presetClass="entr" presetSubtype="0" fill="hold" nodeType="clickEffect">
+                                  <p:stCondLst>
+                                    <p:cond delay="0"/>
+                                  </p:stCondLst>
+                                  <p:childTnLst>
+                                    <p:set>
+                                      <p:cBhvr>
+                                        <p:cTn id="41" dur="1" fill="hold">
+                                          <p:stCondLst>
+                                            <p:cond delay="0"/>
+                                          </p:stCondLst>
+                                        </p:cTn>
+                                        <p:tgtEl>
+                                          <p:spTgt spid="32"/>
+                                        </p:tgtEl>
+                                        <p:attrNameLst>
+                                          <p:attrName>style.visibility</p:attrName>
+                                        </p:attrNameLst>
+                                      </p:cBhvr>
+                                      <p:to>
+                                        <p:strVal val="visible"/>
+                                      </p:to>
+                                    </p:set>
+                                    <p:animEffect transition="in" filter="fade">
+                                      <p:cBhvr>
+                                        <p:cTn id="42" dur="500"/>
+                                        <p:tgtEl>
+                                          <p:spTgt spid="32"/>
+                                        </p:tgtEl>
+                                      </p:cBhvr>
+                                    </p:animEffect>
+                                  </p:childTnLst>
+                                </p:cTn>
+                              </p:par>
+                            </p:childTnLst>
+                          </p:cTn>
+                        </p:par>
+                      </p:childTnLst>
+                    </p:cTn>
+                  </p:par>
+                  <p:par>
+                    <p:cTn id="43" fill="hold">
+                      <p:stCondLst>
+                        <p:cond delay="indefinite"/>
+                      </p:stCondLst>
+                      <p:childTnLst>
+                        <p:par>
+                          <p:cTn id="44" fill="hold">
+                            <p:stCondLst>
+                              <p:cond delay="0"/>
+                            </p:stCondLst>
+                            <p:childTnLst>
+                              <p:par>
+                                <p:cTn id="45" presetID="10" presetClass="entr" presetSubtype="0" fill="hold" nodeType="clickEffect">
+                                  <p:stCondLst>
+                                    <p:cond delay="0"/>
+                                  </p:stCondLst>
+                                  <p:childTnLst>
+                                    <p:set>
+                                      <p:cBhvr>
+                                        <p:cTn id="46" dur="1" fill="hold">
+                                          <p:stCondLst>
+                                            <p:cond delay="0"/>
+                                          </p:stCondLst>
+                                        </p:cTn>
+                                        <p:tgtEl>
+                                          <p:spTgt spid="30"/>
+                                        </p:tgtEl>
+                                        <p:attrNameLst>
+                                          <p:attrName>style.visibility</p:attrName>
+                                        </p:attrNameLst>
+                                      </p:cBhvr>
+                                      <p:to>
+                                        <p:strVal val="visible"/>
+                                      </p:to>
+                                    </p:set>
+                                    <p:animEffect transition="in" filter="fade">
+                                      <p:cBhvr>
+                                        <p:cTn id="47" dur="500"/>
+                                        <p:tgtEl>
+                                          <p:spTgt spid="30"/>
                                         </p:tgtEl>
                                       </p:cBhvr>
                                     </p:animEffect>
@@ -9165,6 +9808,1789 @@
       </p:par>
     </p:tnLst>
   </p:timing>
+</p:sld>
+</file>
+
+<file path=ppt/slides/slide7.xml><?xml version="1.0" encoding="utf-8"?>
+<p:sld xmlns:a="http://schemas.openxmlformats.org/drawingml/2006/main" xmlns:r="http://schemas.openxmlformats.org/officeDocument/2006/relationships" xmlns:p="http://schemas.openxmlformats.org/presentationml/2006/main">
+  <p:cSld>
+    <p:bg>
+      <p:bgPr>
+        <a:solidFill>
+          <a:schemeClr val="bg2"/>
+        </a:solidFill>
+        <a:effectLst/>
+      </p:bgPr>
+    </p:bg>
+    <p:spTree>
+      <p:nvGrpSpPr>
+        <p:cNvPr id="1" name=""/>
+        <p:cNvGrpSpPr/>
+        <p:nvPr/>
+      </p:nvGrpSpPr>
+      <p:grpSpPr>
+        <a:xfrm>
+          <a:off x="0" y="0"/>
+          <a:ext cx="0" cy="0"/>
+          <a:chOff x="0" y="0"/>
+          <a:chExt cx="0" cy="0"/>
+        </a:xfrm>
+      </p:grpSpPr>
+      <p:sp useBgFill="1">
+        <p:nvSpPr>
+          <p:cNvPr id="8" name="Rectangle 7">
+            <a:extLst>
+              <a:ext uri="{FF2B5EF4-FFF2-40B4-BE49-F238E27FC236}">
+                <a16:creationId xmlns:a16="http://schemas.microsoft.com/office/drawing/2014/main" id="{6E9D6223-8D87-4038-BE74-D5224B024FFD}"/>
+              </a:ext>
+              <a:ext uri="{C183D7F6-B498-43B3-948B-1728B52AA6E4}">
+                <adec:decorative xmlns:adec="http://schemas.microsoft.com/office/drawing/2017/decorative" val="1"/>
+              </a:ext>
+            </a:extLst>
+          </p:cNvPr>
+          <p:cNvSpPr>
+            <a:spLocks noGrp="1" noRot="1" noChangeAspect="1" noMove="1" noResize="1" noEditPoints="1" noAdjustHandles="1" noChangeArrowheads="1" noChangeShapeType="1" noTextEdit="1"/>
+          </p:cNvSpPr>
+          <p:nvPr>
+            <p:extLst>
+              <p:ext uri="{386F3935-93C4-4BCD-93E2-E3B085C9AB24}">
+                <p16:designElem xmlns:p16="http://schemas.microsoft.com/office/powerpoint/2015/main" val="1"/>
+              </p:ext>
+            </p:extLst>
+          </p:nvPr>
+        </p:nvSpPr>
+        <p:spPr>
+          <a:xfrm>
+            <a:off x="0" y="0"/>
+            <a:ext cx="12192000" cy="6858000"/>
+          </a:xfrm>
+          <a:prstGeom prst="rect">
+            <a:avLst/>
+          </a:prstGeom>
+          <a:ln w="12700" cap="flat" cmpd="sng" algn="ctr">
+            <a:noFill/>
+            <a:prstDash val="solid"/>
+            <a:miter lim="800000"/>
+          </a:ln>
+          <a:effectLst/>
+        </p:spPr>
+        <p:style>
+          <a:lnRef idx="2">
+            <a:schemeClr val="accent1">
+              <a:shade val="50000"/>
+            </a:schemeClr>
+          </a:lnRef>
+          <a:fillRef idx="1">
+            <a:schemeClr val="accent1"/>
+          </a:fillRef>
+          <a:effectRef idx="0">
+            <a:schemeClr val="accent1"/>
+          </a:effectRef>
+          <a:fontRef idx="minor">
+            <a:schemeClr val="lt1"/>
+          </a:fontRef>
+        </p:style>
+        <p:txBody>
+          <a:bodyPr rtlCol="0" anchor="ctr"/>
+          <a:lstStyle/>
+          <a:p>
+            <a:pPr algn="ctr"/>
+            <a:endParaRPr lang="en-US"/>
+          </a:p>
+        </p:txBody>
+      </p:sp>
+      <p:sp>
+        <p:nvSpPr>
+          <p:cNvPr id="10" name="Rectangle 9">
+            <a:extLst>
+              <a:ext uri="{FF2B5EF4-FFF2-40B4-BE49-F238E27FC236}">
+                <a16:creationId xmlns:a16="http://schemas.microsoft.com/office/drawing/2014/main" id="{A46FBF49-EC0D-4E09-A77B-DB4E8257E7EA}"/>
+              </a:ext>
+              <a:ext uri="{C183D7F6-B498-43B3-948B-1728B52AA6E4}">
+                <adec:decorative xmlns:adec="http://schemas.microsoft.com/office/drawing/2017/decorative" val="1"/>
+              </a:ext>
+            </a:extLst>
+          </p:cNvPr>
+          <p:cNvSpPr>
+            <a:spLocks noGrp="1" noRot="1" noChangeAspect="1" noMove="1" noResize="1" noEditPoints="1" noAdjustHandles="1" noChangeArrowheads="1" noChangeShapeType="1" noTextEdit="1"/>
+          </p:cNvSpPr>
+          <p:nvPr>
+            <p:extLst>
+              <p:ext uri="{386F3935-93C4-4BCD-93E2-E3B085C9AB24}">
+                <p16:designElem xmlns:p16="http://schemas.microsoft.com/office/powerpoint/2015/main" val="1"/>
+              </p:ext>
+            </p:extLst>
+          </p:nvPr>
+        </p:nvSpPr>
+        <p:spPr>
+          <a:xfrm>
+            <a:off x="0" y="0"/>
+            <a:ext cx="12192000" cy="6858000"/>
+          </a:xfrm>
+          <a:prstGeom prst="rect">
+            <a:avLst/>
+          </a:prstGeom>
+          <a:solidFill>
+            <a:schemeClr val="bg2">
+              <a:lumMod val="90000"/>
+              <a:lumOff val="10000"/>
+            </a:schemeClr>
+          </a:solidFill>
+          <a:ln w="12700" cap="flat" cmpd="sng" algn="ctr">
+            <a:noFill/>
+            <a:prstDash val="solid"/>
+            <a:miter lim="800000"/>
+          </a:ln>
+          <a:effectLst/>
+        </p:spPr>
+        <p:style>
+          <a:lnRef idx="2">
+            <a:schemeClr val="accent1">
+              <a:shade val="50000"/>
+            </a:schemeClr>
+          </a:lnRef>
+          <a:fillRef idx="1">
+            <a:schemeClr val="accent1"/>
+          </a:fillRef>
+          <a:effectRef idx="0">
+            <a:schemeClr val="accent1"/>
+          </a:effectRef>
+          <a:fontRef idx="minor">
+            <a:schemeClr val="lt1"/>
+          </a:fontRef>
+        </p:style>
+        <p:txBody>
+          <a:bodyPr rtlCol="0" anchor="ctr"/>
+          <a:lstStyle/>
+          <a:p>
+            <a:pPr algn="ctr"/>
+            <a:endParaRPr lang="en-US"/>
+          </a:p>
+        </p:txBody>
+      </p:sp>
+      <p:sp>
+        <p:nvSpPr>
+          <p:cNvPr id="12" name="Freeform: Shape 11">
+            <a:extLst>
+              <a:ext uri="{FF2B5EF4-FFF2-40B4-BE49-F238E27FC236}">
+                <a16:creationId xmlns:a16="http://schemas.microsoft.com/office/drawing/2014/main" id="{63AA13D0-BF0A-4B8F-9FD6-CAE2DCD93980}"/>
+              </a:ext>
+              <a:ext uri="{C183D7F6-B498-43B3-948B-1728B52AA6E4}">
+                <adec:decorative xmlns:adec="http://schemas.microsoft.com/office/drawing/2017/decorative" val="1"/>
+              </a:ext>
+            </a:extLst>
+          </p:cNvPr>
+          <p:cNvSpPr>
+            <a:spLocks noGrp="1" noRot="1" noChangeAspect="1" noMove="1" noResize="1" noEditPoints="1" noAdjustHandles="1" noChangeArrowheads="1" noChangeShapeType="1" noTextEdit="1"/>
+          </p:cNvSpPr>
+          <p:nvPr>
+            <p:extLst>
+              <p:ext uri="{386F3935-93C4-4BCD-93E2-E3B085C9AB24}">
+                <p16:designElem xmlns:p16="http://schemas.microsoft.com/office/powerpoint/2015/main" val="1"/>
+              </p:ext>
+            </p:extLst>
+          </p:nvPr>
+        </p:nvSpPr>
+        <p:spPr bwMode="auto">
+          <a:xfrm>
+            <a:off x="1" y="0"/>
+            <a:ext cx="9705717" cy="6858000"/>
+          </a:xfrm>
+          <a:custGeom>
+            <a:avLst/>
+            <a:gdLst>
+              <a:gd name="connsiteX0" fmla="*/ 0 w 9705717"/>
+              <a:gd name="connsiteY0" fmla="*/ 0 h 6858000"/>
+              <a:gd name="connsiteX1" fmla="*/ 8892014 w 9705717"/>
+              <a:gd name="connsiteY1" fmla="*/ 0 h 6858000"/>
+              <a:gd name="connsiteX2" fmla="*/ 8948109 w 9705717"/>
+              <a:gd name="connsiteY2" fmla="*/ 119185 h 6858000"/>
+              <a:gd name="connsiteX3" fmla="*/ 9361712 w 9705717"/>
+              <a:gd name="connsiteY3" fmla="*/ 1009060 h 6858000"/>
+              <a:gd name="connsiteX4" fmla="*/ 9569814 w 9705717"/>
+              <a:gd name="connsiteY4" fmla="*/ 4722415 h 6858000"/>
+              <a:gd name="connsiteX5" fmla="*/ 8937785 w 9705717"/>
+              <a:gd name="connsiteY5" fmla="*/ 6619105 h 6858000"/>
+              <a:gd name="connsiteX6" fmla="*/ 8749280 w 9705717"/>
+              <a:gd name="connsiteY6" fmla="*/ 6858000 h 6858000"/>
+              <a:gd name="connsiteX7" fmla="*/ 0 w 9705717"/>
+              <a:gd name="connsiteY7" fmla="*/ 6858000 h 6858000"/>
+            </a:gdLst>
+            <a:ahLst/>
+            <a:cxnLst>
+              <a:cxn ang="0">
+                <a:pos x="connsiteX0" y="connsiteY0"/>
+              </a:cxn>
+              <a:cxn ang="0">
+                <a:pos x="connsiteX1" y="connsiteY1"/>
+              </a:cxn>
+              <a:cxn ang="0">
+                <a:pos x="connsiteX2" y="connsiteY2"/>
+              </a:cxn>
+              <a:cxn ang="0">
+                <a:pos x="connsiteX3" y="connsiteY3"/>
+              </a:cxn>
+              <a:cxn ang="0">
+                <a:pos x="connsiteX4" y="connsiteY4"/>
+              </a:cxn>
+              <a:cxn ang="0">
+                <a:pos x="connsiteX5" y="connsiteY5"/>
+              </a:cxn>
+              <a:cxn ang="0">
+                <a:pos x="connsiteX6" y="connsiteY6"/>
+              </a:cxn>
+              <a:cxn ang="0">
+                <a:pos x="connsiteX7" y="connsiteY7"/>
+              </a:cxn>
+            </a:cxnLst>
+            <a:rect l="l" t="t" r="r" b="b"/>
+            <a:pathLst>
+              <a:path w="9705717" h="6858000">
+                <a:moveTo>
+                  <a:pt x="0" y="0"/>
+                </a:moveTo>
+                <a:lnTo>
+                  <a:pt x="8892014" y="0"/>
+                </a:lnTo>
+                <a:lnTo>
+                  <a:pt x="8948109" y="119185"/>
+                </a:lnTo>
+                <a:cubicBezTo>
+                  <a:pt x="9080774" y="406683"/>
+                  <a:pt x="9216041" y="706568"/>
+                  <a:pt x="9361712" y="1009060"/>
+                </a:cubicBezTo>
+                <a:cubicBezTo>
+                  <a:pt x="9986018" y="2093861"/>
+                  <a:pt x="9569814" y="4346908"/>
+                  <a:pt x="9569814" y="4722415"/>
+                </a:cubicBezTo>
+                <a:cubicBezTo>
+                  <a:pt x="9569814" y="5635108"/>
+                  <a:pt x="9260912" y="6189243"/>
+                  <a:pt x="8937785" y="6619105"/>
+                </a:cubicBezTo>
+                <a:lnTo>
+                  <a:pt x="8749280" y="6858000"/>
+                </a:lnTo>
+                <a:lnTo>
+                  <a:pt x="0" y="6858000"/>
+                </a:lnTo>
+                <a:close/>
+              </a:path>
+            </a:pathLst>
+          </a:custGeom>
+          <a:solidFill>
+            <a:schemeClr val="bg2"/>
+          </a:solidFill>
+          <a:ln>
+            <a:noFill/>
+          </a:ln>
+        </p:spPr>
+        <p:txBody>
+          <a:bodyPr vert="horz" wrap="square" lIns="91440" tIns="45720" rIns="91440" bIns="45720" numCol="1" anchor="t" anchorCtr="0" compatLnSpc="1">
+            <a:prstTxWarp prst="textNoShape">
+              <a:avLst/>
+            </a:prstTxWarp>
+            <a:noAutofit/>
+          </a:bodyPr>
+          <a:lstStyle/>
+          <a:p>
+            <a:endParaRPr lang="en-US"/>
+          </a:p>
+        </p:txBody>
+      </p:sp>
+      <p:sp>
+        <p:nvSpPr>
+          <p:cNvPr id="2" name="Title 1">
+            <a:extLst>
+              <a:ext uri="{FF2B5EF4-FFF2-40B4-BE49-F238E27FC236}">
+                <a16:creationId xmlns:a16="http://schemas.microsoft.com/office/drawing/2014/main" id="{3278320B-E988-4314-9692-986A764D59C8}"/>
+              </a:ext>
+            </a:extLst>
+          </p:cNvPr>
+          <p:cNvSpPr>
+            <a:spLocks noGrp="1"/>
+          </p:cNvSpPr>
+          <p:nvPr>
+            <p:ph type="title"/>
+          </p:nvPr>
+        </p:nvSpPr>
+        <p:spPr>
+          <a:xfrm>
+            <a:off x="2366827" y="702809"/>
+            <a:ext cx="3618320" cy="1477328"/>
+          </a:xfrm>
+        </p:spPr>
+        <p:txBody>
+          <a:bodyPr wrap="square" anchor="ctr">
+            <a:normAutofit/>
+          </a:bodyPr>
+          <a:lstStyle/>
+          <a:p>
+            <a:r>
+              <a:rPr lang="de-AT" dirty="0"/>
+              <a:t>Add Methode</a:t>
+            </a:r>
+          </a:p>
+        </p:txBody>
+      </p:sp>
+      <p:sp>
+        <p:nvSpPr>
+          <p:cNvPr id="14" name="Freeform 10">
+            <a:extLst>
+              <a:ext uri="{FF2B5EF4-FFF2-40B4-BE49-F238E27FC236}">
+                <a16:creationId xmlns:a16="http://schemas.microsoft.com/office/drawing/2014/main" id="{15BE2CF8-7196-4BC3-B312-B0EE486D92FB}"/>
+              </a:ext>
+              <a:ext uri="{C183D7F6-B498-43B3-948B-1728B52AA6E4}">
+                <adec:decorative xmlns:adec="http://schemas.microsoft.com/office/drawing/2017/decorative" val="1"/>
+              </a:ext>
+            </a:extLst>
+          </p:cNvPr>
+          <p:cNvSpPr>
+            <a:spLocks noGrp="1" noRot="1" noChangeAspect="1" noMove="1" noResize="1" noEditPoints="1" noAdjustHandles="1" noChangeArrowheads="1" noChangeShapeType="1" noTextEdit="1"/>
+          </p:cNvSpPr>
+          <p:nvPr>
+            <p:extLst>
+              <p:ext uri="{386F3935-93C4-4BCD-93E2-E3B085C9AB24}">
+                <p16:designElem xmlns:p16="http://schemas.microsoft.com/office/powerpoint/2015/main" val="1"/>
+              </p:ext>
+            </p:extLst>
+          </p:nvPr>
+        </p:nvSpPr>
+        <p:spPr bwMode="auto">
+          <a:xfrm rot="15824556">
+            <a:off x="8226571" y="2916066"/>
+            <a:ext cx="3518890" cy="3293724"/>
+          </a:xfrm>
+          <a:custGeom>
+            <a:avLst/>
+            <a:gdLst>
+              <a:gd name="T0" fmla="*/ 43 w 250"/>
+              <a:gd name="T1" fmla="*/ 167 h 234"/>
+              <a:gd name="T2" fmla="*/ 70 w 250"/>
+              <a:gd name="T3" fmla="*/ 133 h 234"/>
+              <a:gd name="T4" fmla="*/ 48 w 250"/>
+              <a:gd name="T5" fmla="*/ 134 h 234"/>
+              <a:gd name="T6" fmla="*/ 19 w 250"/>
+              <a:gd name="T7" fmla="*/ 130 h 234"/>
+              <a:gd name="T8" fmla="*/ 6 w 250"/>
+              <a:gd name="T9" fmla="*/ 123 h 234"/>
+              <a:gd name="T10" fmla="*/ 1 w 250"/>
+              <a:gd name="T11" fmla="*/ 103 h 234"/>
+              <a:gd name="T12" fmla="*/ 11 w 250"/>
+              <a:gd name="T13" fmla="*/ 81 h 234"/>
+              <a:gd name="T14" fmla="*/ 23 w 250"/>
+              <a:gd name="T15" fmla="*/ 76 h 234"/>
+              <a:gd name="T16" fmla="*/ 81 w 250"/>
+              <a:gd name="T17" fmla="*/ 78 h 234"/>
+              <a:gd name="T18" fmla="*/ 65 w 250"/>
+              <a:gd name="T19" fmla="*/ 49 h 234"/>
+              <a:gd name="T20" fmla="*/ 57 w 250"/>
+              <a:gd name="T21" fmla="*/ 27 h 234"/>
+              <a:gd name="T22" fmla="*/ 67 w 250"/>
+              <a:gd name="T23" fmla="*/ 12 h 234"/>
+              <a:gd name="T24" fmla="*/ 85 w 250"/>
+              <a:gd name="T25" fmla="*/ 1 h 234"/>
+              <a:gd name="T26" fmla="*/ 101 w 250"/>
+              <a:gd name="T27" fmla="*/ 8 h 234"/>
+              <a:gd name="T28" fmla="*/ 107 w 250"/>
+              <a:gd name="T29" fmla="*/ 15 h 234"/>
+              <a:gd name="T30" fmla="*/ 120 w 250"/>
+              <a:gd name="T31" fmla="*/ 37 h 234"/>
+              <a:gd name="T32" fmla="*/ 131 w 250"/>
+              <a:gd name="T33" fmla="*/ 60 h 234"/>
+              <a:gd name="T34" fmla="*/ 164 w 250"/>
+              <a:gd name="T35" fmla="*/ 25 h 234"/>
+              <a:gd name="T36" fmla="*/ 187 w 250"/>
+              <a:gd name="T37" fmla="*/ 11 h 234"/>
+              <a:gd name="T38" fmla="*/ 205 w 250"/>
+              <a:gd name="T39" fmla="*/ 19 h 234"/>
+              <a:gd name="T40" fmla="*/ 214 w 250"/>
+              <a:gd name="T41" fmla="*/ 34 h 234"/>
+              <a:gd name="T42" fmla="*/ 203 w 250"/>
+              <a:gd name="T43" fmla="*/ 57 h 234"/>
+              <a:gd name="T44" fmla="*/ 166 w 250"/>
+              <a:gd name="T45" fmla="*/ 100 h 234"/>
+              <a:gd name="T46" fmla="*/ 217 w 250"/>
+              <a:gd name="T47" fmla="*/ 98 h 234"/>
+              <a:gd name="T48" fmla="*/ 244 w 250"/>
+              <a:gd name="T49" fmla="*/ 104 h 234"/>
+              <a:gd name="T50" fmla="*/ 249 w 250"/>
+              <a:gd name="T51" fmla="*/ 115 h 234"/>
+              <a:gd name="T52" fmla="*/ 247 w 250"/>
+              <a:gd name="T53" fmla="*/ 129 h 234"/>
+              <a:gd name="T54" fmla="*/ 245 w 250"/>
+              <a:gd name="T55" fmla="*/ 134 h 234"/>
+              <a:gd name="T56" fmla="*/ 241 w 250"/>
+              <a:gd name="T57" fmla="*/ 141 h 234"/>
+              <a:gd name="T58" fmla="*/ 227 w 250"/>
+              <a:gd name="T59" fmla="*/ 147 h 234"/>
+              <a:gd name="T60" fmla="*/ 187 w 250"/>
+              <a:gd name="T61" fmla="*/ 151 h 234"/>
+              <a:gd name="T62" fmla="*/ 160 w 250"/>
+              <a:gd name="T63" fmla="*/ 148 h 234"/>
+              <a:gd name="T64" fmla="*/ 168 w 250"/>
+              <a:gd name="T65" fmla="*/ 168 h 234"/>
+              <a:gd name="T66" fmla="*/ 176 w 250"/>
+              <a:gd name="T67" fmla="*/ 194 h 234"/>
+              <a:gd name="T68" fmla="*/ 176 w 250"/>
+              <a:gd name="T69" fmla="*/ 211 h 234"/>
+              <a:gd name="T70" fmla="*/ 170 w 250"/>
+              <a:gd name="T71" fmla="*/ 221 h 234"/>
+              <a:gd name="T72" fmla="*/ 156 w 250"/>
+              <a:gd name="T73" fmla="*/ 230 h 234"/>
+              <a:gd name="T74" fmla="*/ 130 w 250"/>
+              <a:gd name="T75" fmla="*/ 226 h 234"/>
+              <a:gd name="T76" fmla="*/ 122 w 250"/>
+              <a:gd name="T77" fmla="*/ 213 h 234"/>
+              <a:gd name="T78" fmla="*/ 110 w 250"/>
+              <a:gd name="T79" fmla="*/ 169 h 234"/>
+              <a:gd name="T80" fmla="*/ 92 w 250"/>
+              <a:gd name="T81" fmla="*/ 192 h 234"/>
+              <a:gd name="T82" fmla="*/ 87 w 250"/>
+              <a:gd name="T83" fmla="*/ 197 h 234"/>
+              <a:gd name="T84" fmla="*/ 84 w 250"/>
+              <a:gd name="T85" fmla="*/ 201 h 234"/>
+              <a:gd name="T86" fmla="*/ 65 w 250"/>
+              <a:gd name="T87" fmla="*/ 212 h 234"/>
+              <a:gd name="T88" fmla="*/ 50 w 250"/>
+              <a:gd name="T89" fmla="*/ 204 h 234"/>
+              <a:gd name="T90" fmla="*/ 44 w 250"/>
+              <a:gd name="T91" fmla="*/ 198 h 234"/>
+              <a:gd name="T92" fmla="*/ 38 w 250"/>
+              <a:gd name="T93" fmla="*/ 185 h 234"/>
+              <a:gd name="T94" fmla="*/ 43 w 250"/>
+              <a:gd name="T95" fmla="*/ 167 h 234"/>
+            </a:gdLst>
+            <a:ahLst/>
+            <a:cxnLst>
+              <a:cxn ang="0">
+                <a:pos x="T0" y="T1"/>
+              </a:cxn>
+              <a:cxn ang="0">
+                <a:pos x="T2" y="T3"/>
+              </a:cxn>
+              <a:cxn ang="0">
+                <a:pos x="T4" y="T5"/>
+              </a:cxn>
+              <a:cxn ang="0">
+                <a:pos x="T6" y="T7"/>
+              </a:cxn>
+              <a:cxn ang="0">
+                <a:pos x="T8" y="T9"/>
+              </a:cxn>
+              <a:cxn ang="0">
+                <a:pos x="T10" y="T11"/>
+              </a:cxn>
+              <a:cxn ang="0">
+                <a:pos x="T12" y="T13"/>
+              </a:cxn>
+              <a:cxn ang="0">
+                <a:pos x="T14" y="T15"/>
+              </a:cxn>
+              <a:cxn ang="0">
+                <a:pos x="T16" y="T17"/>
+              </a:cxn>
+              <a:cxn ang="0">
+                <a:pos x="T18" y="T19"/>
+              </a:cxn>
+              <a:cxn ang="0">
+                <a:pos x="T20" y="T21"/>
+              </a:cxn>
+              <a:cxn ang="0">
+                <a:pos x="T22" y="T23"/>
+              </a:cxn>
+              <a:cxn ang="0">
+                <a:pos x="T24" y="T25"/>
+              </a:cxn>
+              <a:cxn ang="0">
+                <a:pos x="T26" y="T27"/>
+              </a:cxn>
+              <a:cxn ang="0">
+                <a:pos x="T28" y="T29"/>
+              </a:cxn>
+              <a:cxn ang="0">
+                <a:pos x="T30" y="T31"/>
+              </a:cxn>
+              <a:cxn ang="0">
+                <a:pos x="T32" y="T33"/>
+              </a:cxn>
+              <a:cxn ang="0">
+                <a:pos x="T34" y="T35"/>
+              </a:cxn>
+              <a:cxn ang="0">
+                <a:pos x="T36" y="T37"/>
+              </a:cxn>
+              <a:cxn ang="0">
+                <a:pos x="T38" y="T39"/>
+              </a:cxn>
+              <a:cxn ang="0">
+                <a:pos x="T40" y="T41"/>
+              </a:cxn>
+              <a:cxn ang="0">
+                <a:pos x="T42" y="T43"/>
+              </a:cxn>
+              <a:cxn ang="0">
+                <a:pos x="T44" y="T45"/>
+              </a:cxn>
+              <a:cxn ang="0">
+                <a:pos x="T46" y="T47"/>
+              </a:cxn>
+              <a:cxn ang="0">
+                <a:pos x="T48" y="T49"/>
+              </a:cxn>
+              <a:cxn ang="0">
+                <a:pos x="T50" y="T51"/>
+              </a:cxn>
+              <a:cxn ang="0">
+                <a:pos x="T52" y="T53"/>
+              </a:cxn>
+              <a:cxn ang="0">
+                <a:pos x="T54" y="T55"/>
+              </a:cxn>
+              <a:cxn ang="0">
+                <a:pos x="T56" y="T57"/>
+              </a:cxn>
+              <a:cxn ang="0">
+                <a:pos x="T58" y="T59"/>
+              </a:cxn>
+              <a:cxn ang="0">
+                <a:pos x="T60" y="T61"/>
+              </a:cxn>
+              <a:cxn ang="0">
+                <a:pos x="T62" y="T63"/>
+              </a:cxn>
+              <a:cxn ang="0">
+                <a:pos x="T64" y="T65"/>
+              </a:cxn>
+              <a:cxn ang="0">
+                <a:pos x="T66" y="T67"/>
+              </a:cxn>
+              <a:cxn ang="0">
+                <a:pos x="T68" y="T69"/>
+              </a:cxn>
+              <a:cxn ang="0">
+                <a:pos x="T70" y="T71"/>
+              </a:cxn>
+              <a:cxn ang="0">
+                <a:pos x="T72" y="T73"/>
+              </a:cxn>
+              <a:cxn ang="0">
+                <a:pos x="T74" y="T75"/>
+              </a:cxn>
+              <a:cxn ang="0">
+                <a:pos x="T76" y="T77"/>
+              </a:cxn>
+              <a:cxn ang="0">
+                <a:pos x="T78" y="T79"/>
+              </a:cxn>
+              <a:cxn ang="0">
+                <a:pos x="T80" y="T81"/>
+              </a:cxn>
+              <a:cxn ang="0">
+                <a:pos x="T82" y="T83"/>
+              </a:cxn>
+              <a:cxn ang="0">
+                <a:pos x="T84" y="T85"/>
+              </a:cxn>
+              <a:cxn ang="0">
+                <a:pos x="T86" y="T87"/>
+              </a:cxn>
+              <a:cxn ang="0">
+                <a:pos x="T88" y="T89"/>
+              </a:cxn>
+              <a:cxn ang="0">
+                <a:pos x="T90" y="T91"/>
+              </a:cxn>
+              <a:cxn ang="0">
+                <a:pos x="T92" y="T93"/>
+              </a:cxn>
+              <a:cxn ang="0">
+                <a:pos x="T94" y="T95"/>
+              </a:cxn>
+            </a:cxnLst>
+            <a:rect l="0" t="0" r="r" b="b"/>
+            <a:pathLst>
+              <a:path w="250" h="234">
+                <a:moveTo>
+                  <a:pt x="43" y="167"/>
+                </a:moveTo>
+                <a:cubicBezTo>
+                  <a:pt x="70" y="133"/>
+                  <a:pt x="70" y="133"/>
+                  <a:pt x="70" y="133"/>
+                </a:cubicBezTo>
+                <a:cubicBezTo>
+                  <a:pt x="60" y="134"/>
+                  <a:pt x="61" y="134"/>
+                  <a:pt x="48" y="134"/>
+                </a:cubicBezTo>
+                <a:cubicBezTo>
+                  <a:pt x="34" y="133"/>
+                  <a:pt x="24" y="132"/>
+                  <a:pt x="19" y="130"/>
+                </a:cubicBezTo>
+                <a:cubicBezTo>
+                  <a:pt x="13" y="128"/>
+                  <a:pt x="9" y="126"/>
+                  <a:pt x="6" y="123"/>
+                </a:cubicBezTo>
+                <a:cubicBezTo>
+                  <a:pt x="1" y="119"/>
+                  <a:pt x="0" y="112"/>
+                  <a:pt x="1" y="103"/>
+                </a:cubicBezTo>
+                <a:cubicBezTo>
+                  <a:pt x="2" y="93"/>
+                  <a:pt x="6" y="86"/>
+                  <a:pt x="11" y="81"/>
+                </a:cubicBezTo>
+                <a:cubicBezTo>
+                  <a:pt x="15" y="77"/>
+                  <a:pt x="18" y="76"/>
+                  <a:pt x="23" y="76"/>
+                </a:cubicBezTo>
+                <a:cubicBezTo>
+                  <a:pt x="81" y="78"/>
+                  <a:pt x="81" y="78"/>
+                  <a:pt x="81" y="78"/>
+                </a:cubicBezTo>
+                <a:cubicBezTo>
+                  <a:pt x="65" y="49"/>
+                  <a:pt x="65" y="49"/>
+                  <a:pt x="65" y="49"/>
+                </a:cubicBezTo>
+                <a:cubicBezTo>
+                  <a:pt x="58" y="40"/>
+                  <a:pt x="56" y="33"/>
+                  <a:pt x="57" y="27"/>
+                </a:cubicBezTo>
+                <a:cubicBezTo>
+                  <a:pt x="58" y="21"/>
+                  <a:pt x="62" y="16"/>
+                  <a:pt x="67" y="12"/>
+                </a:cubicBezTo>
+                <a:cubicBezTo>
+                  <a:pt x="74" y="6"/>
+                  <a:pt x="80" y="2"/>
+                  <a:pt x="85" y="1"/>
+                </a:cubicBezTo>
+                <a:cubicBezTo>
+                  <a:pt x="90" y="0"/>
+                  <a:pt x="95" y="2"/>
+                  <a:pt x="101" y="8"/>
+                </a:cubicBezTo>
+                <a:cubicBezTo>
+                  <a:pt x="104" y="11"/>
+                  <a:pt x="106" y="13"/>
+                  <a:pt x="107" y="15"/>
+                </a:cubicBezTo>
+                <a:cubicBezTo>
+                  <a:pt x="110" y="19"/>
+                  <a:pt x="112" y="20"/>
+                  <a:pt x="120" y="37"/>
+                </a:cubicBezTo>
+                <a:cubicBezTo>
+                  <a:pt x="129" y="55"/>
+                  <a:pt x="128" y="51"/>
+                  <a:pt x="131" y="60"/>
+                </a:cubicBezTo>
+                <a:cubicBezTo>
+                  <a:pt x="164" y="25"/>
+                  <a:pt x="164" y="25"/>
+                  <a:pt x="164" y="25"/>
+                </a:cubicBezTo>
+                <a:cubicBezTo>
+                  <a:pt x="173" y="16"/>
+                  <a:pt x="180" y="11"/>
+                  <a:pt x="187" y="11"/>
+                </a:cubicBezTo>
+                <a:cubicBezTo>
+                  <a:pt x="193" y="10"/>
+                  <a:pt x="200" y="13"/>
+                  <a:pt x="205" y="19"/>
+                </a:cubicBezTo>
+                <a:cubicBezTo>
+                  <a:pt x="210" y="24"/>
+                  <a:pt x="213" y="29"/>
+                  <a:pt x="214" y="34"/>
+                </a:cubicBezTo>
+                <a:cubicBezTo>
+                  <a:pt x="214" y="39"/>
+                  <a:pt x="211" y="47"/>
+                  <a:pt x="203" y="57"/>
+                </a:cubicBezTo>
+                <a:cubicBezTo>
+                  <a:pt x="166" y="100"/>
+                  <a:pt x="166" y="100"/>
+                  <a:pt x="166" y="100"/>
+                </a:cubicBezTo>
+                <a:cubicBezTo>
+                  <a:pt x="217" y="98"/>
+                  <a:pt x="217" y="98"/>
+                  <a:pt x="217" y="98"/>
+                </a:cubicBezTo>
+                <a:cubicBezTo>
+                  <a:pt x="229" y="96"/>
+                  <a:pt x="238" y="98"/>
+                  <a:pt x="244" y="104"/>
+                </a:cubicBezTo>
+                <a:cubicBezTo>
+                  <a:pt x="247" y="107"/>
+                  <a:pt x="249" y="111"/>
+                  <a:pt x="249" y="115"/>
+                </a:cubicBezTo>
+                <a:cubicBezTo>
+                  <a:pt x="250" y="120"/>
+                  <a:pt x="249" y="124"/>
+                  <a:pt x="247" y="129"/>
+                </a:cubicBezTo>
+                <a:cubicBezTo>
+                  <a:pt x="247" y="130"/>
+                  <a:pt x="246" y="132"/>
+                  <a:pt x="245" y="134"/>
+                </a:cubicBezTo>
+                <a:cubicBezTo>
+                  <a:pt x="244" y="137"/>
+                  <a:pt x="243" y="140"/>
+                  <a:pt x="241" y="141"/>
+                </a:cubicBezTo>
+                <a:cubicBezTo>
+                  <a:pt x="239" y="144"/>
+                  <a:pt x="234" y="146"/>
+                  <a:pt x="227" y="147"/>
+                </a:cubicBezTo>
+                <a:cubicBezTo>
+                  <a:pt x="221" y="149"/>
+                  <a:pt x="207" y="150"/>
+                  <a:pt x="187" y="151"/>
+                </a:cubicBezTo>
+                <a:cubicBezTo>
+                  <a:pt x="175" y="152"/>
+                  <a:pt x="161" y="148"/>
+                  <a:pt x="160" y="148"/>
+                </a:cubicBezTo>
+                <a:cubicBezTo>
+                  <a:pt x="161" y="151"/>
+                  <a:pt x="165" y="161"/>
+                  <a:pt x="168" y="168"/>
+                </a:cubicBezTo>
+                <a:cubicBezTo>
+                  <a:pt x="168" y="171"/>
+                  <a:pt x="173" y="181"/>
+                  <a:pt x="176" y="194"/>
+                </a:cubicBezTo>
+                <a:cubicBezTo>
+                  <a:pt x="179" y="206"/>
+                  <a:pt x="176" y="203"/>
+                  <a:pt x="176" y="211"/>
+                </a:cubicBezTo>
+                <a:cubicBezTo>
+                  <a:pt x="176" y="214"/>
+                  <a:pt x="174" y="217"/>
+                  <a:pt x="170" y="221"/>
+                </a:cubicBezTo>
+                <a:cubicBezTo>
+                  <a:pt x="166" y="226"/>
+                  <a:pt x="161" y="228"/>
+                  <a:pt x="156" y="230"/>
+                </a:cubicBezTo>
+                <a:cubicBezTo>
+                  <a:pt x="147" y="234"/>
+                  <a:pt x="137" y="233"/>
+                  <a:pt x="130" y="226"/>
+                </a:cubicBezTo>
+                <a:cubicBezTo>
+                  <a:pt x="127" y="223"/>
+                  <a:pt x="125" y="219"/>
+                  <a:pt x="122" y="213"/>
+                </a:cubicBezTo>
+                <a:cubicBezTo>
+                  <a:pt x="118" y="188"/>
+                  <a:pt x="117" y="189"/>
+                  <a:pt x="110" y="169"/>
+                </a:cubicBezTo>
+                <a:cubicBezTo>
+                  <a:pt x="92" y="192"/>
+                  <a:pt x="92" y="192"/>
+                  <a:pt x="92" y="192"/>
+                </a:cubicBezTo>
+                <a:cubicBezTo>
+                  <a:pt x="90" y="193"/>
+                  <a:pt x="88" y="195"/>
+                  <a:pt x="87" y="197"/>
+                </a:cubicBezTo>
+                <a:cubicBezTo>
+                  <a:pt x="86" y="198"/>
+                  <a:pt x="85" y="200"/>
+                  <a:pt x="84" y="201"/>
+                </a:cubicBezTo>
+                <a:cubicBezTo>
+                  <a:pt x="76" y="209"/>
+                  <a:pt x="70" y="212"/>
+                  <a:pt x="65" y="212"/>
+                </a:cubicBezTo>
+                <a:cubicBezTo>
+                  <a:pt x="60" y="211"/>
+                  <a:pt x="55" y="209"/>
+                  <a:pt x="50" y="204"/>
+                </a:cubicBezTo>
+                <a:cubicBezTo>
+                  <a:pt x="50" y="203"/>
+                  <a:pt x="48" y="202"/>
+                  <a:pt x="44" y="198"/>
+                </a:cubicBezTo>
+                <a:cubicBezTo>
+                  <a:pt x="41" y="195"/>
+                  <a:pt x="39" y="191"/>
+                  <a:pt x="38" y="185"/>
+                </a:cubicBezTo>
+                <a:cubicBezTo>
+                  <a:pt x="37" y="179"/>
+                  <a:pt x="39" y="173"/>
+                  <a:pt x="43" y="167"/>
+                </a:cubicBezTo>
+                <a:close/>
+              </a:path>
+            </a:pathLst>
+          </a:custGeom>
+          <a:solidFill>
+            <a:schemeClr val="accent1"/>
+          </a:solidFill>
+          <a:ln>
+            <a:noFill/>
+          </a:ln>
+        </p:spPr>
+        <p:txBody>
+          <a:bodyPr vert="horz" wrap="square" lIns="91440" tIns="45720" rIns="91440" bIns="45720" numCol="1" anchor="t" anchorCtr="0" compatLnSpc="1">
+            <a:prstTxWarp prst="textNoShape">
+              <a:avLst/>
+            </a:prstTxWarp>
+          </a:bodyPr>
+          <a:lstStyle/>
+          <a:p>
+            <a:endParaRPr lang="en-US"/>
+          </a:p>
+        </p:txBody>
+      </p:sp>
+    </p:spTree>
+    <p:extLst>
+      <p:ext uri="{BB962C8B-B14F-4D97-AF65-F5344CB8AC3E}">
+        <p14:creationId xmlns:p14="http://schemas.microsoft.com/office/powerpoint/2010/main" val="688361864"/>
+      </p:ext>
+    </p:extLst>
+  </p:cSld>
+  <p:clrMapOvr>
+    <a:masterClrMapping/>
+  </p:clrMapOvr>
+</p:sld>
+</file>
+
+<file path=ppt/slides/slide8.xml><?xml version="1.0" encoding="utf-8"?>
+<p:sld xmlns:a="http://schemas.openxmlformats.org/drawingml/2006/main" xmlns:r="http://schemas.openxmlformats.org/officeDocument/2006/relationships" xmlns:p="http://schemas.openxmlformats.org/presentationml/2006/main">
+  <p:cSld>
+    <p:bg>
+      <p:bgPr>
+        <a:solidFill>
+          <a:schemeClr val="bg2"/>
+        </a:solidFill>
+        <a:effectLst/>
+      </p:bgPr>
+    </p:bg>
+    <p:spTree>
+      <p:nvGrpSpPr>
+        <p:cNvPr id="1" name=""/>
+        <p:cNvGrpSpPr/>
+        <p:nvPr/>
+      </p:nvGrpSpPr>
+      <p:grpSpPr>
+        <a:xfrm>
+          <a:off x="0" y="0"/>
+          <a:ext cx="0" cy="0"/>
+          <a:chOff x="0" y="0"/>
+          <a:chExt cx="0" cy="0"/>
+        </a:xfrm>
+      </p:grpSpPr>
+      <p:sp useBgFill="1">
+        <p:nvSpPr>
+          <p:cNvPr id="15" name="Rectangle 7">
+            <a:extLst>
+              <a:ext uri="{FF2B5EF4-FFF2-40B4-BE49-F238E27FC236}">
+                <a16:creationId xmlns:a16="http://schemas.microsoft.com/office/drawing/2014/main" id="{C52E2836-9095-4D3C-85DB-A013CBD51365}"/>
+              </a:ext>
+              <a:ext uri="{C183D7F6-B498-43B3-948B-1728B52AA6E4}">
+                <adec:decorative xmlns:adec="http://schemas.microsoft.com/office/drawing/2017/decorative" val="1"/>
+              </a:ext>
+            </a:extLst>
+          </p:cNvPr>
+          <p:cNvSpPr>
+            <a:spLocks noGrp="1" noRot="1" noChangeAspect="1" noMove="1" noResize="1" noEditPoints="1" noAdjustHandles="1" noChangeArrowheads="1" noChangeShapeType="1" noTextEdit="1"/>
+          </p:cNvSpPr>
+          <p:nvPr>
+            <p:extLst>
+              <p:ext uri="{386F3935-93C4-4BCD-93E2-E3B085C9AB24}">
+                <p16:designElem xmlns:p16="http://schemas.microsoft.com/office/powerpoint/2015/main" val="1"/>
+              </p:ext>
+            </p:extLst>
+          </p:nvPr>
+        </p:nvSpPr>
+        <p:spPr>
+          <a:xfrm>
+            <a:off x="0" y="0"/>
+            <a:ext cx="12192000" cy="6858000"/>
+          </a:xfrm>
+          <a:prstGeom prst="rect">
+            <a:avLst/>
+          </a:prstGeom>
+          <a:ln w="12700" cap="flat" cmpd="sng" algn="ctr">
+            <a:noFill/>
+            <a:prstDash val="solid"/>
+            <a:miter lim="800000"/>
+          </a:ln>
+          <a:effectLst/>
+        </p:spPr>
+        <p:style>
+          <a:lnRef idx="2">
+            <a:schemeClr val="accent1">
+              <a:shade val="50000"/>
+            </a:schemeClr>
+          </a:lnRef>
+          <a:fillRef idx="1">
+            <a:schemeClr val="accent1"/>
+          </a:fillRef>
+          <a:effectRef idx="0">
+            <a:schemeClr val="accent1"/>
+          </a:effectRef>
+          <a:fontRef idx="minor">
+            <a:schemeClr val="lt1"/>
+          </a:fontRef>
+        </p:style>
+        <p:txBody>
+          <a:bodyPr rtlCol="0" anchor="ctr"/>
+          <a:lstStyle/>
+          <a:p>
+            <a:pPr algn="ctr"/>
+            <a:endParaRPr lang="en-US"/>
+          </a:p>
+        </p:txBody>
+      </p:sp>
+      <p:sp>
+        <p:nvSpPr>
+          <p:cNvPr id="16" name="Rectangle 9">
+            <a:extLst>
+              <a:ext uri="{FF2B5EF4-FFF2-40B4-BE49-F238E27FC236}">
+                <a16:creationId xmlns:a16="http://schemas.microsoft.com/office/drawing/2014/main" id="{A92B8916-626C-4C83-B808-82B7DF02CA35}"/>
+              </a:ext>
+              <a:ext uri="{C183D7F6-B498-43B3-948B-1728B52AA6E4}">
+                <adec:decorative xmlns:adec="http://schemas.microsoft.com/office/drawing/2017/decorative" val="1"/>
+              </a:ext>
+            </a:extLst>
+          </p:cNvPr>
+          <p:cNvSpPr>
+            <a:spLocks noGrp="1" noRot="1" noChangeAspect="1" noMove="1" noResize="1" noEditPoints="1" noAdjustHandles="1" noChangeArrowheads="1" noChangeShapeType="1" noTextEdit="1"/>
+          </p:cNvSpPr>
+          <p:nvPr>
+            <p:extLst>
+              <p:ext uri="{386F3935-93C4-4BCD-93E2-E3B085C9AB24}">
+                <p16:designElem xmlns:p16="http://schemas.microsoft.com/office/powerpoint/2015/main" val="1"/>
+              </p:ext>
+            </p:extLst>
+          </p:nvPr>
+        </p:nvSpPr>
+        <p:spPr>
+          <a:xfrm>
+            <a:off x="0" y="0"/>
+            <a:ext cx="12192000" cy="6858000"/>
+          </a:xfrm>
+          <a:prstGeom prst="rect">
+            <a:avLst/>
+          </a:prstGeom>
+          <a:solidFill>
+            <a:schemeClr val="bg2">
+              <a:lumMod val="90000"/>
+              <a:lumOff val="10000"/>
+            </a:schemeClr>
+          </a:solidFill>
+          <a:ln w="12700" cap="flat" cmpd="sng" algn="ctr">
+            <a:noFill/>
+            <a:prstDash val="solid"/>
+            <a:miter lim="800000"/>
+          </a:ln>
+          <a:effectLst/>
+        </p:spPr>
+        <p:style>
+          <a:lnRef idx="2">
+            <a:schemeClr val="accent1">
+              <a:shade val="50000"/>
+            </a:schemeClr>
+          </a:lnRef>
+          <a:fillRef idx="1">
+            <a:schemeClr val="accent1"/>
+          </a:fillRef>
+          <a:effectRef idx="0">
+            <a:schemeClr val="accent1"/>
+          </a:effectRef>
+          <a:fontRef idx="minor">
+            <a:schemeClr val="lt1"/>
+          </a:fontRef>
+        </p:style>
+        <p:txBody>
+          <a:bodyPr rtlCol="0" anchor="ctr"/>
+          <a:lstStyle/>
+          <a:p>
+            <a:pPr algn="ctr"/>
+            <a:endParaRPr lang="en-US"/>
+          </a:p>
+        </p:txBody>
+      </p:sp>
+      <p:sp useBgFill="1">
+        <p:nvSpPr>
+          <p:cNvPr id="17" name="Freeform: Shape 11">
+            <a:extLst>
+              <a:ext uri="{FF2B5EF4-FFF2-40B4-BE49-F238E27FC236}">
+                <a16:creationId xmlns:a16="http://schemas.microsoft.com/office/drawing/2014/main" id="{14DAEE6D-D7E7-4E31-9E45-96B6E2F6E0CB}"/>
+              </a:ext>
+              <a:ext uri="{C183D7F6-B498-43B3-948B-1728B52AA6E4}">
+                <adec:decorative xmlns:adec="http://schemas.microsoft.com/office/drawing/2017/decorative" val="1"/>
+              </a:ext>
+            </a:extLst>
+          </p:cNvPr>
+          <p:cNvSpPr>
+            <a:spLocks noGrp="1" noRot="1" noChangeAspect="1" noMove="1" noResize="1" noEditPoints="1" noAdjustHandles="1" noChangeArrowheads="1" noChangeShapeType="1" noTextEdit="1"/>
+          </p:cNvSpPr>
+          <p:nvPr>
+            <p:extLst>
+              <p:ext uri="{386F3935-93C4-4BCD-93E2-E3B085C9AB24}">
+                <p16:designElem xmlns:p16="http://schemas.microsoft.com/office/powerpoint/2015/main" val="1"/>
+              </p:ext>
+            </p:extLst>
+          </p:nvPr>
+        </p:nvSpPr>
+        <p:spPr bwMode="auto">
+          <a:xfrm>
+            <a:off x="0" y="0"/>
+            <a:ext cx="12192000" cy="6858000"/>
+          </a:xfrm>
+          <a:custGeom>
+            <a:avLst/>
+            <a:gdLst>
+              <a:gd name="connsiteX0" fmla="*/ 0 w 12192000"/>
+              <a:gd name="connsiteY0" fmla="*/ 0 h 6858000"/>
+              <a:gd name="connsiteX1" fmla="*/ 12192000 w 12192000"/>
+              <a:gd name="connsiteY1" fmla="*/ 0 h 6858000"/>
+              <a:gd name="connsiteX2" fmla="*/ 12192000 w 12192000"/>
+              <a:gd name="connsiteY2" fmla="*/ 4896809 h 6858000"/>
+              <a:gd name="connsiteX3" fmla="*/ 12035397 w 12192000"/>
+              <a:gd name="connsiteY3" fmla="*/ 5061653 h 6858000"/>
+              <a:gd name="connsiteX4" fmla="*/ 9984875 w 12192000"/>
+              <a:gd name="connsiteY4" fmla="*/ 6788992 h 6858000"/>
+              <a:gd name="connsiteX5" fmla="*/ 9851219 w 12192000"/>
+              <a:gd name="connsiteY5" fmla="*/ 6858000 h 6858000"/>
+              <a:gd name="connsiteX6" fmla="*/ 3573504 w 12192000"/>
+              <a:gd name="connsiteY6" fmla="*/ 6858000 h 6858000"/>
+              <a:gd name="connsiteX7" fmla="*/ 3556746 w 12192000"/>
+              <a:gd name="connsiteY7" fmla="*/ 6850756 h 6858000"/>
+              <a:gd name="connsiteX8" fmla="*/ 3261231 w 12192000"/>
+              <a:gd name="connsiteY8" fmla="*/ 6719645 h 6858000"/>
+              <a:gd name="connsiteX9" fmla="*/ 956496 w 12192000"/>
+              <a:gd name="connsiteY9" fmla="*/ 4131559 h 6858000"/>
+              <a:gd name="connsiteX10" fmla="*/ 26515 w 12192000"/>
+              <a:gd name="connsiteY10" fmla="*/ 2316866 h 6858000"/>
+              <a:gd name="connsiteX11" fmla="*/ 0 w 12192000"/>
+              <a:gd name="connsiteY11" fmla="*/ 2231000 h 6858000"/>
+            </a:gdLst>
+            <a:ahLst/>
+            <a:cxnLst>
+              <a:cxn ang="0">
+                <a:pos x="connsiteX0" y="connsiteY0"/>
+              </a:cxn>
+              <a:cxn ang="0">
+                <a:pos x="connsiteX1" y="connsiteY1"/>
+              </a:cxn>
+              <a:cxn ang="0">
+                <a:pos x="connsiteX2" y="connsiteY2"/>
+              </a:cxn>
+              <a:cxn ang="0">
+                <a:pos x="connsiteX3" y="connsiteY3"/>
+              </a:cxn>
+              <a:cxn ang="0">
+                <a:pos x="connsiteX4" y="connsiteY4"/>
+              </a:cxn>
+              <a:cxn ang="0">
+                <a:pos x="connsiteX5" y="connsiteY5"/>
+              </a:cxn>
+              <a:cxn ang="0">
+                <a:pos x="connsiteX6" y="connsiteY6"/>
+              </a:cxn>
+              <a:cxn ang="0">
+                <a:pos x="connsiteX7" y="connsiteY7"/>
+              </a:cxn>
+              <a:cxn ang="0">
+                <a:pos x="connsiteX8" y="connsiteY8"/>
+              </a:cxn>
+              <a:cxn ang="0">
+                <a:pos x="connsiteX9" y="connsiteY9"/>
+              </a:cxn>
+              <a:cxn ang="0">
+                <a:pos x="connsiteX10" y="connsiteY10"/>
+              </a:cxn>
+              <a:cxn ang="0">
+                <a:pos x="connsiteX11" y="connsiteY11"/>
+              </a:cxn>
+            </a:cxnLst>
+            <a:rect l="l" t="t" r="r" b="b"/>
+            <a:pathLst>
+              <a:path w="12192000" h="6858000">
+                <a:moveTo>
+                  <a:pt x="0" y="0"/>
+                </a:moveTo>
+                <a:lnTo>
+                  <a:pt x="12192000" y="0"/>
+                </a:lnTo>
+                <a:lnTo>
+                  <a:pt x="12192000" y="4896809"/>
+                </a:lnTo>
+                <a:lnTo>
+                  <a:pt x="12035397" y="5061653"/>
+                </a:lnTo>
+                <a:cubicBezTo>
+                  <a:pt x="11302532" y="5870430"/>
+                  <a:pt x="10648639" y="6426464"/>
+                  <a:pt x="9984875" y="6788992"/>
+                </a:cubicBezTo>
+                <a:lnTo>
+                  <a:pt x="9851219" y="6858000"/>
+                </a:lnTo>
+                <a:lnTo>
+                  <a:pt x="3573504" y="6858000"/>
+                </a:lnTo>
+                <a:lnTo>
+                  <a:pt x="3556746" y="6850756"/>
+                </a:lnTo>
+                <a:cubicBezTo>
+                  <a:pt x="3450765" y="6804314"/>
+                  <a:pt x="3352207" y="6760084"/>
+                  <a:pt x="3261231" y="6719645"/>
+                </a:cubicBezTo>
+                <a:cubicBezTo>
+                  <a:pt x="2573854" y="6234379"/>
+                  <a:pt x="1765175" y="5425602"/>
+                  <a:pt x="956496" y="4131559"/>
+                </a:cubicBezTo>
+                <a:cubicBezTo>
+                  <a:pt x="552156" y="3565416"/>
+                  <a:pt x="238793" y="2958833"/>
+                  <a:pt x="26515" y="2316866"/>
+                </a:cubicBezTo>
+                <a:lnTo>
+                  <a:pt x="0" y="2231000"/>
+                </a:lnTo>
+                <a:close/>
+              </a:path>
+            </a:pathLst>
+          </a:custGeom>
+          <a:ln>
+            <a:noFill/>
+          </a:ln>
+        </p:spPr>
+        <p:txBody>
+          <a:bodyPr vert="horz" wrap="square" lIns="91440" tIns="45720" rIns="91440" bIns="45720" numCol="1" anchor="t" anchorCtr="0" compatLnSpc="1">
+            <a:prstTxWarp prst="textNoShape">
+              <a:avLst/>
+            </a:prstTxWarp>
+            <a:noAutofit/>
+          </a:bodyPr>
+          <a:lstStyle/>
+          <a:p>
+            <a:endParaRPr lang="en-US"/>
+          </a:p>
+        </p:txBody>
+      </p:sp>
+      <p:sp>
+        <p:nvSpPr>
+          <p:cNvPr id="2" name="Title 1">
+            <a:extLst>
+              <a:ext uri="{FF2B5EF4-FFF2-40B4-BE49-F238E27FC236}">
+                <a16:creationId xmlns:a16="http://schemas.microsoft.com/office/drawing/2014/main" id="{423EB9C9-5281-4CF3-B8C9-21BB2964CE00}"/>
+              </a:ext>
+            </a:extLst>
+          </p:cNvPr>
+          <p:cNvSpPr>
+            <a:spLocks noGrp="1"/>
+          </p:cNvSpPr>
+          <p:nvPr>
+            <p:ph type="title"/>
+          </p:nvPr>
+        </p:nvSpPr>
+        <p:spPr>
+          <a:xfrm>
+            <a:off x="720000" y="619201"/>
+            <a:ext cx="3095626" cy="3238964"/>
+          </a:xfrm>
+        </p:spPr>
+        <p:txBody>
+          <a:bodyPr>
+            <a:normAutofit/>
+          </a:bodyPr>
+          <a:lstStyle/>
+          <a:p>
+            <a:r>
+              <a:rPr lang="de-AT" dirty="0"/>
+              <a:t>Delete Methode</a:t>
+            </a:r>
+          </a:p>
+        </p:txBody>
+      </p:sp>
+      <p:sp>
+        <p:nvSpPr>
+          <p:cNvPr id="14" name="Freeform 10">
+            <a:extLst>
+              <a:ext uri="{FF2B5EF4-FFF2-40B4-BE49-F238E27FC236}">
+                <a16:creationId xmlns:a16="http://schemas.microsoft.com/office/drawing/2014/main" id="{5D976E54-F014-4833-9EB7-2588113E1C06}"/>
+              </a:ext>
+              <a:ext uri="{C183D7F6-B498-43B3-948B-1728B52AA6E4}">
+                <adec:decorative xmlns:adec="http://schemas.microsoft.com/office/drawing/2017/decorative" val="1"/>
+              </a:ext>
+            </a:extLst>
+          </p:cNvPr>
+          <p:cNvSpPr>
+            <a:spLocks noGrp="1" noRot="1" noChangeAspect="1" noMove="1" noResize="1" noEditPoints="1" noAdjustHandles="1" noChangeArrowheads="1" noChangeShapeType="1" noTextEdit="1"/>
+          </p:cNvSpPr>
+          <p:nvPr>
+            <p:extLst>
+              <p:ext uri="{386F3935-93C4-4BCD-93E2-E3B085C9AB24}">
+                <p16:designElem xmlns:p16="http://schemas.microsoft.com/office/powerpoint/2015/main" val="1"/>
+              </p:ext>
+            </p:extLst>
+          </p:nvPr>
+        </p:nvSpPr>
+        <p:spPr bwMode="auto">
+          <a:xfrm rot="15824556">
+            <a:off x="607106" y="4045531"/>
+            <a:ext cx="2158648" cy="2020521"/>
+          </a:xfrm>
+          <a:custGeom>
+            <a:avLst/>
+            <a:gdLst>
+              <a:gd name="T0" fmla="*/ 43 w 250"/>
+              <a:gd name="T1" fmla="*/ 167 h 234"/>
+              <a:gd name="T2" fmla="*/ 70 w 250"/>
+              <a:gd name="T3" fmla="*/ 133 h 234"/>
+              <a:gd name="T4" fmla="*/ 48 w 250"/>
+              <a:gd name="T5" fmla="*/ 134 h 234"/>
+              <a:gd name="T6" fmla="*/ 19 w 250"/>
+              <a:gd name="T7" fmla="*/ 130 h 234"/>
+              <a:gd name="T8" fmla="*/ 6 w 250"/>
+              <a:gd name="T9" fmla="*/ 123 h 234"/>
+              <a:gd name="T10" fmla="*/ 1 w 250"/>
+              <a:gd name="T11" fmla="*/ 103 h 234"/>
+              <a:gd name="T12" fmla="*/ 11 w 250"/>
+              <a:gd name="T13" fmla="*/ 81 h 234"/>
+              <a:gd name="T14" fmla="*/ 23 w 250"/>
+              <a:gd name="T15" fmla="*/ 76 h 234"/>
+              <a:gd name="T16" fmla="*/ 81 w 250"/>
+              <a:gd name="T17" fmla="*/ 78 h 234"/>
+              <a:gd name="T18" fmla="*/ 65 w 250"/>
+              <a:gd name="T19" fmla="*/ 49 h 234"/>
+              <a:gd name="T20" fmla="*/ 57 w 250"/>
+              <a:gd name="T21" fmla="*/ 27 h 234"/>
+              <a:gd name="T22" fmla="*/ 67 w 250"/>
+              <a:gd name="T23" fmla="*/ 12 h 234"/>
+              <a:gd name="T24" fmla="*/ 85 w 250"/>
+              <a:gd name="T25" fmla="*/ 1 h 234"/>
+              <a:gd name="T26" fmla="*/ 101 w 250"/>
+              <a:gd name="T27" fmla="*/ 8 h 234"/>
+              <a:gd name="T28" fmla="*/ 107 w 250"/>
+              <a:gd name="T29" fmla="*/ 15 h 234"/>
+              <a:gd name="T30" fmla="*/ 120 w 250"/>
+              <a:gd name="T31" fmla="*/ 37 h 234"/>
+              <a:gd name="T32" fmla="*/ 131 w 250"/>
+              <a:gd name="T33" fmla="*/ 60 h 234"/>
+              <a:gd name="T34" fmla="*/ 164 w 250"/>
+              <a:gd name="T35" fmla="*/ 25 h 234"/>
+              <a:gd name="T36" fmla="*/ 187 w 250"/>
+              <a:gd name="T37" fmla="*/ 11 h 234"/>
+              <a:gd name="T38" fmla="*/ 205 w 250"/>
+              <a:gd name="T39" fmla="*/ 19 h 234"/>
+              <a:gd name="T40" fmla="*/ 214 w 250"/>
+              <a:gd name="T41" fmla="*/ 34 h 234"/>
+              <a:gd name="T42" fmla="*/ 203 w 250"/>
+              <a:gd name="T43" fmla="*/ 57 h 234"/>
+              <a:gd name="T44" fmla="*/ 166 w 250"/>
+              <a:gd name="T45" fmla="*/ 100 h 234"/>
+              <a:gd name="T46" fmla="*/ 217 w 250"/>
+              <a:gd name="T47" fmla="*/ 98 h 234"/>
+              <a:gd name="T48" fmla="*/ 244 w 250"/>
+              <a:gd name="T49" fmla="*/ 104 h 234"/>
+              <a:gd name="T50" fmla="*/ 249 w 250"/>
+              <a:gd name="T51" fmla="*/ 115 h 234"/>
+              <a:gd name="T52" fmla="*/ 247 w 250"/>
+              <a:gd name="T53" fmla="*/ 129 h 234"/>
+              <a:gd name="T54" fmla="*/ 245 w 250"/>
+              <a:gd name="T55" fmla="*/ 134 h 234"/>
+              <a:gd name="T56" fmla="*/ 241 w 250"/>
+              <a:gd name="T57" fmla="*/ 141 h 234"/>
+              <a:gd name="T58" fmla="*/ 227 w 250"/>
+              <a:gd name="T59" fmla="*/ 147 h 234"/>
+              <a:gd name="T60" fmla="*/ 187 w 250"/>
+              <a:gd name="T61" fmla="*/ 151 h 234"/>
+              <a:gd name="T62" fmla="*/ 160 w 250"/>
+              <a:gd name="T63" fmla="*/ 148 h 234"/>
+              <a:gd name="T64" fmla="*/ 168 w 250"/>
+              <a:gd name="T65" fmla="*/ 168 h 234"/>
+              <a:gd name="T66" fmla="*/ 176 w 250"/>
+              <a:gd name="T67" fmla="*/ 194 h 234"/>
+              <a:gd name="T68" fmla="*/ 176 w 250"/>
+              <a:gd name="T69" fmla="*/ 211 h 234"/>
+              <a:gd name="T70" fmla="*/ 170 w 250"/>
+              <a:gd name="T71" fmla="*/ 221 h 234"/>
+              <a:gd name="T72" fmla="*/ 156 w 250"/>
+              <a:gd name="T73" fmla="*/ 230 h 234"/>
+              <a:gd name="T74" fmla="*/ 130 w 250"/>
+              <a:gd name="T75" fmla="*/ 226 h 234"/>
+              <a:gd name="T76" fmla="*/ 122 w 250"/>
+              <a:gd name="T77" fmla="*/ 213 h 234"/>
+              <a:gd name="T78" fmla="*/ 110 w 250"/>
+              <a:gd name="T79" fmla="*/ 169 h 234"/>
+              <a:gd name="T80" fmla="*/ 92 w 250"/>
+              <a:gd name="T81" fmla="*/ 192 h 234"/>
+              <a:gd name="T82" fmla="*/ 87 w 250"/>
+              <a:gd name="T83" fmla="*/ 197 h 234"/>
+              <a:gd name="T84" fmla="*/ 84 w 250"/>
+              <a:gd name="T85" fmla="*/ 201 h 234"/>
+              <a:gd name="T86" fmla="*/ 65 w 250"/>
+              <a:gd name="T87" fmla="*/ 212 h 234"/>
+              <a:gd name="T88" fmla="*/ 50 w 250"/>
+              <a:gd name="T89" fmla="*/ 204 h 234"/>
+              <a:gd name="T90" fmla="*/ 44 w 250"/>
+              <a:gd name="T91" fmla="*/ 198 h 234"/>
+              <a:gd name="T92" fmla="*/ 38 w 250"/>
+              <a:gd name="T93" fmla="*/ 185 h 234"/>
+              <a:gd name="T94" fmla="*/ 43 w 250"/>
+              <a:gd name="T95" fmla="*/ 167 h 234"/>
+            </a:gdLst>
+            <a:ahLst/>
+            <a:cxnLst>
+              <a:cxn ang="0">
+                <a:pos x="T0" y="T1"/>
+              </a:cxn>
+              <a:cxn ang="0">
+                <a:pos x="T2" y="T3"/>
+              </a:cxn>
+              <a:cxn ang="0">
+                <a:pos x="T4" y="T5"/>
+              </a:cxn>
+              <a:cxn ang="0">
+                <a:pos x="T6" y="T7"/>
+              </a:cxn>
+              <a:cxn ang="0">
+                <a:pos x="T8" y="T9"/>
+              </a:cxn>
+              <a:cxn ang="0">
+                <a:pos x="T10" y="T11"/>
+              </a:cxn>
+              <a:cxn ang="0">
+                <a:pos x="T12" y="T13"/>
+              </a:cxn>
+              <a:cxn ang="0">
+                <a:pos x="T14" y="T15"/>
+              </a:cxn>
+              <a:cxn ang="0">
+                <a:pos x="T16" y="T17"/>
+              </a:cxn>
+              <a:cxn ang="0">
+                <a:pos x="T18" y="T19"/>
+              </a:cxn>
+              <a:cxn ang="0">
+                <a:pos x="T20" y="T21"/>
+              </a:cxn>
+              <a:cxn ang="0">
+                <a:pos x="T22" y="T23"/>
+              </a:cxn>
+              <a:cxn ang="0">
+                <a:pos x="T24" y="T25"/>
+              </a:cxn>
+              <a:cxn ang="0">
+                <a:pos x="T26" y="T27"/>
+              </a:cxn>
+              <a:cxn ang="0">
+                <a:pos x="T28" y="T29"/>
+              </a:cxn>
+              <a:cxn ang="0">
+                <a:pos x="T30" y="T31"/>
+              </a:cxn>
+              <a:cxn ang="0">
+                <a:pos x="T32" y="T33"/>
+              </a:cxn>
+              <a:cxn ang="0">
+                <a:pos x="T34" y="T35"/>
+              </a:cxn>
+              <a:cxn ang="0">
+                <a:pos x="T36" y="T37"/>
+              </a:cxn>
+              <a:cxn ang="0">
+                <a:pos x="T38" y="T39"/>
+              </a:cxn>
+              <a:cxn ang="0">
+                <a:pos x="T40" y="T41"/>
+              </a:cxn>
+              <a:cxn ang="0">
+                <a:pos x="T42" y="T43"/>
+              </a:cxn>
+              <a:cxn ang="0">
+                <a:pos x="T44" y="T45"/>
+              </a:cxn>
+              <a:cxn ang="0">
+                <a:pos x="T46" y="T47"/>
+              </a:cxn>
+              <a:cxn ang="0">
+                <a:pos x="T48" y="T49"/>
+              </a:cxn>
+              <a:cxn ang="0">
+                <a:pos x="T50" y="T51"/>
+              </a:cxn>
+              <a:cxn ang="0">
+                <a:pos x="T52" y="T53"/>
+              </a:cxn>
+              <a:cxn ang="0">
+                <a:pos x="T54" y="T55"/>
+              </a:cxn>
+              <a:cxn ang="0">
+                <a:pos x="T56" y="T57"/>
+              </a:cxn>
+              <a:cxn ang="0">
+                <a:pos x="T58" y="T59"/>
+              </a:cxn>
+              <a:cxn ang="0">
+                <a:pos x="T60" y="T61"/>
+              </a:cxn>
+              <a:cxn ang="0">
+                <a:pos x="T62" y="T63"/>
+              </a:cxn>
+              <a:cxn ang="0">
+                <a:pos x="T64" y="T65"/>
+              </a:cxn>
+              <a:cxn ang="0">
+                <a:pos x="T66" y="T67"/>
+              </a:cxn>
+              <a:cxn ang="0">
+                <a:pos x="T68" y="T69"/>
+              </a:cxn>
+              <a:cxn ang="0">
+                <a:pos x="T70" y="T71"/>
+              </a:cxn>
+              <a:cxn ang="0">
+                <a:pos x="T72" y="T73"/>
+              </a:cxn>
+              <a:cxn ang="0">
+                <a:pos x="T74" y="T75"/>
+              </a:cxn>
+              <a:cxn ang="0">
+                <a:pos x="T76" y="T77"/>
+              </a:cxn>
+              <a:cxn ang="0">
+                <a:pos x="T78" y="T79"/>
+              </a:cxn>
+              <a:cxn ang="0">
+                <a:pos x="T80" y="T81"/>
+              </a:cxn>
+              <a:cxn ang="0">
+                <a:pos x="T82" y="T83"/>
+              </a:cxn>
+              <a:cxn ang="0">
+                <a:pos x="T84" y="T85"/>
+              </a:cxn>
+              <a:cxn ang="0">
+                <a:pos x="T86" y="T87"/>
+              </a:cxn>
+              <a:cxn ang="0">
+                <a:pos x="T88" y="T89"/>
+              </a:cxn>
+              <a:cxn ang="0">
+                <a:pos x="T90" y="T91"/>
+              </a:cxn>
+              <a:cxn ang="0">
+                <a:pos x="T92" y="T93"/>
+              </a:cxn>
+              <a:cxn ang="0">
+                <a:pos x="T94" y="T95"/>
+              </a:cxn>
+            </a:cxnLst>
+            <a:rect l="0" t="0" r="r" b="b"/>
+            <a:pathLst>
+              <a:path w="250" h="234">
+                <a:moveTo>
+                  <a:pt x="43" y="167"/>
+                </a:moveTo>
+                <a:cubicBezTo>
+                  <a:pt x="70" y="133"/>
+                  <a:pt x="70" y="133"/>
+                  <a:pt x="70" y="133"/>
+                </a:cubicBezTo>
+                <a:cubicBezTo>
+                  <a:pt x="60" y="134"/>
+                  <a:pt x="61" y="134"/>
+                  <a:pt x="48" y="134"/>
+                </a:cubicBezTo>
+                <a:cubicBezTo>
+                  <a:pt x="34" y="133"/>
+                  <a:pt x="24" y="132"/>
+                  <a:pt x="19" y="130"/>
+                </a:cubicBezTo>
+                <a:cubicBezTo>
+                  <a:pt x="13" y="128"/>
+                  <a:pt x="9" y="126"/>
+                  <a:pt x="6" y="123"/>
+                </a:cubicBezTo>
+                <a:cubicBezTo>
+                  <a:pt x="1" y="119"/>
+                  <a:pt x="0" y="112"/>
+                  <a:pt x="1" y="103"/>
+                </a:cubicBezTo>
+                <a:cubicBezTo>
+                  <a:pt x="2" y="93"/>
+                  <a:pt x="6" y="86"/>
+                  <a:pt x="11" y="81"/>
+                </a:cubicBezTo>
+                <a:cubicBezTo>
+                  <a:pt x="15" y="77"/>
+                  <a:pt x="18" y="76"/>
+                  <a:pt x="23" y="76"/>
+                </a:cubicBezTo>
+                <a:cubicBezTo>
+                  <a:pt x="81" y="78"/>
+                  <a:pt x="81" y="78"/>
+                  <a:pt x="81" y="78"/>
+                </a:cubicBezTo>
+                <a:cubicBezTo>
+                  <a:pt x="65" y="49"/>
+                  <a:pt x="65" y="49"/>
+                  <a:pt x="65" y="49"/>
+                </a:cubicBezTo>
+                <a:cubicBezTo>
+                  <a:pt x="58" y="40"/>
+                  <a:pt x="56" y="33"/>
+                  <a:pt x="57" y="27"/>
+                </a:cubicBezTo>
+                <a:cubicBezTo>
+                  <a:pt x="58" y="21"/>
+                  <a:pt x="62" y="16"/>
+                  <a:pt x="67" y="12"/>
+                </a:cubicBezTo>
+                <a:cubicBezTo>
+                  <a:pt x="74" y="6"/>
+                  <a:pt x="80" y="2"/>
+                  <a:pt x="85" y="1"/>
+                </a:cubicBezTo>
+                <a:cubicBezTo>
+                  <a:pt x="90" y="0"/>
+                  <a:pt x="95" y="2"/>
+                  <a:pt x="101" y="8"/>
+                </a:cubicBezTo>
+                <a:cubicBezTo>
+                  <a:pt x="104" y="11"/>
+                  <a:pt x="106" y="13"/>
+                  <a:pt x="107" y="15"/>
+                </a:cubicBezTo>
+                <a:cubicBezTo>
+                  <a:pt x="110" y="19"/>
+                  <a:pt x="112" y="20"/>
+                  <a:pt x="120" y="37"/>
+                </a:cubicBezTo>
+                <a:cubicBezTo>
+                  <a:pt x="129" y="55"/>
+                  <a:pt x="128" y="51"/>
+                  <a:pt x="131" y="60"/>
+                </a:cubicBezTo>
+                <a:cubicBezTo>
+                  <a:pt x="164" y="25"/>
+                  <a:pt x="164" y="25"/>
+                  <a:pt x="164" y="25"/>
+                </a:cubicBezTo>
+                <a:cubicBezTo>
+                  <a:pt x="173" y="16"/>
+                  <a:pt x="180" y="11"/>
+                  <a:pt x="187" y="11"/>
+                </a:cubicBezTo>
+                <a:cubicBezTo>
+                  <a:pt x="193" y="10"/>
+                  <a:pt x="200" y="13"/>
+                  <a:pt x="205" y="19"/>
+                </a:cubicBezTo>
+                <a:cubicBezTo>
+                  <a:pt x="210" y="24"/>
+                  <a:pt x="213" y="29"/>
+                  <a:pt x="214" y="34"/>
+                </a:cubicBezTo>
+                <a:cubicBezTo>
+                  <a:pt x="214" y="39"/>
+                  <a:pt x="211" y="47"/>
+                  <a:pt x="203" y="57"/>
+                </a:cubicBezTo>
+                <a:cubicBezTo>
+                  <a:pt x="166" y="100"/>
+                  <a:pt x="166" y="100"/>
+                  <a:pt x="166" y="100"/>
+                </a:cubicBezTo>
+                <a:cubicBezTo>
+                  <a:pt x="217" y="98"/>
+                  <a:pt x="217" y="98"/>
+                  <a:pt x="217" y="98"/>
+                </a:cubicBezTo>
+                <a:cubicBezTo>
+                  <a:pt x="229" y="96"/>
+                  <a:pt x="238" y="98"/>
+                  <a:pt x="244" y="104"/>
+                </a:cubicBezTo>
+                <a:cubicBezTo>
+                  <a:pt x="247" y="107"/>
+                  <a:pt x="249" y="111"/>
+                  <a:pt x="249" y="115"/>
+                </a:cubicBezTo>
+                <a:cubicBezTo>
+                  <a:pt x="250" y="120"/>
+                  <a:pt x="249" y="124"/>
+                  <a:pt x="247" y="129"/>
+                </a:cubicBezTo>
+                <a:cubicBezTo>
+                  <a:pt x="247" y="130"/>
+                  <a:pt x="246" y="132"/>
+                  <a:pt x="245" y="134"/>
+                </a:cubicBezTo>
+                <a:cubicBezTo>
+                  <a:pt x="244" y="137"/>
+                  <a:pt x="243" y="140"/>
+                  <a:pt x="241" y="141"/>
+                </a:cubicBezTo>
+                <a:cubicBezTo>
+                  <a:pt x="239" y="144"/>
+                  <a:pt x="234" y="146"/>
+                  <a:pt x="227" y="147"/>
+                </a:cubicBezTo>
+                <a:cubicBezTo>
+                  <a:pt x="221" y="149"/>
+                  <a:pt x="207" y="150"/>
+                  <a:pt x="187" y="151"/>
+                </a:cubicBezTo>
+                <a:cubicBezTo>
+                  <a:pt x="175" y="152"/>
+                  <a:pt x="161" y="148"/>
+                  <a:pt x="160" y="148"/>
+                </a:cubicBezTo>
+                <a:cubicBezTo>
+                  <a:pt x="161" y="151"/>
+                  <a:pt x="165" y="161"/>
+                  <a:pt x="168" y="168"/>
+                </a:cubicBezTo>
+                <a:cubicBezTo>
+                  <a:pt x="168" y="171"/>
+                  <a:pt x="173" y="181"/>
+                  <a:pt x="176" y="194"/>
+                </a:cubicBezTo>
+                <a:cubicBezTo>
+                  <a:pt x="179" y="206"/>
+                  <a:pt x="176" y="203"/>
+                  <a:pt x="176" y="211"/>
+                </a:cubicBezTo>
+                <a:cubicBezTo>
+                  <a:pt x="176" y="214"/>
+                  <a:pt x="174" y="217"/>
+                  <a:pt x="170" y="221"/>
+                </a:cubicBezTo>
+                <a:cubicBezTo>
+                  <a:pt x="166" y="226"/>
+                  <a:pt x="161" y="228"/>
+                  <a:pt x="156" y="230"/>
+                </a:cubicBezTo>
+                <a:cubicBezTo>
+                  <a:pt x="147" y="234"/>
+                  <a:pt x="137" y="233"/>
+                  <a:pt x="130" y="226"/>
+                </a:cubicBezTo>
+                <a:cubicBezTo>
+                  <a:pt x="127" y="223"/>
+                  <a:pt x="125" y="219"/>
+                  <a:pt x="122" y="213"/>
+                </a:cubicBezTo>
+                <a:cubicBezTo>
+                  <a:pt x="118" y="188"/>
+                  <a:pt x="117" y="189"/>
+                  <a:pt x="110" y="169"/>
+                </a:cubicBezTo>
+                <a:cubicBezTo>
+                  <a:pt x="92" y="192"/>
+                  <a:pt x="92" y="192"/>
+                  <a:pt x="92" y="192"/>
+                </a:cubicBezTo>
+                <a:cubicBezTo>
+                  <a:pt x="90" y="193"/>
+                  <a:pt x="88" y="195"/>
+                  <a:pt x="87" y="197"/>
+                </a:cubicBezTo>
+                <a:cubicBezTo>
+                  <a:pt x="86" y="198"/>
+                  <a:pt x="85" y="200"/>
+                  <a:pt x="84" y="201"/>
+                </a:cubicBezTo>
+                <a:cubicBezTo>
+                  <a:pt x="76" y="209"/>
+                  <a:pt x="70" y="212"/>
+                  <a:pt x="65" y="212"/>
+                </a:cubicBezTo>
+                <a:cubicBezTo>
+                  <a:pt x="60" y="211"/>
+                  <a:pt x="55" y="209"/>
+                  <a:pt x="50" y="204"/>
+                </a:cubicBezTo>
+                <a:cubicBezTo>
+                  <a:pt x="50" y="203"/>
+                  <a:pt x="48" y="202"/>
+                  <a:pt x="44" y="198"/>
+                </a:cubicBezTo>
+                <a:cubicBezTo>
+                  <a:pt x="41" y="195"/>
+                  <a:pt x="39" y="191"/>
+                  <a:pt x="38" y="185"/>
+                </a:cubicBezTo>
+                <a:cubicBezTo>
+                  <a:pt x="37" y="179"/>
+                  <a:pt x="39" y="173"/>
+                  <a:pt x="43" y="167"/>
+                </a:cubicBezTo>
+                <a:close/>
+              </a:path>
+            </a:pathLst>
+          </a:custGeom>
+          <a:solidFill>
+            <a:schemeClr val="accent4"/>
+          </a:solidFill>
+          <a:ln>
+            <a:noFill/>
+          </a:ln>
+        </p:spPr>
+        <p:txBody>
+          <a:bodyPr vert="horz" wrap="square" lIns="91440" tIns="45720" rIns="91440" bIns="45720" numCol="1" anchor="t" anchorCtr="0" compatLnSpc="1">
+            <a:prstTxWarp prst="textNoShape">
+              <a:avLst/>
+            </a:prstTxWarp>
+          </a:bodyPr>
+          <a:lstStyle/>
+          <a:p>
+            <a:endParaRPr lang="en-US"/>
+          </a:p>
+        </p:txBody>
+      </p:sp>
+    </p:spTree>
+    <p:extLst>
+      <p:ext uri="{BB962C8B-B14F-4D97-AF65-F5344CB8AC3E}">
+        <p14:creationId xmlns:p14="http://schemas.microsoft.com/office/powerpoint/2010/main" val="3125701456"/>
+      </p:ext>
+    </p:extLst>
+  </p:cSld>
+  <p:clrMapOvr>
+    <a:masterClrMapping/>
+  </p:clrMapOvr>
 </p:sld>
 </file>
 
